--- a/프레젠테이션1.pptx
+++ b/프레젠테이션1.pptx
@@ -6,12 +6,13 @@
   </p:sldMasterIdLst>
   <p:sldIdLst>
     <p:sldId id="256" r:id="rId2"/>
-    <p:sldId id="257" r:id="rId3"/>
-    <p:sldId id="258" r:id="rId4"/>
-    <p:sldId id="259" r:id="rId5"/>
-    <p:sldId id="261" r:id="rId6"/>
-    <p:sldId id="260" r:id="rId7"/>
-    <p:sldId id="262" r:id="rId8"/>
+    <p:sldId id="263" r:id="rId3"/>
+    <p:sldId id="257" r:id="rId4"/>
+    <p:sldId id="258" r:id="rId5"/>
+    <p:sldId id="259" r:id="rId6"/>
+    <p:sldId id="261" r:id="rId7"/>
+    <p:sldId id="260" r:id="rId8"/>
+    <p:sldId id="262" r:id="rId9"/>
   </p:sldIdLst>
   <p:sldSz cx="12192000" cy="6858000"/>
   <p:notesSz cx="6858000" cy="9144000"/>
@@ -249,7 +250,7 @@
           <a:p>
             <a:fld id="{06EFB4C7-7BEF-490C-A547-EABAD4F9635D}" type="datetimeFigureOut">
               <a:rPr lang="ko-KR" altLang="en-US" smtClean="0"/>
-              <a:t>2017-12-04</a:t>
+              <a:t>2017-12-10</a:t>
             </a:fld>
             <a:endParaRPr lang="ko-KR" altLang="en-US"/>
           </a:p>
@@ -419,7 +420,7 @@
           <a:p>
             <a:fld id="{06EFB4C7-7BEF-490C-A547-EABAD4F9635D}" type="datetimeFigureOut">
               <a:rPr lang="ko-KR" altLang="en-US" smtClean="0"/>
-              <a:t>2017-12-04</a:t>
+              <a:t>2017-12-10</a:t>
             </a:fld>
             <a:endParaRPr lang="ko-KR" altLang="en-US"/>
           </a:p>
@@ -599,7 +600,7 @@
           <a:p>
             <a:fld id="{06EFB4C7-7BEF-490C-A547-EABAD4F9635D}" type="datetimeFigureOut">
               <a:rPr lang="ko-KR" altLang="en-US" smtClean="0"/>
-              <a:t>2017-12-04</a:t>
+              <a:t>2017-12-10</a:t>
             </a:fld>
             <a:endParaRPr lang="ko-KR" altLang="en-US"/>
           </a:p>
@@ -769,7 +770,7 @@
           <a:p>
             <a:fld id="{06EFB4C7-7BEF-490C-A547-EABAD4F9635D}" type="datetimeFigureOut">
               <a:rPr lang="ko-KR" altLang="en-US" smtClean="0"/>
-              <a:t>2017-12-04</a:t>
+              <a:t>2017-12-10</a:t>
             </a:fld>
             <a:endParaRPr lang="ko-KR" altLang="en-US"/>
           </a:p>
@@ -1015,7 +1016,7 @@
           <a:p>
             <a:fld id="{06EFB4C7-7BEF-490C-A547-EABAD4F9635D}" type="datetimeFigureOut">
               <a:rPr lang="ko-KR" altLang="en-US" smtClean="0"/>
-              <a:t>2017-12-04</a:t>
+              <a:t>2017-12-10</a:t>
             </a:fld>
             <a:endParaRPr lang="ko-KR" altLang="en-US"/>
           </a:p>
@@ -1247,7 +1248,7 @@
           <a:p>
             <a:fld id="{06EFB4C7-7BEF-490C-A547-EABAD4F9635D}" type="datetimeFigureOut">
               <a:rPr lang="ko-KR" altLang="en-US" smtClean="0"/>
-              <a:t>2017-12-04</a:t>
+              <a:t>2017-12-10</a:t>
             </a:fld>
             <a:endParaRPr lang="ko-KR" altLang="en-US"/>
           </a:p>
@@ -1614,7 +1615,7 @@
           <a:p>
             <a:fld id="{06EFB4C7-7BEF-490C-A547-EABAD4F9635D}" type="datetimeFigureOut">
               <a:rPr lang="ko-KR" altLang="en-US" smtClean="0"/>
-              <a:t>2017-12-04</a:t>
+              <a:t>2017-12-10</a:t>
             </a:fld>
             <a:endParaRPr lang="ko-KR" altLang="en-US"/>
           </a:p>
@@ -1732,7 +1733,7 @@
           <a:p>
             <a:fld id="{06EFB4C7-7BEF-490C-A547-EABAD4F9635D}" type="datetimeFigureOut">
               <a:rPr lang="ko-KR" altLang="en-US" smtClean="0"/>
-              <a:t>2017-12-04</a:t>
+              <a:t>2017-12-10</a:t>
             </a:fld>
             <a:endParaRPr lang="ko-KR" altLang="en-US"/>
           </a:p>
@@ -1827,7 +1828,7 @@
           <a:p>
             <a:fld id="{06EFB4C7-7BEF-490C-A547-EABAD4F9635D}" type="datetimeFigureOut">
               <a:rPr lang="ko-KR" altLang="en-US" smtClean="0"/>
-              <a:t>2017-12-04</a:t>
+              <a:t>2017-12-10</a:t>
             </a:fld>
             <a:endParaRPr lang="ko-KR" altLang="en-US"/>
           </a:p>
@@ -2104,7 +2105,7 @@
           <a:p>
             <a:fld id="{06EFB4C7-7BEF-490C-A547-EABAD4F9635D}" type="datetimeFigureOut">
               <a:rPr lang="ko-KR" altLang="en-US" smtClean="0"/>
-              <a:t>2017-12-04</a:t>
+              <a:t>2017-12-10</a:t>
             </a:fld>
             <a:endParaRPr lang="ko-KR" altLang="en-US"/>
           </a:p>
@@ -2357,7 +2358,7 @@
           <a:p>
             <a:fld id="{06EFB4C7-7BEF-490C-A547-EABAD4F9635D}" type="datetimeFigureOut">
               <a:rPr lang="ko-KR" altLang="en-US" smtClean="0"/>
-              <a:t>2017-12-04</a:t>
+              <a:t>2017-12-10</a:t>
             </a:fld>
             <a:endParaRPr lang="ko-KR" altLang="en-US"/>
           </a:p>
@@ -2570,7 +2571,7 @@
           <a:p>
             <a:fld id="{06EFB4C7-7BEF-490C-A547-EABAD4F9635D}" type="datetimeFigureOut">
               <a:rPr lang="ko-KR" altLang="en-US" smtClean="0"/>
-              <a:t>2017-12-04</a:t>
+              <a:t>2017-12-10</a:t>
             </a:fld>
             <a:endParaRPr lang="ko-KR" altLang="en-US"/>
           </a:p>
@@ -4893,6 +4894,681 @@
       </p:grpSpPr>
       <p:sp>
         <p:nvSpPr>
+          <p:cNvPr id="52" name="직사각형 51"/>
+          <p:cNvSpPr/>
+          <p:nvPr/>
+        </p:nvSpPr>
+        <p:spPr>
+          <a:xfrm>
+            <a:off x="9029885" y="119921"/>
+            <a:ext cx="1862859" cy="409841"/>
+          </a:xfrm>
+          <a:prstGeom prst="rect">
+            <a:avLst/>
+          </a:prstGeom>
+          <a:solidFill>
+            <a:schemeClr val="tx1"/>
+          </a:solidFill>
+          <a:ln>
+            <a:noFill/>
+          </a:ln>
+        </p:spPr>
+        <p:style>
+          <a:lnRef idx="2">
+            <a:schemeClr val="accent1">
+              <a:shade val="50000"/>
+            </a:schemeClr>
+          </a:lnRef>
+          <a:fillRef idx="1">
+            <a:schemeClr val="accent1"/>
+          </a:fillRef>
+          <a:effectRef idx="0">
+            <a:schemeClr val="accent1"/>
+          </a:effectRef>
+          <a:fontRef idx="minor">
+            <a:schemeClr val="lt1"/>
+          </a:fontRef>
+        </p:style>
+        <p:txBody>
+          <a:bodyPr rtlCol="0" anchor="ctr"/>
+          <a:lstStyle/>
+          <a:p>
+            <a:pPr algn="ctr"/>
+            <a:r>
+              <a:rPr lang="en-US" altLang="ko-KR" sz="2400" b="1" dirty="0" smtClean="0"/>
+              <a:t>Server</a:t>
+            </a:r>
+            <a:endParaRPr lang="ko-KR" altLang="en-US" sz="2400" b="1" dirty="0"/>
+          </a:p>
+        </p:txBody>
+      </p:sp>
+      <p:sp>
+        <p:nvSpPr>
+          <p:cNvPr id="53" name="직사각형 52"/>
+          <p:cNvSpPr/>
+          <p:nvPr/>
+        </p:nvSpPr>
+        <p:spPr>
+          <a:xfrm>
+            <a:off x="480717" y="624612"/>
+            <a:ext cx="949934" cy="5564037"/>
+          </a:xfrm>
+          <a:prstGeom prst="rect">
+            <a:avLst/>
+          </a:prstGeom>
+          <a:solidFill>
+            <a:schemeClr val="accent2">
+              <a:lumMod val="20000"/>
+              <a:lumOff val="80000"/>
+            </a:schemeClr>
+          </a:solidFill>
+        </p:spPr>
+        <p:style>
+          <a:lnRef idx="2">
+            <a:schemeClr val="accent1">
+              <a:shade val="50000"/>
+            </a:schemeClr>
+          </a:lnRef>
+          <a:fillRef idx="1">
+            <a:schemeClr val="accent1"/>
+          </a:fillRef>
+          <a:effectRef idx="0">
+            <a:schemeClr val="accent1"/>
+          </a:effectRef>
+          <a:fontRef idx="minor">
+            <a:schemeClr val="lt1"/>
+          </a:fontRef>
+        </p:style>
+        <p:txBody>
+          <a:bodyPr rtlCol="0" anchor="ctr"/>
+          <a:lstStyle/>
+          <a:p>
+            <a:pPr algn="ctr"/>
+            <a:endParaRPr lang="ko-KR" altLang="en-US"/>
+          </a:p>
+        </p:txBody>
+      </p:sp>
+      <p:sp>
+        <p:nvSpPr>
+          <p:cNvPr id="2" name="직사각형 1"/>
+          <p:cNvSpPr/>
+          <p:nvPr/>
+        </p:nvSpPr>
+        <p:spPr>
+          <a:xfrm>
+            <a:off x="480717" y="3080431"/>
+            <a:ext cx="936475" cy="369332"/>
+          </a:xfrm>
+          <a:prstGeom prst="rect">
+            <a:avLst/>
+          </a:prstGeom>
+        </p:spPr>
+        <p:txBody>
+          <a:bodyPr wrap="none">
+            <a:spAutoFit/>
+          </a:bodyPr>
+          <a:lstStyle/>
+          <a:p>
+            <a:r>
+              <a:rPr lang="en-US" altLang="ko-KR" dirty="0" err="1" smtClean="0"/>
+              <a:t>ffmpeg</a:t>
+            </a:r>
+            <a:endParaRPr lang="ko-KR" altLang="en-US" dirty="0"/>
+          </a:p>
+        </p:txBody>
+      </p:sp>
+      <p:cxnSp>
+        <p:nvCxnSpPr>
+          <p:cNvPr id="6" name="직선 화살표 연결선 5"/>
+          <p:cNvCxnSpPr/>
+          <p:nvPr/>
+        </p:nvCxnSpPr>
+        <p:spPr>
+          <a:xfrm>
+            <a:off x="1570008" y="1595886"/>
+            <a:ext cx="724618" cy="0"/>
+          </a:xfrm>
+          <a:prstGeom prst="straightConnector1">
+            <a:avLst/>
+          </a:prstGeom>
+          <a:ln>
+            <a:solidFill>
+              <a:schemeClr val="tx1"/>
+            </a:solidFill>
+            <a:tailEnd type="triangle"/>
+          </a:ln>
+        </p:spPr>
+        <p:style>
+          <a:lnRef idx="1">
+            <a:schemeClr val="accent1"/>
+          </a:lnRef>
+          <a:fillRef idx="0">
+            <a:schemeClr val="accent1"/>
+          </a:fillRef>
+          <a:effectRef idx="0">
+            <a:schemeClr val="accent1"/>
+          </a:effectRef>
+          <a:fontRef idx="minor">
+            <a:schemeClr val="tx1"/>
+          </a:fontRef>
+        </p:style>
+      </p:cxnSp>
+      <p:cxnSp>
+        <p:nvCxnSpPr>
+          <p:cNvPr id="56" name="직선 화살표 연결선 55"/>
+          <p:cNvCxnSpPr/>
+          <p:nvPr/>
+        </p:nvCxnSpPr>
+        <p:spPr>
+          <a:xfrm>
+            <a:off x="1570008" y="3342734"/>
+            <a:ext cx="724618" cy="0"/>
+          </a:xfrm>
+          <a:prstGeom prst="straightConnector1">
+            <a:avLst/>
+          </a:prstGeom>
+          <a:ln>
+            <a:solidFill>
+              <a:schemeClr val="tx1"/>
+            </a:solidFill>
+            <a:tailEnd type="triangle"/>
+          </a:ln>
+        </p:spPr>
+        <p:style>
+          <a:lnRef idx="1">
+            <a:schemeClr val="accent1"/>
+          </a:lnRef>
+          <a:fillRef idx="0">
+            <a:schemeClr val="accent1"/>
+          </a:fillRef>
+          <a:effectRef idx="0">
+            <a:schemeClr val="accent1"/>
+          </a:effectRef>
+          <a:fontRef idx="minor">
+            <a:schemeClr val="tx1"/>
+          </a:fontRef>
+        </p:style>
+      </p:cxnSp>
+      <p:cxnSp>
+        <p:nvCxnSpPr>
+          <p:cNvPr id="58" name="직선 화살표 연결선 57"/>
+          <p:cNvCxnSpPr/>
+          <p:nvPr/>
+        </p:nvCxnSpPr>
+        <p:spPr>
+          <a:xfrm>
+            <a:off x="1570008" y="5007631"/>
+            <a:ext cx="724618" cy="0"/>
+          </a:xfrm>
+          <a:prstGeom prst="straightConnector1">
+            <a:avLst/>
+          </a:prstGeom>
+          <a:ln>
+            <a:solidFill>
+              <a:schemeClr val="tx1"/>
+            </a:solidFill>
+            <a:tailEnd type="triangle"/>
+          </a:ln>
+        </p:spPr>
+        <p:style>
+          <a:lnRef idx="1">
+            <a:schemeClr val="accent1"/>
+          </a:lnRef>
+          <a:fillRef idx="0">
+            <a:schemeClr val="accent1"/>
+          </a:fillRef>
+          <a:effectRef idx="0">
+            <a:schemeClr val="accent1"/>
+          </a:effectRef>
+          <a:fontRef idx="minor">
+            <a:schemeClr val="tx1"/>
+          </a:fontRef>
+        </p:style>
+      </p:cxnSp>
+      <p:sp>
+        <p:nvSpPr>
+          <p:cNvPr id="7" name="직사각형 6"/>
+          <p:cNvSpPr/>
+          <p:nvPr/>
+        </p:nvSpPr>
+        <p:spPr>
+          <a:xfrm>
+            <a:off x="2502326" y="1061049"/>
+            <a:ext cx="2053087" cy="1069675"/>
+          </a:xfrm>
+          <a:prstGeom prst="rect">
+            <a:avLst/>
+          </a:prstGeom>
+        </p:spPr>
+        <p:style>
+          <a:lnRef idx="2">
+            <a:schemeClr val="accent1">
+              <a:shade val="50000"/>
+            </a:schemeClr>
+          </a:lnRef>
+          <a:fillRef idx="1">
+            <a:schemeClr val="accent1"/>
+          </a:fillRef>
+          <a:effectRef idx="0">
+            <a:schemeClr val="accent1"/>
+          </a:effectRef>
+          <a:fontRef idx="minor">
+            <a:schemeClr val="lt1"/>
+          </a:fontRef>
+        </p:style>
+        <p:txBody>
+          <a:bodyPr rtlCol="0" anchor="ctr"/>
+          <a:lstStyle/>
+          <a:p>
+            <a:pPr algn="ctr"/>
+            <a:r>
+              <a:rPr lang="en-US" altLang="ko-KR" dirty="0" smtClean="0"/>
+              <a:t>Mp4 to </a:t>
+            </a:r>
+            <a:r>
+              <a:rPr lang="en-US" altLang="ko-KR" dirty="0" err="1" smtClean="0"/>
+              <a:t>png</a:t>
+            </a:r>
+            <a:endParaRPr lang="ko-KR" altLang="en-US" dirty="0"/>
+          </a:p>
+        </p:txBody>
+      </p:sp>
+      <p:sp>
+        <p:nvSpPr>
+          <p:cNvPr id="62" name="직사각형 61"/>
+          <p:cNvSpPr/>
+          <p:nvPr/>
+        </p:nvSpPr>
+        <p:spPr>
+          <a:xfrm>
+            <a:off x="2502325" y="2807897"/>
+            <a:ext cx="2053087" cy="2842404"/>
+          </a:xfrm>
+          <a:prstGeom prst="rect">
+            <a:avLst/>
+          </a:prstGeom>
+        </p:spPr>
+        <p:style>
+          <a:lnRef idx="2">
+            <a:schemeClr val="accent1">
+              <a:shade val="50000"/>
+            </a:schemeClr>
+          </a:lnRef>
+          <a:fillRef idx="1">
+            <a:schemeClr val="accent1"/>
+          </a:fillRef>
+          <a:effectRef idx="0">
+            <a:schemeClr val="accent1"/>
+          </a:effectRef>
+          <a:fontRef idx="minor">
+            <a:schemeClr val="lt1"/>
+          </a:fontRef>
+        </p:style>
+        <p:txBody>
+          <a:bodyPr rtlCol="0" anchor="ctr"/>
+          <a:lstStyle/>
+          <a:p>
+            <a:pPr algn="ctr"/>
+            <a:r>
+              <a:rPr lang="ko-KR" altLang="en-US" dirty="0" smtClean="0"/>
+              <a:t>음성 추출</a:t>
+            </a:r>
+            <a:endParaRPr lang="ko-KR" altLang="en-US" dirty="0"/>
+          </a:p>
+        </p:txBody>
+      </p:sp>
+      <p:cxnSp>
+        <p:nvCxnSpPr>
+          <p:cNvPr id="69" name="직선 화살표 연결선 68"/>
+          <p:cNvCxnSpPr/>
+          <p:nvPr/>
+        </p:nvCxnSpPr>
+        <p:spPr>
+          <a:xfrm>
+            <a:off x="4675517" y="1595886"/>
+            <a:ext cx="724618" cy="0"/>
+          </a:xfrm>
+          <a:prstGeom prst="straightConnector1">
+            <a:avLst/>
+          </a:prstGeom>
+          <a:ln>
+            <a:solidFill>
+              <a:schemeClr val="tx1"/>
+            </a:solidFill>
+            <a:tailEnd type="triangle"/>
+          </a:ln>
+        </p:spPr>
+        <p:style>
+          <a:lnRef idx="1">
+            <a:schemeClr val="accent1"/>
+          </a:lnRef>
+          <a:fillRef idx="0">
+            <a:schemeClr val="accent1"/>
+          </a:fillRef>
+          <a:effectRef idx="0">
+            <a:schemeClr val="accent1"/>
+          </a:effectRef>
+          <a:fontRef idx="minor">
+            <a:schemeClr val="tx1"/>
+          </a:fontRef>
+        </p:style>
+      </p:cxnSp>
+      <p:sp>
+        <p:nvSpPr>
+          <p:cNvPr id="70" name="직사각형 69"/>
+          <p:cNvSpPr/>
+          <p:nvPr/>
+        </p:nvSpPr>
+        <p:spPr>
+          <a:xfrm>
+            <a:off x="5627088" y="1061049"/>
+            <a:ext cx="2053087" cy="1069675"/>
+          </a:xfrm>
+          <a:prstGeom prst="rect">
+            <a:avLst/>
+          </a:prstGeom>
+        </p:spPr>
+        <p:style>
+          <a:lnRef idx="2">
+            <a:schemeClr val="accent1">
+              <a:shade val="50000"/>
+            </a:schemeClr>
+          </a:lnRef>
+          <a:fillRef idx="1">
+            <a:schemeClr val="accent1"/>
+          </a:fillRef>
+          <a:effectRef idx="0">
+            <a:schemeClr val="accent1"/>
+          </a:effectRef>
+          <a:fontRef idx="minor">
+            <a:schemeClr val="lt1"/>
+          </a:fontRef>
+        </p:style>
+        <p:txBody>
+          <a:bodyPr rtlCol="0" anchor="ctr"/>
+          <a:lstStyle/>
+          <a:p>
+            <a:pPr algn="ctr"/>
+            <a:r>
+              <a:rPr lang="en-US" altLang="ko-KR" dirty="0" smtClean="0"/>
+              <a:t>Emotion API</a:t>
+            </a:r>
+            <a:endParaRPr lang="ko-KR" altLang="en-US" dirty="0"/>
+          </a:p>
+        </p:txBody>
+      </p:sp>
+      <p:cxnSp>
+        <p:nvCxnSpPr>
+          <p:cNvPr id="71" name="직선 화살표 연결선 70"/>
+          <p:cNvCxnSpPr/>
+          <p:nvPr/>
+        </p:nvCxnSpPr>
+        <p:spPr>
+          <a:xfrm>
+            <a:off x="4675517" y="3342734"/>
+            <a:ext cx="724618" cy="0"/>
+          </a:xfrm>
+          <a:prstGeom prst="straightConnector1">
+            <a:avLst/>
+          </a:prstGeom>
+          <a:ln>
+            <a:solidFill>
+              <a:schemeClr val="tx1"/>
+            </a:solidFill>
+            <a:tailEnd type="triangle"/>
+          </a:ln>
+        </p:spPr>
+        <p:style>
+          <a:lnRef idx="1">
+            <a:schemeClr val="accent1"/>
+          </a:lnRef>
+          <a:fillRef idx="0">
+            <a:schemeClr val="accent1"/>
+          </a:fillRef>
+          <a:effectRef idx="0">
+            <a:schemeClr val="accent1"/>
+          </a:effectRef>
+          <a:fontRef idx="minor">
+            <a:schemeClr val="tx1"/>
+          </a:fontRef>
+        </p:style>
+      </p:cxnSp>
+      <p:sp>
+        <p:nvSpPr>
+          <p:cNvPr id="72" name="직사각형 71"/>
+          <p:cNvSpPr/>
+          <p:nvPr/>
+        </p:nvSpPr>
+        <p:spPr>
+          <a:xfrm>
+            <a:off x="5627088" y="2807897"/>
+            <a:ext cx="2053087" cy="1069675"/>
+          </a:xfrm>
+          <a:prstGeom prst="rect">
+            <a:avLst/>
+          </a:prstGeom>
+        </p:spPr>
+        <p:style>
+          <a:lnRef idx="2">
+            <a:schemeClr val="accent1">
+              <a:shade val="50000"/>
+            </a:schemeClr>
+          </a:lnRef>
+          <a:fillRef idx="1">
+            <a:schemeClr val="accent1"/>
+          </a:fillRef>
+          <a:effectRef idx="0">
+            <a:schemeClr val="accent1"/>
+          </a:effectRef>
+          <a:fontRef idx="minor">
+            <a:schemeClr val="lt1"/>
+          </a:fontRef>
+        </p:style>
+        <p:txBody>
+          <a:bodyPr rtlCol="0" anchor="ctr"/>
+          <a:lstStyle/>
+          <a:p>
+            <a:pPr algn="ctr"/>
+            <a:r>
+              <a:rPr lang="ko-KR" altLang="en-US" dirty="0" smtClean="0"/>
+              <a:t>음 파악</a:t>
+            </a:r>
+            <a:endParaRPr lang="ko-KR" altLang="en-US" dirty="0"/>
+          </a:p>
+        </p:txBody>
+      </p:sp>
+      <p:sp>
+        <p:nvSpPr>
+          <p:cNvPr id="77" name="직사각형 76"/>
+          <p:cNvSpPr/>
+          <p:nvPr/>
+        </p:nvSpPr>
+        <p:spPr>
+          <a:xfrm>
+            <a:off x="5627088" y="4580626"/>
+            <a:ext cx="2053087" cy="1069675"/>
+          </a:xfrm>
+          <a:prstGeom prst="rect">
+            <a:avLst/>
+          </a:prstGeom>
+        </p:spPr>
+        <p:style>
+          <a:lnRef idx="2">
+            <a:schemeClr val="accent1">
+              <a:shade val="50000"/>
+            </a:schemeClr>
+          </a:lnRef>
+          <a:fillRef idx="1">
+            <a:schemeClr val="accent1"/>
+          </a:fillRef>
+          <a:effectRef idx="0">
+            <a:schemeClr val="accent1"/>
+          </a:effectRef>
+          <a:fontRef idx="minor">
+            <a:schemeClr val="lt1"/>
+          </a:fontRef>
+        </p:style>
+        <p:txBody>
+          <a:bodyPr rtlCol="0" anchor="ctr"/>
+          <a:lstStyle/>
+          <a:p>
+            <a:pPr algn="ctr"/>
+            <a:r>
+              <a:rPr lang="ko-KR" altLang="en-US" dirty="0" smtClean="0"/>
+              <a:t>음성 인식</a:t>
+            </a:r>
+            <a:endParaRPr lang="ko-KR" altLang="en-US" dirty="0"/>
+          </a:p>
+        </p:txBody>
+      </p:sp>
+      <p:cxnSp>
+        <p:nvCxnSpPr>
+          <p:cNvPr id="80" name="직선 화살표 연결선 79"/>
+          <p:cNvCxnSpPr/>
+          <p:nvPr/>
+        </p:nvCxnSpPr>
+        <p:spPr>
+          <a:xfrm>
+            <a:off x="4744528" y="5115463"/>
+            <a:ext cx="724618" cy="0"/>
+          </a:xfrm>
+          <a:prstGeom prst="straightConnector1">
+            <a:avLst/>
+          </a:prstGeom>
+          <a:ln>
+            <a:solidFill>
+              <a:schemeClr val="tx1"/>
+            </a:solidFill>
+            <a:tailEnd type="triangle"/>
+          </a:ln>
+        </p:spPr>
+        <p:style>
+          <a:lnRef idx="1">
+            <a:schemeClr val="accent1"/>
+          </a:lnRef>
+          <a:fillRef idx="0">
+            <a:schemeClr val="accent1"/>
+          </a:fillRef>
+          <a:effectRef idx="0">
+            <a:schemeClr val="accent1"/>
+          </a:effectRef>
+          <a:fontRef idx="minor">
+            <a:schemeClr val="tx1"/>
+          </a:fontRef>
+        </p:style>
+      </p:cxnSp>
+      <p:cxnSp>
+        <p:nvCxnSpPr>
+          <p:cNvPr id="81" name="직선 화살표 연결선 80"/>
+          <p:cNvCxnSpPr/>
+          <p:nvPr/>
+        </p:nvCxnSpPr>
+        <p:spPr>
+          <a:xfrm>
+            <a:off x="7824158" y="1595886"/>
+            <a:ext cx="724618" cy="0"/>
+          </a:xfrm>
+          <a:prstGeom prst="straightConnector1">
+            <a:avLst/>
+          </a:prstGeom>
+          <a:ln>
+            <a:solidFill>
+              <a:schemeClr val="tx1"/>
+            </a:solidFill>
+            <a:tailEnd type="triangle"/>
+          </a:ln>
+        </p:spPr>
+        <p:style>
+          <a:lnRef idx="1">
+            <a:schemeClr val="accent1"/>
+          </a:lnRef>
+          <a:fillRef idx="0">
+            <a:schemeClr val="accent1"/>
+          </a:fillRef>
+          <a:effectRef idx="0">
+            <a:schemeClr val="accent1"/>
+          </a:effectRef>
+          <a:fontRef idx="minor">
+            <a:schemeClr val="tx1"/>
+          </a:fontRef>
+        </p:style>
+      </p:cxnSp>
+      <p:sp>
+        <p:nvSpPr>
+          <p:cNvPr id="82" name="직사각형 81"/>
+          <p:cNvSpPr/>
+          <p:nvPr/>
+        </p:nvSpPr>
+        <p:spPr>
+          <a:xfrm>
+            <a:off x="8692759" y="1061048"/>
+            <a:ext cx="2053087" cy="1069675"/>
+          </a:xfrm>
+          <a:prstGeom prst="rect">
+            <a:avLst/>
+          </a:prstGeom>
+        </p:spPr>
+        <p:style>
+          <a:lnRef idx="2">
+            <a:schemeClr val="accent1">
+              <a:shade val="50000"/>
+            </a:schemeClr>
+          </a:lnRef>
+          <a:fillRef idx="1">
+            <a:schemeClr val="accent1"/>
+          </a:fillRef>
+          <a:effectRef idx="0">
+            <a:schemeClr val="accent1"/>
+          </a:effectRef>
+          <a:fontRef idx="minor">
+            <a:schemeClr val="lt1"/>
+          </a:fontRef>
+        </p:style>
+        <p:txBody>
+          <a:bodyPr rtlCol="0" anchor="ctr"/>
+          <a:lstStyle/>
+          <a:p>
+            <a:pPr algn="ctr"/>
+            <a:r>
+              <a:rPr lang="ko-KR" altLang="en-US" dirty="0" smtClean="0"/>
+              <a:t>합성</a:t>
+            </a:r>
+            <a:endParaRPr lang="ko-KR" altLang="en-US" dirty="0"/>
+          </a:p>
+        </p:txBody>
+      </p:sp>
+    </p:spTree>
+    <p:extLst>
+      <p:ext uri="{BB962C8B-B14F-4D97-AF65-F5344CB8AC3E}">
+        <p14:creationId xmlns:p14="http://schemas.microsoft.com/office/powerpoint/2010/main" val="1587847889"/>
+      </p:ext>
+    </p:extLst>
+  </p:cSld>
+  <p:clrMapOvr>
+    <a:masterClrMapping/>
+  </p:clrMapOvr>
+</p:sld>
+</file>
+
+<file path=ppt/slides/slide3.xml><?xml version="1.0" encoding="utf-8"?>
+<p:sld xmlns:a="http://schemas.openxmlformats.org/drawingml/2006/main" xmlns:r="http://schemas.openxmlformats.org/officeDocument/2006/relationships" xmlns:p="http://schemas.openxmlformats.org/presentationml/2006/main">
+  <p:cSld>
+    <p:spTree>
+      <p:nvGrpSpPr>
+        <p:cNvPr id="1" name=""/>
+        <p:cNvGrpSpPr/>
+        <p:nvPr/>
+      </p:nvGrpSpPr>
+      <p:grpSpPr>
+        <a:xfrm>
+          <a:off x="0" y="0"/>
+          <a:ext cx="0" cy="0"/>
+          <a:chOff x="0" y="0"/>
+          <a:chExt cx="0" cy="0"/>
+        </a:xfrm>
+      </p:grpSpPr>
+      <p:sp>
+        <p:nvSpPr>
           <p:cNvPr id="20" name="순서도: 자기 디스크 19"/>
           <p:cNvSpPr/>
           <p:nvPr/>
@@ -5844,7 +6520,7 @@
 </p:sld>
 </file>
 
-<file path=ppt/slides/slide3.xml><?xml version="1.0" encoding="utf-8"?>
+<file path=ppt/slides/slide4.xml><?xml version="1.0" encoding="utf-8"?>
 <p:sld xmlns:a="http://schemas.openxmlformats.org/drawingml/2006/main" xmlns:r="http://schemas.openxmlformats.org/officeDocument/2006/relationships" xmlns:p="http://schemas.openxmlformats.org/presentationml/2006/main">
   <p:cSld>
     <p:spTree>
@@ -6279,1261 +6955,6 @@
 </p:sld>
 </file>
 
-<file path=ppt/slides/slide4.xml><?xml version="1.0" encoding="utf-8"?>
-<p:sld xmlns:a="http://schemas.openxmlformats.org/drawingml/2006/main" xmlns:r="http://schemas.openxmlformats.org/officeDocument/2006/relationships" xmlns:p="http://schemas.openxmlformats.org/presentationml/2006/main">
-  <p:cSld>
-    <p:spTree>
-      <p:nvGrpSpPr>
-        <p:cNvPr id="1" name=""/>
-        <p:cNvGrpSpPr/>
-        <p:nvPr/>
-      </p:nvGrpSpPr>
-      <p:grpSpPr>
-        <a:xfrm>
-          <a:off x="0" y="0"/>
-          <a:ext cx="0" cy="0"/>
-          <a:chOff x="0" y="0"/>
-          <a:chExt cx="0" cy="0"/>
-        </a:xfrm>
-      </p:grpSpPr>
-      <p:sp>
-        <p:nvSpPr>
-          <p:cNvPr id="2" name="직사각형 1"/>
-          <p:cNvSpPr/>
-          <p:nvPr/>
-        </p:nvSpPr>
-        <p:spPr>
-          <a:xfrm>
-            <a:off x="0" y="0"/>
-            <a:ext cx="2388637" cy="466530"/>
-          </a:xfrm>
-          <a:prstGeom prst="rect">
-            <a:avLst/>
-          </a:prstGeom>
-          <a:solidFill>
-            <a:schemeClr val="tx1"/>
-          </a:solidFill>
-          <a:ln>
-            <a:noFill/>
-          </a:ln>
-        </p:spPr>
-        <p:style>
-          <a:lnRef idx="2">
-            <a:schemeClr val="accent1">
-              <a:shade val="50000"/>
-            </a:schemeClr>
-          </a:lnRef>
-          <a:fillRef idx="1">
-            <a:schemeClr val="accent1"/>
-          </a:fillRef>
-          <a:effectRef idx="0">
-            <a:schemeClr val="accent1"/>
-          </a:effectRef>
-          <a:fontRef idx="minor">
-            <a:schemeClr val="lt1"/>
-          </a:fontRef>
-        </p:style>
-        <p:txBody>
-          <a:bodyPr rtlCol="0" anchor="ctr"/>
-          <a:lstStyle/>
-          <a:p>
-            <a:pPr algn="ctr"/>
-            <a:r>
-              <a:rPr lang="ko-KR" altLang="en-US" dirty="0" smtClean="0">
-                <a:latin typeface="210 맨발의청춘 B" panose="02020603020101020101" pitchFamily="18" charset="-127"/>
-                <a:ea typeface="210 맨발의청춘 B" panose="02020603020101020101" pitchFamily="18" charset="-127"/>
-              </a:rPr>
-              <a:t>초기 </a:t>
-            </a:r>
-            <a:r>
-              <a:rPr lang="ko-KR" altLang="en-US" dirty="0" err="1" smtClean="0">
-                <a:latin typeface="210 맨발의청춘 B" panose="02020603020101020101" pitchFamily="18" charset="-127"/>
-                <a:ea typeface="210 맨발의청춘 B" panose="02020603020101020101" pitchFamily="18" charset="-127"/>
-              </a:rPr>
-              <a:t>세팅</a:t>
-            </a:r>
-            <a:r>
-              <a:rPr lang="ko-KR" altLang="en-US" dirty="0" smtClean="0">
-                <a:latin typeface="210 맨발의청춘 B" panose="02020603020101020101" pitchFamily="18" charset="-127"/>
-                <a:ea typeface="210 맨발의청춘 B" panose="02020603020101020101" pitchFamily="18" charset="-127"/>
-              </a:rPr>
-              <a:t> 작업</a:t>
-            </a:r>
-            <a:endParaRPr lang="ko-KR" altLang="en-US" dirty="0">
-              <a:latin typeface="210 맨발의청춘 B" panose="02020603020101020101" pitchFamily="18" charset="-127"/>
-              <a:ea typeface="210 맨발의청춘 B" panose="02020603020101020101" pitchFamily="18" charset="-127"/>
-            </a:endParaRPr>
-          </a:p>
-        </p:txBody>
-      </p:sp>
-      <p:sp>
-        <p:nvSpPr>
-          <p:cNvPr id="9" name="직사각형 8"/>
-          <p:cNvSpPr/>
-          <p:nvPr/>
-        </p:nvSpPr>
-        <p:spPr>
-          <a:xfrm>
-            <a:off x="2565919" y="0"/>
-            <a:ext cx="2388637" cy="466530"/>
-          </a:xfrm>
-          <a:prstGeom prst="rect">
-            <a:avLst/>
-          </a:prstGeom>
-          <a:solidFill>
-            <a:schemeClr val="tx1">
-              <a:lumMod val="50000"/>
-              <a:lumOff val="50000"/>
-            </a:schemeClr>
-          </a:solidFill>
-          <a:ln>
-            <a:noFill/>
-          </a:ln>
-        </p:spPr>
-        <p:style>
-          <a:lnRef idx="2">
-            <a:schemeClr val="accent1">
-              <a:shade val="50000"/>
-            </a:schemeClr>
-          </a:lnRef>
-          <a:fillRef idx="1">
-            <a:schemeClr val="accent1"/>
-          </a:fillRef>
-          <a:effectRef idx="0">
-            <a:schemeClr val="accent1"/>
-          </a:effectRef>
-          <a:fontRef idx="minor">
-            <a:schemeClr val="lt1"/>
-          </a:fontRef>
-        </p:style>
-        <p:txBody>
-          <a:bodyPr rtlCol="0" anchor="ctr"/>
-          <a:lstStyle/>
-          <a:p>
-            <a:pPr algn="ctr"/>
-            <a:r>
-              <a:rPr lang="en-US" altLang="ko-KR" dirty="0" smtClean="0">
-                <a:latin typeface="210 맨발의청춘 B" panose="02020603020101020101" pitchFamily="18" charset="-127"/>
-                <a:ea typeface="210 맨발의청춘 B" panose="02020603020101020101" pitchFamily="18" charset="-127"/>
-              </a:rPr>
-              <a:t>Scene Flow</a:t>
-            </a:r>
-            <a:endParaRPr lang="ko-KR" altLang="en-US" dirty="0">
-              <a:latin typeface="210 맨발의청춘 B" panose="02020603020101020101" pitchFamily="18" charset="-127"/>
-              <a:ea typeface="210 맨발의청춘 B" panose="02020603020101020101" pitchFamily="18" charset="-127"/>
-            </a:endParaRPr>
-          </a:p>
-        </p:txBody>
-      </p:sp>
-      <p:sp>
-        <p:nvSpPr>
-          <p:cNvPr id="10" name="직사각형 9"/>
-          <p:cNvSpPr>
-            <a:spLocks noChangeAspect="1"/>
-          </p:cNvSpPr>
-          <p:nvPr/>
-        </p:nvSpPr>
-        <p:spPr>
-          <a:xfrm>
-            <a:off x="1181545" y="2706914"/>
-            <a:ext cx="1113786" cy="1980065"/>
-          </a:xfrm>
-          <a:prstGeom prst="rect">
-            <a:avLst/>
-          </a:prstGeom>
-        </p:spPr>
-        <p:style>
-          <a:lnRef idx="2">
-            <a:schemeClr val="accent1">
-              <a:shade val="50000"/>
-            </a:schemeClr>
-          </a:lnRef>
-          <a:fillRef idx="1">
-            <a:schemeClr val="accent1"/>
-          </a:fillRef>
-          <a:effectRef idx="0">
-            <a:schemeClr val="accent1"/>
-          </a:effectRef>
-          <a:fontRef idx="minor">
-            <a:schemeClr val="lt1"/>
-          </a:fontRef>
-        </p:style>
-        <p:txBody>
-          <a:bodyPr rtlCol="0" anchor="ctr"/>
-          <a:lstStyle/>
-          <a:p>
-            <a:pPr algn="ctr"/>
-            <a:endParaRPr lang="ko-KR" altLang="en-US"/>
-          </a:p>
-        </p:txBody>
-      </p:sp>
-      <p:sp>
-        <p:nvSpPr>
-          <p:cNvPr id="11" name="TextBox 10"/>
-          <p:cNvSpPr txBox="1"/>
-          <p:nvPr/>
-        </p:nvSpPr>
-        <p:spPr>
-          <a:xfrm>
-            <a:off x="596128" y="3556422"/>
-            <a:ext cx="585417" cy="276999"/>
-          </a:xfrm>
-          <a:prstGeom prst="rect">
-            <a:avLst/>
-          </a:prstGeom>
-          <a:noFill/>
-        </p:spPr>
-        <p:txBody>
-          <a:bodyPr wrap="none" rtlCol="0">
-            <a:spAutoFit/>
-          </a:bodyPr>
-          <a:lstStyle/>
-          <a:p>
-            <a:r>
-              <a:rPr lang="en-US" altLang="ko-KR" sz="1200" dirty="0" smtClean="0">
-                <a:latin typeface="210 맨발의청춘 L" panose="02020603020101020101" pitchFamily="18" charset="-127"/>
-                <a:ea typeface="210 맨발의청춘 L" panose="02020603020101020101" pitchFamily="18" charset="-127"/>
-              </a:rPr>
-              <a:t>[</a:t>
-            </a:r>
-            <a:r>
-              <a:rPr lang="ko-KR" altLang="en-US" sz="1200" dirty="0" smtClean="0">
-                <a:latin typeface="210 맨발의청춘 L" panose="02020603020101020101" pitchFamily="18" charset="-127"/>
-                <a:ea typeface="210 맨발의청춘 L" panose="02020603020101020101" pitchFamily="18" charset="-127"/>
-              </a:rPr>
-              <a:t>메인</a:t>
-            </a:r>
-            <a:r>
-              <a:rPr lang="en-US" altLang="ko-KR" sz="1200" dirty="0" smtClean="0">
-                <a:latin typeface="210 맨발의청춘 L" panose="02020603020101020101" pitchFamily="18" charset="-127"/>
-                <a:ea typeface="210 맨발의청춘 L" panose="02020603020101020101" pitchFamily="18" charset="-127"/>
-              </a:rPr>
-              <a:t>]</a:t>
-            </a:r>
-            <a:endParaRPr lang="ko-KR" altLang="en-US" sz="1200" dirty="0">
-              <a:latin typeface="210 맨발의청춘 L" panose="02020603020101020101" pitchFamily="18" charset="-127"/>
-              <a:ea typeface="210 맨발의청춘 L" panose="02020603020101020101" pitchFamily="18" charset="-127"/>
-            </a:endParaRPr>
-          </a:p>
-        </p:txBody>
-      </p:sp>
-      <p:cxnSp>
-        <p:nvCxnSpPr>
-          <p:cNvPr id="13" name="직선 화살표 연결선 12"/>
-          <p:cNvCxnSpPr/>
-          <p:nvPr/>
-        </p:nvCxnSpPr>
-        <p:spPr>
-          <a:xfrm>
-            <a:off x="2332652" y="3694922"/>
-            <a:ext cx="606490" cy="0"/>
-          </a:xfrm>
-          <a:prstGeom prst="straightConnector1">
-            <a:avLst/>
-          </a:prstGeom>
-          <a:ln>
-            <a:solidFill>
-              <a:schemeClr val="tx1"/>
-            </a:solidFill>
-            <a:tailEnd type="triangle"/>
-          </a:ln>
-        </p:spPr>
-        <p:style>
-          <a:lnRef idx="1">
-            <a:schemeClr val="accent1"/>
-          </a:lnRef>
-          <a:fillRef idx="0">
-            <a:schemeClr val="accent1"/>
-          </a:fillRef>
-          <a:effectRef idx="0">
-            <a:schemeClr val="accent1"/>
-          </a:effectRef>
-          <a:fontRef idx="minor">
-            <a:schemeClr val="tx1"/>
-          </a:fontRef>
-        </p:style>
-      </p:cxnSp>
-      <p:cxnSp>
-        <p:nvCxnSpPr>
-          <p:cNvPr id="14" name="직선 화살표 연결선 13"/>
-          <p:cNvCxnSpPr/>
-          <p:nvPr/>
-        </p:nvCxnSpPr>
-        <p:spPr>
-          <a:xfrm>
-            <a:off x="2332652" y="1531257"/>
-            <a:ext cx="606490" cy="0"/>
-          </a:xfrm>
-          <a:prstGeom prst="straightConnector1">
-            <a:avLst/>
-          </a:prstGeom>
-          <a:ln>
-            <a:solidFill>
-              <a:schemeClr val="tx1"/>
-            </a:solidFill>
-            <a:tailEnd type="triangle"/>
-          </a:ln>
-        </p:spPr>
-        <p:style>
-          <a:lnRef idx="1">
-            <a:schemeClr val="accent1"/>
-          </a:lnRef>
-          <a:fillRef idx="0">
-            <a:schemeClr val="accent1"/>
-          </a:fillRef>
-          <a:effectRef idx="0">
-            <a:schemeClr val="accent1"/>
-          </a:effectRef>
-          <a:fontRef idx="minor">
-            <a:schemeClr val="tx1"/>
-          </a:fontRef>
-        </p:style>
-      </p:cxnSp>
-      <p:sp>
-        <p:nvSpPr>
-          <p:cNvPr id="15" name="직사각형 14"/>
-          <p:cNvSpPr>
-            <a:spLocks noChangeAspect="1"/>
-          </p:cNvSpPr>
-          <p:nvPr/>
-        </p:nvSpPr>
-        <p:spPr>
-          <a:xfrm>
-            <a:off x="3806890" y="586888"/>
-            <a:ext cx="1113786" cy="1980065"/>
-          </a:xfrm>
-          <a:prstGeom prst="rect">
-            <a:avLst/>
-          </a:prstGeom>
-        </p:spPr>
-        <p:style>
-          <a:lnRef idx="2">
-            <a:schemeClr val="accent1">
-              <a:shade val="50000"/>
-            </a:schemeClr>
-          </a:lnRef>
-          <a:fillRef idx="1">
-            <a:schemeClr val="accent1"/>
-          </a:fillRef>
-          <a:effectRef idx="0">
-            <a:schemeClr val="accent1"/>
-          </a:effectRef>
-          <a:fontRef idx="minor">
-            <a:schemeClr val="lt1"/>
-          </a:fontRef>
-        </p:style>
-        <p:txBody>
-          <a:bodyPr rtlCol="0" anchor="ctr"/>
-          <a:lstStyle/>
-          <a:p>
-            <a:pPr algn="ctr"/>
-            <a:endParaRPr lang="ko-KR" altLang="en-US"/>
-          </a:p>
-        </p:txBody>
-      </p:sp>
-      <p:sp>
-        <p:nvSpPr>
-          <p:cNvPr id="16" name="직사각형 15"/>
-          <p:cNvSpPr>
-            <a:spLocks noChangeAspect="1"/>
-          </p:cNvSpPr>
-          <p:nvPr/>
-        </p:nvSpPr>
-        <p:spPr>
-          <a:xfrm>
-            <a:off x="3806890" y="2706914"/>
-            <a:ext cx="1113786" cy="1980065"/>
-          </a:xfrm>
-          <a:prstGeom prst="rect">
-            <a:avLst/>
-          </a:prstGeom>
-        </p:spPr>
-        <p:style>
-          <a:lnRef idx="2">
-            <a:schemeClr val="accent1">
-              <a:shade val="50000"/>
-            </a:schemeClr>
-          </a:lnRef>
-          <a:fillRef idx="1">
-            <a:schemeClr val="accent1"/>
-          </a:fillRef>
-          <a:effectRef idx="0">
-            <a:schemeClr val="accent1"/>
-          </a:effectRef>
-          <a:fontRef idx="minor">
-            <a:schemeClr val="lt1"/>
-          </a:fontRef>
-        </p:style>
-        <p:txBody>
-          <a:bodyPr rtlCol="0" anchor="ctr"/>
-          <a:lstStyle/>
-          <a:p>
-            <a:pPr algn="ctr"/>
-            <a:endParaRPr lang="ko-KR" altLang="en-US"/>
-          </a:p>
-        </p:txBody>
-      </p:sp>
-      <p:sp>
-        <p:nvSpPr>
-          <p:cNvPr id="17" name="직사각형 16"/>
-          <p:cNvSpPr>
-            <a:spLocks noChangeAspect="1"/>
-          </p:cNvSpPr>
-          <p:nvPr/>
-        </p:nvSpPr>
-        <p:spPr>
-          <a:xfrm>
-            <a:off x="3794616" y="4814597"/>
-            <a:ext cx="1113786" cy="1980065"/>
-          </a:xfrm>
-          <a:prstGeom prst="rect">
-            <a:avLst/>
-          </a:prstGeom>
-        </p:spPr>
-        <p:style>
-          <a:lnRef idx="2">
-            <a:schemeClr val="accent1">
-              <a:shade val="50000"/>
-            </a:schemeClr>
-          </a:lnRef>
-          <a:fillRef idx="1">
-            <a:schemeClr val="accent1"/>
-          </a:fillRef>
-          <a:effectRef idx="0">
-            <a:schemeClr val="accent1"/>
-          </a:effectRef>
-          <a:fontRef idx="minor">
-            <a:schemeClr val="lt1"/>
-          </a:fontRef>
-        </p:style>
-        <p:txBody>
-          <a:bodyPr rtlCol="0" anchor="ctr"/>
-          <a:lstStyle/>
-          <a:p>
-            <a:pPr algn="ctr"/>
-            <a:endParaRPr lang="ko-KR" altLang="en-US"/>
-          </a:p>
-        </p:txBody>
-      </p:sp>
-      <p:sp>
-        <p:nvSpPr>
-          <p:cNvPr id="18" name="TextBox 17"/>
-          <p:cNvSpPr txBox="1"/>
-          <p:nvPr/>
-        </p:nvSpPr>
-        <p:spPr>
-          <a:xfrm>
-            <a:off x="2959008" y="3575083"/>
-            <a:ext cx="899605" cy="276999"/>
-          </a:xfrm>
-          <a:prstGeom prst="rect">
-            <a:avLst/>
-          </a:prstGeom>
-          <a:noFill/>
-        </p:spPr>
-        <p:txBody>
-          <a:bodyPr wrap="none" rtlCol="0">
-            <a:spAutoFit/>
-          </a:bodyPr>
-          <a:lstStyle/>
-          <a:p>
-            <a:pPr algn="ctr"/>
-            <a:r>
-              <a:rPr lang="en-US" altLang="ko-KR" sz="1200" dirty="0" smtClean="0">
-                <a:latin typeface="210 맨발의청춘 L" panose="02020603020101020101" pitchFamily="18" charset="-127"/>
-                <a:ea typeface="210 맨발의청춘 L" panose="02020603020101020101" pitchFamily="18" charset="-127"/>
-              </a:rPr>
-              <a:t>[</a:t>
-            </a:r>
-            <a:r>
-              <a:rPr lang="ko-KR" altLang="en-US" sz="1200" dirty="0" smtClean="0">
-                <a:latin typeface="210 맨발의청춘 L" panose="02020603020101020101" pitchFamily="18" charset="-127"/>
-                <a:ea typeface="210 맨발의청춘 L" panose="02020603020101020101" pitchFamily="18" charset="-127"/>
-              </a:rPr>
-              <a:t>질문</a:t>
-            </a:r>
-            <a:r>
-              <a:rPr lang="en-US" altLang="ko-KR" sz="1200" dirty="0">
-                <a:latin typeface="210 맨발의청춘 L" panose="02020603020101020101" pitchFamily="18" charset="-127"/>
-                <a:ea typeface="210 맨발의청춘 L" panose="02020603020101020101" pitchFamily="18" charset="-127"/>
-              </a:rPr>
-              <a:t> </a:t>
-            </a:r>
-            <a:r>
-              <a:rPr lang="ko-KR" altLang="en-US" sz="1200" dirty="0" smtClean="0">
-                <a:latin typeface="210 맨발의청춘 L" panose="02020603020101020101" pitchFamily="18" charset="-127"/>
-                <a:ea typeface="210 맨발의청춘 L" panose="02020603020101020101" pitchFamily="18" charset="-127"/>
-              </a:rPr>
-              <a:t>선택</a:t>
-            </a:r>
-            <a:r>
-              <a:rPr lang="en-US" altLang="ko-KR" sz="1200" dirty="0" smtClean="0">
-                <a:latin typeface="210 맨발의청춘 L" panose="02020603020101020101" pitchFamily="18" charset="-127"/>
-                <a:ea typeface="210 맨발의청춘 L" panose="02020603020101020101" pitchFamily="18" charset="-127"/>
-              </a:rPr>
-              <a:t>]</a:t>
-            </a:r>
-            <a:endParaRPr lang="ko-KR" altLang="en-US" sz="1200" dirty="0">
-              <a:latin typeface="210 맨발의청춘 L" panose="02020603020101020101" pitchFamily="18" charset="-127"/>
-              <a:ea typeface="210 맨발의청춘 L" panose="02020603020101020101" pitchFamily="18" charset="-127"/>
-            </a:endParaRPr>
-          </a:p>
-        </p:txBody>
-      </p:sp>
-      <p:sp>
-        <p:nvSpPr>
-          <p:cNvPr id="19" name="TextBox 18"/>
-          <p:cNvSpPr txBox="1"/>
-          <p:nvPr/>
-        </p:nvSpPr>
-        <p:spPr>
-          <a:xfrm>
-            <a:off x="2944608" y="1408002"/>
-            <a:ext cx="899606" cy="276999"/>
-          </a:xfrm>
-          <a:prstGeom prst="rect">
-            <a:avLst/>
-          </a:prstGeom>
-          <a:noFill/>
-        </p:spPr>
-        <p:txBody>
-          <a:bodyPr wrap="none" rtlCol="0">
-            <a:spAutoFit/>
-          </a:bodyPr>
-          <a:lstStyle/>
-          <a:p>
-            <a:pPr algn="ctr"/>
-            <a:r>
-              <a:rPr lang="en-US" altLang="ko-KR" sz="1200" dirty="0" smtClean="0">
-                <a:latin typeface="210 맨발의청춘 L" panose="02020603020101020101" pitchFamily="18" charset="-127"/>
-                <a:ea typeface="210 맨발의청춘 L" panose="02020603020101020101" pitchFamily="18" charset="-127"/>
-              </a:rPr>
-              <a:t>[</a:t>
-            </a:r>
-            <a:r>
-              <a:rPr lang="ko-KR" altLang="en-US" sz="1200" dirty="0" smtClean="0">
-                <a:latin typeface="210 맨발의청춘 L" panose="02020603020101020101" pitchFamily="18" charset="-127"/>
-                <a:ea typeface="210 맨발의청춘 L" panose="02020603020101020101" pitchFamily="18" charset="-127"/>
-              </a:rPr>
-              <a:t>결과 보기</a:t>
-            </a:r>
-            <a:r>
-              <a:rPr lang="en-US" altLang="ko-KR" sz="1200" dirty="0" smtClean="0">
-                <a:latin typeface="210 맨발의청춘 L" panose="02020603020101020101" pitchFamily="18" charset="-127"/>
-                <a:ea typeface="210 맨발의청춘 L" panose="02020603020101020101" pitchFamily="18" charset="-127"/>
-              </a:rPr>
-              <a:t>]</a:t>
-            </a:r>
-            <a:endParaRPr lang="ko-KR" altLang="en-US" sz="1200" dirty="0">
-              <a:latin typeface="210 맨발의청춘 L" panose="02020603020101020101" pitchFamily="18" charset="-127"/>
-              <a:ea typeface="210 맨발의청춘 L" panose="02020603020101020101" pitchFamily="18" charset="-127"/>
-            </a:endParaRPr>
-          </a:p>
-        </p:txBody>
-      </p:sp>
-      <p:cxnSp>
-        <p:nvCxnSpPr>
-          <p:cNvPr id="20" name="직선 화살표 연결선 19"/>
-          <p:cNvCxnSpPr/>
-          <p:nvPr/>
-        </p:nvCxnSpPr>
-        <p:spPr>
-          <a:xfrm>
-            <a:off x="2388638" y="5794308"/>
-            <a:ext cx="606490" cy="0"/>
-          </a:xfrm>
-          <a:prstGeom prst="straightConnector1">
-            <a:avLst/>
-          </a:prstGeom>
-          <a:ln>
-            <a:solidFill>
-              <a:schemeClr val="tx1"/>
-            </a:solidFill>
-            <a:tailEnd type="triangle"/>
-          </a:ln>
-        </p:spPr>
-        <p:style>
-          <a:lnRef idx="1">
-            <a:schemeClr val="accent1"/>
-          </a:lnRef>
-          <a:fillRef idx="0">
-            <a:schemeClr val="accent1"/>
-          </a:fillRef>
-          <a:effectRef idx="0">
-            <a:schemeClr val="accent1"/>
-          </a:effectRef>
-          <a:fontRef idx="minor">
-            <a:schemeClr val="tx1"/>
-          </a:fontRef>
-        </p:style>
-      </p:cxnSp>
-      <p:sp>
-        <p:nvSpPr>
-          <p:cNvPr id="21" name="TextBox 20"/>
-          <p:cNvSpPr txBox="1"/>
-          <p:nvPr/>
-        </p:nvSpPr>
-        <p:spPr>
-          <a:xfrm>
-            <a:off x="3144492" y="5665139"/>
-            <a:ext cx="582211" cy="276999"/>
-          </a:xfrm>
-          <a:prstGeom prst="rect">
-            <a:avLst/>
-          </a:prstGeom>
-          <a:noFill/>
-        </p:spPr>
-        <p:txBody>
-          <a:bodyPr wrap="none" rtlCol="0">
-            <a:spAutoFit/>
-          </a:bodyPr>
-          <a:lstStyle/>
-          <a:p>
-            <a:pPr algn="ctr"/>
-            <a:r>
-              <a:rPr lang="en-US" altLang="ko-KR" sz="1200" dirty="0" smtClean="0">
-                <a:latin typeface="210 맨발의청춘 L" panose="02020603020101020101" pitchFamily="18" charset="-127"/>
-                <a:ea typeface="210 맨발의청춘 L" panose="02020603020101020101" pitchFamily="18" charset="-127"/>
-              </a:rPr>
-              <a:t>[</a:t>
-            </a:r>
-            <a:r>
-              <a:rPr lang="ko-KR" altLang="en-US" sz="1200" dirty="0" smtClean="0">
-                <a:latin typeface="210 맨발의청춘 L" panose="02020603020101020101" pitchFamily="18" charset="-127"/>
-                <a:ea typeface="210 맨발의청춘 L" panose="02020603020101020101" pitchFamily="18" charset="-127"/>
-              </a:rPr>
-              <a:t>정보</a:t>
-            </a:r>
-            <a:r>
-              <a:rPr lang="en-US" altLang="ko-KR" sz="1200" dirty="0" smtClean="0">
-                <a:latin typeface="210 맨발의청춘 L" panose="02020603020101020101" pitchFamily="18" charset="-127"/>
-                <a:ea typeface="210 맨발의청춘 L" panose="02020603020101020101" pitchFamily="18" charset="-127"/>
-              </a:rPr>
-              <a:t>]</a:t>
-            </a:r>
-            <a:endParaRPr lang="ko-KR" altLang="en-US" sz="1200" dirty="0">
-              <a:latin typeface="210 맨발의청춘 L" panose="02020603020101020101" pitchFamily="18" charset="-127"/>
-              <a:ea typeface="210 맨발의청춘 L" panose="02020603020101020101" pitchFamily="18" charset="-127"/>
-            </a:endParaRPr>
-          </a:p>
-        </p:txBody>
-      </p:sp>
-      <p:cxnSp>
-        <p:nvCxnSpPr>
-          <p:cNvPr id="22" name="직선 화살표 연결선 21"/>
-          <p:cNvCxnSpPr/>
-          <p:nvPr/>
-        </p:nvCxnSpPr>
-        <p:spPr>
-          <a:xfrm>
-            <a:off x="4957999" y="3694922"/>
-            <a:ext cx="606490" cy="0"/>
-          </a:xfrm>
-          <a:prstGeom prst="straightConnector1">
-            <a:avLst/>
-          </a:prstGeom>
-          <a:ln>
-            <a:solidFill>
-              <a:schemeClr val="tx1"/>
-            </a:solidFill>
-            <a:tailEnd type="triangle"/>
-          </a:ln>
-        </p:spPr>
-        <p:style>
-          <a:lnRef idx="1">
-            <a:schemeClr val="accent1"/>
-          </a:lnRef>
-          <a:fillRef idx="0">
-            <a:schemeClr val="accent1"/>
-          </a:fillRef>
-          <a:effectRef idx="0">
-            <a:schemeClr val="accent1"/>
-          </a:effectRef>
-          <a:fontRef idx="minor">
-            <a:schemeClr val="tx1"/>
-          </a:fontRef>
-        </p:style>
-      </p:cxnSp>
-      <p:cxnSp>
-        <p:nvCxnSpPr>
-          <p:cNvPr id="23" name="직선 화살표 연결선 22"/>
-          <p:cNvCxnSpPr/>
-          <p:nvPr/>
-        </p:nvCxnSpPr>
-        <p:spPr>
-          <a:xfrm>
-            <a:off x="4957999" y="1531257"/>
-            <a:ext cx="606490" cy="0"/>
-          </a:xfrm>
-          <a:prstGeom prst="straightConnector1">
-            <a:avLst/>
-          </a:prstGeom>
-          <a:ln>
-            <a:solidFill>
-              <a:schemeClr val="tx1"/>
-            </a:solidFill>
-            <a:tailEnd type="triangle"/>
-          </a:ln>
-        </p:spPr>
-        <p:style>
-          <a:lnRef idx="1">
-            <a:schemeClr val="accent1"/>
-          </a:lnRef>
-          <a:fillRef idx="0">
-            <a:schemeClr val="accent1"/>
-          </a:fillRef>
-          <a:effectRef idx="0">
-            <a:schemeClr val="accent1"/>
-          </a:effectRef>
-          <a:fontRef idx="minor">
-            <a:schemeClr val="tx1"/>
-          </a:fontRef>
-        </p:style>
-      </p:cxnSp>
-      <p:sp>
-        <p:nvSpPr>
-          <p:cNvPr id="24" name="직사각형 23"/>
-          <p:cNvSpPr>
-            <a:spLocks noChangeAspect="1"/>
-          </p:cNvSpPr>
-          <p:nvPr/>
-        </p:nvSpPr>
-        <p:spPr>
-          <a:xfrm>
-            <a:off x="6422906" y="586888"/>
-            <a:ext cx="1113786" cy="1980065"/>
-          </a:xfrm>
-          <a:prstGeom prst="rect">
-            <a:avLst/>
-          </a:prstGeom>
-        </p:spPr>
-        <p:style>
-          <a:lnRef idx="2">
-            <a:schemeClr val="accent1">
-              <a:shade val="50000"/>
-            </a:schemeClr>
-          </a:lnRef>
-          <a:fillRef idx="1">
-            <a:schemeClr val="accent1"/>
-          </a:fillRef>
-          <a:effectRef idx="0">
-            <a:schemeClr val="accent1"/>
-          </a:effectRef>
-          <a:fontRef idx="minor">
-            <a:schemeClr val="lt1"/>
-          </a:fontRef>
-        </p:style>
-        <p:txBody>
-          <a:bodyPr rtlCol="0" anchor="ctr"/>
-          <a:lstStyle/>
-          <a:p>
-            <a:pPr algn="ctr"/>
-            <a:endParaRPr lang="ko-KR" altLang="en-US"/>
-          </a:p>
-        </p:txBody>
-      </p:sp>
-      <p:sp>
-        <p:nvSpPr>
-          <p:cNvPr id="25" name="직사각형 24"/>
-          <p:cNvSpPr>
-            <a:spLocks noChangeAspect="1"/>
-          </p:cNvSpPr>
-          <p:nvPr/>
-        </p:nvSpPr>
-        <p:spPr>
-          <a:xfrm>
-            <a:off x="6422906" y="2706914"/>
-            <a:ext cx="1113786" cy="1980065"/>
-          </a:xfrm>
-          <a:prstGeom prst="rect">
-            <a:avLst/>
-          </a:prstGeom>
-        </p:spPr>
-        <p:style>
-          <a:lnRef idx="2">
-            <a:schemeClr val="accent1">
-              <a:shade val="50000"/>
-            </a:schemeClr>
-          </a:lnRef>
-          <a:fillRef idx="1">
-            <a:schemeClr val="accent1"/>
-          </a:fillRef>
-          <a:effectRef idx="0">
-            <a:schemeClr val="accent1"/>
-          </a:effectRef>
-          <a:fontRef idx="minor">
-            <a:schemeClr val="lt1"/>
-          </a:fontRef>
-        </p:style>
-        <p:txBody>
-          <a:bodyPr rtlCol="0" anchor="ctr"/>
-          <a:lstStyle/>
-          <a:p>
-            <a:pPr algn="ctr"/>
-            <a:endParaRPr lang="ko-KR" altLang="en-US"/>
-          </a:p>
-        </p:txBody>
-      </p:sp>
-      <p:sp>
-        <p:nvSpPr>
-          <p:cNvPr id="26" name="직사각형 25"/>
-          <p:cNvSpPr>
-            <a:spLocks noChangeAspect="1"/>
-          </p:cNvSpPr>
-          <p:nvPr/>
-        </p:nvSpPr>
-        <p:spPr>
-          <a:xfrm>
-            <a:off x="6410632" y="4814597"/>
-            <a:ext cx="1113786" cy="1980065"/>
-          </a:xfrm>
-          <a:prstGeom prst="rect">
-            <a:avLst/>
-          </a:prstGeom>
-        </p:spPr>
-        <p:style>
-          <a:lnRef idx="2">
-            <a:schemeClr val="accent1">
-              <a:shade val="50000"/>
-            </a:schemeClr>
-          </a:lnRef>
-          <a:fillRef idx="1">
-            <a:schemeClr val="accent1"/>
-          </a:fillRef>
-          <a:effectRef idx="0">
-            <a:schemeClr val="accent1"/>
-          </a:effectRef>
-          <a:fontRef idx="minor">
-            <a:schemeClr val="lt1"/>
-          </a:fontRef>
-        </p:style>
-        <p:txBody>
-          <a:bodyPr rtlCol="0" anchor="ctr"/>
-          <a:lstStyle/>
-          <a:p>
-            <a:pPr algn="ctr"/>
-            <a:endParaRPr lang="ko-KR" altLang="en-US"/>
-          </a:p>
-        </p:txBody>
-      </p:sp>
-      <p:sp>
-        <p:nvSpPr>
-          <p:cNvPr id="27" name="TextBox 26"/>
-          <p:cNvSpPr txBox="1"/>
-          <p:nvPr/>
-        </p:nvSpPr>
-        <p:spPr>
-          <a:xfrm>
-            <a:off x="5584355" y="3575083"/>
-            <a:ext cx="899606" cy="276999"/>
-          </a:xfrm>
-          <a:prstGeom prst="rect">
-            <a:avLst/>
-          </a:prstGeom>
-          <a:noFill/>
-        </p:spPr>
-        <p:txBody>
-          <a:bodyPr wrap="none" rtlCol="0">
-            <a:spAutoFit/>
-          </a:bodyPr>
-          <a:lstStyle/>
-          <a:p>
-            <a:pPr algn="ctr"/>
-            <a:r>
-              <a:rPr lang="en-US" altLang="ko-KR" sz="1200" dirty="0" smtClean="0">
-                <a:latin typeface="210 맨발의청춘 L" panose="02020603020101020101" pitchFamily="18" charset="-127"/>
-                <a:ea typeface="210 맨발의청춘 L" panose="02020603020101020101" pitchFamily="18" charset="-127"/>
-              </a:rPr>
-              <a:t>[</a:t>
-            </a:r>
-            <a:r>
-              <a:rPr lang="ko-KR" altLang="en-US" sz="1200" dirty="0" smtClean="0">
-                <a:latin typeface="210 맨발의청춘 L" panose="02020603020101020101" pitchFamily="18" charset="-127"/>
-                <a:ea typeface="210 맨발의청춘 L" panose="02020603020101020101" pitchFamily="18" charset="-127"/>
-              </a:rPr>
-              <a:t>가상 면접</a:t>
-            </a:r>
-            <a:r>
-              <a:rPr lang="en-US" altLang="ko-KR" sz="1200" dirty="0" smtClean="0">
-                <a:latin typeface="210 맨발의청춘 L" panose="02020603020101020101" pitchFamily="18" charset="-127"/>
-                <a:ea typeface="210 맨발의청춘 L" panose="02020603020101020101" pitchFamily="18" charset="-127"/>
-              </a:rPr>
-              <a:t>]</a:t>
-            </a:r>
-            <a:endParaRPr lang="ko-KR" altLang="en-US" sz="1200" dirty="0">
-              <a:latin typeface="210 맨발의청춘 L" panose="02020603020101020101" pitchFamily="18" charset="-127"/>
-              <a:ea typeface="210 맨발의청춘 L" panose="02020603020101020101" pitchFamily="18" charset="-127"/>
-            </a:endParaRPr>
-          </a:p>
-        </p:txBody>
-      </p:sp>
-      <p:sp>
-        <p:nvSpPr>
-          <p:cNvPr id="28" name="TextBox 27"/>
-          <p:cNvSpPr txBox="1"/>
-          <p:nvPr/>
-        </p:nvSpPr>
-        <p:spPr>
-          <a:xfrm>
-            <a:off x="5728652" y="1408002"/>
-            <a:ext cx="582211" cy="276999"/>
-          </a:xfrm>
-          <a:prstGeom prst="rect">
-            <a:avLst/>
-          </a:prstGeom>
-          <a:noFill/>
-        </p:spPr>
-        <p:txBody>
-          <a:bodyPr wrap="none" rtlCol="0">
-            <a:spAutoFit/>
-          </a:bodyPr>
-          <a:lstStyle/>
-          <a:p>
-            <a:pPr algn="ctr"/>
-            <a:r>
-              <a:rPr lang="en-US" altLang="ko-KR" sz="1200" dirty="0" smtClean="0">
-                <a:latin typeface="210 맨발의청춘 L" panose="02020603020101020101" pitchFamily="18" charset="-127"/>
-                <a:ea typeface="210 맨발의청춘 L" panose="02020603020101020101" pitchFamily="18" charset="-127"/>
-              </a:rPr>
-              <a:t>[</a:t>
-            </a:r>
-            <a:r>
-              <a:rPr lang="ko-KR" altLang="en-US" sz="1200" dirty="0" smtClean="0">
-                <a:latin typeface="210 맨발의청춘 L" panose="02020603020101020101" pitchFamily="18" charset="-127"/>
-                <a:ea typeface="210 맨발의청춘 L" panose="02020603020101020101" pitchFamily="18" charset="-127"/>
-              </a:rPr>
-              <a:t>메인</a:t>
-            </a:r>
-            <a:r>
-              <a:rPr lang="en-US" altLang="ko-KR" sz="1200" dirty="0" smtClean="0">
-                <a:latin typeface="210 맨발의청춘 L" panose="02020603020101020101" pitchFamily="18" charset="-127"/>
-                <a:ea typeface="210 맨발의청춘 L" panose="02020603020101020101" pitchFamily="18" charset="-127"/>
-              </a:rPr>
-              <a:t>]</a:t>
-            </a:r>
-            <a:endParaRPr lang="ko-KR" altLang="en-US" sz="1200" dirty="0">
-              <a:latin typeface="210 맨발의청춘 L" panose="02020603020101020101" pitchFamily="18" charset="-127"/>
-              <a:ea typeface="210 맨발의청춘 L" panose="02020603020101020101" pitchFamily="18" charset="-127"/>
-            </a:endParaRPr>
-          </a:p>
-        </p:txBody>
-      </p:sp>
-      <p:cxnSp>
-        <p:nvCxnSpPr>
-          <p:cNvPr id="29" name="직선 화살표 연결선 28"/>
-          <p:cNvCxnSpPr/>
-          <p:nvPr/>
-        </p:nvCxnSpPr>
-        <p:spPr>
-          <a:xfrm>
-            <a:off x="5013985" y="5794308"/>
-            <a:ext cx="606490" cy="0"/>
-          </a:xfrm>
-          <a:prstGeom prst="straightConnector1">
-            <a:avLst/>
-          </a:prstGeom>
-          <a:ln>
-            <a:solidFill>
-              <a:schemeClr val="tx1"/>
-            </a:solidFill>
-            <a:tailEnd type="triangle"/>
-          </a:ln>
-        </p:spPr>
-        <p:style>
-          <a:lnRef idx="1">
-            <a:schemeClr val="accent1"/>
-          </a:lnRef>
-          <a:fillRef idx="0">
-            <a:schemeClr val="accent1"/>
-          </a:fillRef>
-          <a:effectRef idx="0">
-            <a:schemeClr val="accent1"/>
-          </a:effectRef>
-          <a:fontRef idx="minor">
-            <a:schemeClr val="tx1"/>
-          </a:fontRef>
-        </p:style>
-      </p:cxnSp>
-      <p:sp>
-        <p:nvSpPr>
-          <p:cNvPr id="30" name="TextBox 29"/>
-          <p:cNvSpPr txBox="1"/>
-          <p:nvPr/>
-        </p:nvSpPr>
-        <p:spPr>
-          <a:xfrm>
-            <a:off x="5769839" y="5665139"/>
-            <a:ext cx="582211" cy="276999"/>
-          </a:xfrm>
-          <a:prstGeom prst="rect">
-            <a:avLst/>
-          </a:prstGeom>
-          <a:noFill/>
-        </p:spPr>
-        <p:txBody>
-          <a:bodyPr wrap="none" rtlCol="0">
-            <a:spAutoFit/>
-          </a:bodyPr>
-          <a:lstStyle/>
-          <a:p>
-            <a:pPr algn="ctr"/>
-            <a:r>
-              <a:rPr lang="en-US" altLang="ko-KR" sz="1200" dirty="0" smtClean="0">
-                <a:latin typeface="210 맨발의청춘 L" panose="02020603020101020101" pitchFamily="18" charset="-127"/>
-                <a:ea typeface="210 맨발의청춘 L" panose="02020603020101020101" pitchFamily="18" charset="-127"/>
-              </a:rPr>
-              <a:t>[</a:t>
-            </a:r>
-            <a:r>
-              <a:rPr lang="ko-KR" altLang="en-US" sz="1200" dirty="0" smtClean="0">
-                <a:latin typeface="210 맨발의청춘 L" panose="02020603020101020101" pitchFamily="18" charset="-127"/>
-                <a:ea typeface="210 맨발의청춘 L" panose="02020603020101020101" pitchFamily="18" charset="-127"/>
-              </a:rPr>
-              <a:t>메인</a:t>
-            </a:r>
-            <a:r>
-              <a:rPr lang="en-US" altLang="ko-KR" sz="1200" dirty="0" smtClean="0">
-                <a:latin typeface="210 맨발의청춘 L" panose="02020603020101020101" pitchFamily="18" charset="-127"/>
-                <a:ea typeface="210 맨발의청춘 L" panose="02020603020101020101" pitchFamily="18" charset="-127"/>
-              </a:rPr>
-              <a:t>]</a:t>
-            </a:r>
-            <a:endParaRPr lang="ko-KR" altLang="en-US" sz="1200" dirty="0">
-              <a:latin typeface="210 맨발의청춘 L" panose="02020603020101020101" pitchFamily="18" charset="-127"/>
-              <a:ea typeface="210 맨발의청춘 L" panose="02020603020101020101" pitchFamily="18" charset="-127"/>
-            </a:endParaRPr>
-          </a:p>
-        </p:txBody>
-      </p:sp>
-      <p:cxnSp>
-        <p:nvCxnSpPr>
-          <p:cNvPr id="31" name="직선 화살표 연결선 30"/>
-          <p:cNvCxnSpPr/>
-          <p:nvPr/>
-        </p:nvCxnSpPr>
-        <p:spPr>
-          <a:xfrm>
-            <a:off x="7583347" y="3692897"/>
-            <a:ext cx="606490" cy="0"/>
-          </a:xfrm>
-          <a:prstGeom prst="straightConnector1">
-            <a:avLst/>
-          </a:prstGeom>
-          <a:ln>
-            <a:solidFill>
-              <a:schemeClr val="tx1"/>
-            </a:solidFill>
-            <a:tailEnd type="triangle"/>
-          </a:ln>
-        </p:spPr>
-        <p:style>
-          <a:lnRef idx="1">
-            <a:schemeClr val="accent1"/>
-          </a:lnRef>
-          <a:fillRef idx="0">
-            <a:schemeClr val="accent1"/>
-          </a:fillRef>
-          <a:effectRef idx="0">
-            <a:schemeClr val="accent1"/>
-          </a:effectRef>
-          <a:fontRef idx="minor">
-            <a:schemeClr val="tx1"/>
-          </a:fontRef>
-        </p:style>
-      </p:cxnSp>
-      <p:sp>
-        <p:nvSpPr>
-          <p:cNvPr id="32" name="직사각형 31"/>
-          <p:cNvSpPr>
-            <a:spLocks noChangeAspect="1"/>
-          </p:cNvSpPr>
-          <p:nvPr/>
-        </p:nvSpPr>
-        <p:spPr>
-          <a:xfrm>
-            <a:off x="9104238" y="2704889"/>
-            <a:ext cx="1113786" cy="1980065"/>
-          </a:xfrm>
-          <a:prstGeom prst="rect">
-            <a:avLst/>
-          </a:prstGeom>
-        </p:spPr>
-        <p:style>
-          <a:lnRef idx="2">
-            <a:schemeClr val="accent1">
-              <a:shade val="50000"/>
-            </a:schemeClr>
-          </a:lnRef>
-          <a:fillRef idx="1">
-            <a:schemeClr val="accent1"/>
-          </a:fillRef>
-          <a:effectRef idx="0">
-            <a:schemeClr val="accent1"/>
-          </a:effectRef>
-          <a:fontRef idx="minor">
-            <a:schemeClr val="lt1"/>
-          </a:fontRef>
-        </p:style>
-        <p:txBody>
-          <a:bodyPr rtlCol="0" anchor="ctr"/>
-          <a:lstStyle/>
-          <a:p>
-            <a:pPr algn="ctr"/>
-            <a:endParaRPr lang="ko-KR" altLang="en-US"/>
-          </a:p>
-        </p:txBody>
-      </p:sp>
-      <p:sp>
-        <p:nvSpPr>
-          <p:cNvPr id="33" name="TextBox 32"/>
-          <p:cNvSpPr txBox="1"/>
-          <p:nvPr/>
-        </p:nvSpPr>
-        <p:spPr>
-          <a:xfrm>
-            <a:off x="8209703" y="3573058"/>
-            <a:ext cx="899606" cy="276999"/>
-          </a:xfrm>
-          <a:prstGeom prst="rect">
-            <a:avLst/>
-          </a:prstGeom>
-          <a:noFill/>
-        </p:spPr>
-        <p:txBody>
-          <a:bodyPr wrap="none" rtlCol="0">
-            <a:spAutoFit/>
-          </a:bodyPr>
-          <a:lstStyle/>
-          <a:p>
-            <a:pPr algn="ctr"/>
-            <a:r>
-              <a:rPr lang="en-US" altLang="ko-KR" sz="1200" dirty="0" smtClean="0">
-                <a:latin typeface="210 맨발의청춘 L" panose="02020603020101020101" pitchFamily="18" charset="-127"/>
-                <a:ea typeface="210 맨발의청춘 L" panose="02020603020101020101" pitchFamily="18" charset="-127"/>
-              </a:rPr>
-              <a:t>[</a:t>
-            </a:r>
-            <a:r>
-              <a:rPr lang="ko-KR" altLang="en-US" sz="1200" dirty="0" smtClean="0">
-                <a:latin typeface="210 맨발의청춘 L" panose="02020603020101020101" pitchFamily="18" charset="-127"/>
-                <a:ea typeface="210 맨발의청춘 L" panose="02020603020101020101" pitchFamily="18" charset="-127"/>
-              </a:rPr>
-              <a:t>결과 로딩</a:t>
-            </a:r>
-            <a:r>
-              <a:rPr lang="en-US" altLang="ko-KR" sz="1200" dirty="0" smtClean="0">
-                <a:latin typeface="210 맨발의청춘 L" panose="02020603020101020101" pitchFamily="18" charset="-127"/>
-                <a:ea typeface="210 맨발의청춘 L" panose="02020603020101020101" pitchFamily="18" charset="-127"/>
-              </a:rPr>
-              <a:t>]</a:t>
-            </a:r>
-            <a:endParaRPr lang="ko-KR" altLang="en-US" sz="1200" dirty="0">
-              <a:latin typeface="210 맨발의청춘 L" panose="02020603020101020101" pitchFamily="18" charset="-127"/>
-              <a:ea typeface="210 맨발의청춘 L" panose="02020603020101020101" pitchFamily="18" charset="-127"/>
-            </a:endParaRPr>
-          </a:p>
-        </p:txBody>
-      </p:sp>
-      <p:cxnSp>
-        <p:nvCxnSpPr>
-          <p:cNvPr id="34" name="직선 화살표 연결선 33"/>
-          <p:cNvCxnSpPr/>
-          <p:nvPr/>
-        </p:nvCxnSpPr>
-        <p:spPr>
-          <a:xfrm>
-            <a:off x="10255351" y="3692897"/>
-            <a:ext cx="606490" cy="0"/>
-          </a:xfrm>
-          <a:prstGeom prst="straightConnector1">
-            <a:avLst/>
-          </a:prstGeom>
-          <a:ln>
-            <a:solidFill>
-              <a:schemeClr val="tx1"/>
-            </a:solidFill>
-            <a:tailEnd type="triangle"/>
-          </a:ln>
-        </p:spPr>
-        <p:style>
-          <a:lnRef idx="1">
-            <a:schemeClr val="accent1"/>
-          </a:lnRef>
-          <a:fillRef idx="0">
-            <a:schemeClr val="accent1"/>
-          </a:fillRef>
-          <a:effectRef idx="0">
-            <a:schemeClr val="accent1"/>
-          </a:effectRef>
-          <a:fontRef idx="minor">
-            <a:schemeClr val="tx1"/>
-          </a:fontRef>
-        </p:style>
-      </p:cxnSp>
-      <p:sp>
-        <p:nvSpPr>
-          <p:cNvPr id="36" name="TextBox 35"/>
-          <p:cNvSpPr txBox="1"/>
-          <p:nvPr/>
-        </p:nvSpPr>
-        <p:spPr>
-          <a:xfrm>
-            <a:off x="10881707" y="3573058"/>
-            <a:ext cx="899606" cy="276999"/>
-          </a:xfrm>
-          <a:prstGeom prst="rect">
-            <a:avLst/>
-          </a:prstGeom>
-          <a:noFill/>
-        </p:spPr>
-        <p:txBody>
-          <a:bodyPr wrap="none" rtlCol="0">
-            <a:spAutoFit/>
-          </a:bodyPr>
-          <a:lstStyle/>
-          <a:p>
-            <a:pPr algn="ctr"/>
-            <a:r>
-              <a:rPr lang="en-US" altLang="ko-KR" sz="1200" dirty="0" smtClean="0">
-                <a:latin typeface="210 맨발의청춘 L" panose="02020603020101020101" pitchFamily="18" charset="-127"/>
-                <a:ea typeface="210 맨발의청춘 L" panose="02020603020101020101" pitchFamily="18" charset="-127"/>
-              </a:rPr>
-              <a:t>[</a:t>
-            </a:r>
-            <a:r>
-              <a:rPr lang="ko-KR" altLang="en-US" sz="1200" dirty="0" smtClean="0">
-                <a:latin typeface="210 맨발의청춘 L" panose="02020603020101020101" pitchFamily="18" charset="-127"/>
-                <a:ea typeface="210 맨발의청춘 L" panose="02020603020101020101" pitchFamily="18" charset="-127"/>
-              </a:rPr>
-              <a:t>결과 보기</a:t>
-            </a:r>
-            <a:r>
-              <a:rPr lang="en-US" altLang="ko-KR" sz="1200" dirty="0" smtClean="0">
-                <a:latin typeface="210 맨발의청춘 L" panose="02020603020101020101" pitchFamily="18" charset="-127"/>
-                <a:ea typeface="210 맨발의청춘 L" panose="02020603020101020101" pitchFamily="18" charset="-127"/>
-              </a:rPr>
-              <a:t>]</a:t>
-            </a:r>
-            <a:endParaRPr lang="ko-KR" altLang="en-US" sz="1200" dirty="0">
-              <a:latin typeface="210 맨발의청춘 L" panose="02020603020101020101" pitchFamily="18" charset="-127"/>
-              <a:ea typeface="210 맨발의청춘 L" panose="02020603020101020101" pitchFamily="18" charset="-127"/>
-            </a:endParaRPr>
-          </a:p>
-        </p:txBody>
-      </p:sp>
-    </p:spTree>
-    <p:extLst>
-      <p:ext uri="{BB962C8B-B14F-4D97-AF65-F5344CB8AC3E}">
-        <p14:creationId xmlns:p14="http://schemas.microsoft.com/office/powerpoint/2010/main" val="2418961837"/>
-      </p:ext>
-    </p:extLst>
-  </p:cSld>
-  <p:clrMapOvr>
-    <a:masterClrMapping/>
-  </p:clrMapOvr>
-</p:sld>
-</file>
-
 <file path=ppt/slides/slide5.xml><?xml version="1.0" encoding="utf-8"?>
 <p:sld xmlns:a="http://schemas.openxmlformats.org/drawingml/2006/main" xmlns:r="http://schemas.openxmlformats.org/officeDocument/2006/relationships" xmlns:p="http://schemas.openxmlformats.org/presentationml/2006/main">
   <p:cSld>
@@ -7594,18 +7015,25 @@
           <a:p>
             <a:pPr algn="ctr"/>
             <a:r>
+              <a:rPr lang="ko-KR" altLang="en-US" dirty="0" smtClean="0">
+                <a:latin typeface="210 맨발의청춘 B" panose="02020603020101020101" pitchFamily="18" charset="-127"/>
+                <a:ea typeface="210 맨발의청춘 B" panose="02020603020101020101" pitchFamily="18" charset="-127"/>
+              </a:rPr>
+              <a:t>초기 </a:t>
+            </a:r>
+            <a:r>
               <a:rPr lang="ko-KR" altLang="en-US" dirty="0" err="1" smtClean="0">
                 <a:latin typeface="210 맨발의청춘 B" panose="02020603020101020101" pitchFamily="18" charset="-127"/>
                 <a:ea typeface="210 맨발의청춘 B" panose="02020603020101020101" pitchFamily="18" charset="-127"/>
               </a:rPr>
-              <a:t>앱</a:t>
+              <a:t>세팅</a:t>
             </a:r>
             <a:r>
               <a:rPr lang="ko-KR" altLang="en-US" dirty="0" smtClean="0">
                 <a:latin typeface="210 맨발의청춘 B" panose="02020603020101020101" pitchFamily="18" charset="-127"/>
                 <a:ea typeface="210 맨발의청춘 B" panose="02020603020101020101" pitchFamily="18" charset="-127"/>
               </a:rPr>
-              <a:t> 요소 디자인</a:t>
+              <a:t> 작업</a:t>
             </a:r>
             <a:endParaRPr lang="ko-KR" altLang="en-US" dirty="0">
               <a:latin typeface="210 맨발의청춘 B" panose="02020603020101020101" pitchFamily="18" charset="-127"/>
@@ -7664,7 +7092,7 @@
                 <a:latin typeface="210 맨발의청춘 B" panose="02020603020101020101" pitchFamily="18" charset="-127"/>
                 <a:ea typeface="210 맨발의청춘 B" panose="02020603020101020101" pitchFamily="18" charset="-127"/>
               </a:rPr>
-              <a:t>Main</a:t>
+              <a:t>Scene Flow</a:t>
             </a:r>
             <a:endParaRPr lang="ko-KR" altLang="en-US" dirty="0">
               <a:latin typeface="210 맨발의청춘 B" panose="02020603020101020101" pitchFamily="18" charset="-127"/>
@@ -7683,20 +7111,12 @@
         </p:nvSpPr>
         <p:spPr>
           <a:xfrm>
-            <a:off x="201831" y="849769"/>
-            <a:ext cx="3239998" cy="5760000"/>
-          </a:xfrm>
-          <a:prstGeom prst="rect">
-            <a:avLst/>
-          </a:prstGeom>
-          <a:solidFill>
-            <a:schemeClr val="bg1">
-              <a:lumMod val="95000"/>
-            </a:schemeClr>
-          </a:solidFill>
-          <a:ln>
-            <a:noFill/>
-          </a:ln>
+            <a:off x="1181545" y="2706914"/>
+            <a:ext cx="1113786" cy="1980065"/>
+          </a:xfrm>
+          <a:prstGeom prst="rect">
+            <a:avLst/>
+          </a:prstGeom>
         </p:spPr>
         <p:style>
           <a:lnRef idx="2">
@@ -7731,7 +7151,7 @@
         </p:nvSpPr>
         <p:spPr>
           <a:xfrm>
-            <a:off x="1417153" y="6609769"/>
+            <a:off x="596128" y="3556422"/>
             <a:ext cx="585417" cy="276999"/>
           </a:xfrm>
           <a:prstGeom prst="rect">
@@ -7773,37 +7193,94 @@
           </a:p>
         </p:txBody>
       </p:sp>
-      <p:sp>
-        <p:nvSpPr>
-          <p:cNvPr id="43" name="직사각형 42"/>
-          <p:cNvSpPr/>
-          <p:nvPr/>
-        </p:nvSpPr>
-        <p:spPr>
-          <a:xfrm>
-            <a:off x="201831" y="849769"/>
-            <a:ext cx="3239998" cy="1440000"/>
-          </a:xfrm>
-          <a:prstGeom prst="rect">
-            <a:avLst/>
-          </a:prstGeom>
-          <a:gradFill flip="none" rotWithShape="1">
-            <a:gsLst>
-              <a:gs pos="0">
-                <a:srgbClr val="21B0E2">
-                  <a:alpha val="85000"/>
-                </a:srgbClr>
-              </a:gs>
-              <a:gs pos="40000">
-                <a:srgbClr val="0BA7DA"/>
-              </a:gs>
-            </a:gsLst>
-            <a:lin ang="10800000" scaled="1"/>
-            <a:tileRect/>
-          </a:gradFill>
+      <p:cxnSp>
+        <p:nvCxnSpPr>
+          <p:cNvPr id="13" name="직선 화살표 연결선 12"/>
+          <p:cNvCxnSpPr/>
+          <p:nvPr/>
+        </p:nvCxnSpPr>
+        <p:spPr>
+          <a:xfrm>
+            <a:off x="2332652" y="3694922"/>
+            <a:ext cx="606490" cy="0"/>
+          </a:xfrm>
+          <a:prstGeom prst="straightConnector1">
+            <a:avLst/>
+          </a:prstGeom>
           <a:ln>
-            <a:noFill/>
+            <a:solidFill>
+              <a:schemeClr val="tx1"/>
+            </a:solidFill>
+            <a:tailEnd type="triangle"/>
           </a:ln>
+        </p:spPr>
+        <p:style>
+          <a:lnRef idx="1">
+            <a:schemeClr val="accent1"/>
+          </a:lnRef>
+          <a:fillRef idx="0">
+            <a:schemeClr val="accent1"/>
+          </a:fillRef>
+          <a:effectRef idx="0">
+            <a:schemeClr val="accent1"/>
+          </a:effectRef>
+          <a:fontRef idx="minor">
+            <a:schemeClr val="tx1"/>
+          </a:fontRef>
+        </p:style>
+      </p:cxnSp>
+      <p:cxnSp>
+        <p:nvCxnSpPr>
+          <p:cNvPr id="14" name="직선 화살표 연결선 13"/>
+          <p:cNvCxnSpPr/>
+          <p:nvPr/>
+        </p:nvCxnSpPr>
+        <p:spPr>
+          <a:xfrm>
+            <a:off x="2332652" y="1531257"/>
+            <a:ext cx="606490" cy="0"/>
+          </a:xfrm>
+          <a:prstGeom prst="straightConnector1">
+            <a:avLst/>
+          </a:prstGeom>
+          <a:ln>
+            <a:solidFill>
+              <a:schemeClr val="tx1"/>
+            </a:solidFill>
+            <a:tailEnd type="triangle"/>
+          </a:ln>
+        </p:spPr>
+        <p:style>
+          <a:lnRef idx="1">
+            <a:schemeClr val="accent1"/>
+          </a:lnRef>
+          <a:fillRef idx="0">
+            <a:schemeClr val="accent1"/>
+          </a:fillRef>
+          <a:effectRef idx="0">
+            <a:schemeClr val="accent1"/>
+          </a:effectRef>
+          <a:fontRef idx="minor">
+            <a:schemeClr val="tx1"/>
+          </a:fontRef>
+        </p:style>
+      </p:cxnSp>
+      <p:sp>
+        <p:nvSpPr>
+          <p:cNvPr id="15" name="직사각형 14"/>
+          <p:cNvSpPr>
+            <a:spLocks noChangeAspect="1"/>
+          </p:cNvSpPr>
+          <p:nvPr/>
+        </p:nvSpPr>
+        <p:spPr>
+          <a:xfrm>
+            <a:off x="3806890" y="586888"/>
+            <a:ext cx="1113786" cy="1980065"/>
+          </a:xfrm>
+          <a:prstGeom prst="rect">
+            <a:avLst/>
+          </a:prstGeom>
         </p:spPr>
         <p:style>
           <a:lnRef idx="2">
@@ -7832,35 +7309,20 @@
       </p:sp>
       <p:sp>
         <p:nvSpPr>
-          <p:cNvPr id="44" name="직사각형 43"/>
-          <p:cNvSpPr/>
-          <p:nvPr/>
-        </p:nvSpPr>
-        <p:spPr>
-          <a:xfrm>
-            <a:off x="201831" y="2289769"/>
-            <a:ext cx="3239998" cy="1425356"/>
-          </a:xfrm>
-          <a:prstGeom prst="rect">
-            <a:avLst/>
-          </a:prstGeom>
-          <a:gradFill flip="none" rotWithShape="1">
-            <a:gsLst>
-              <a:gs pos="0">
-                <a:srgbClr val="5557AA">
-                  <a:alpha val="85000"/>
-                </a:srgbClr>
-              </a:gs>
-              <a:gs pos="40000">
-                <a:srgbClr val="5153AA"/>
-              </a:gs>
-            </a:gsLst>
-            <a:lin ang="10800000" scaled="1"/>
-            <a:tileRect/>
-          </a:gradFill>
-          <a:ln>
-            <a:noFill/>
-          </a:ln>
+          <p:cNvPr id="16" name="직사각형 15"/>
+          <p:cNvSpPr>
+            <a:spLocks noChangeAspect="1"/>
+          </p:cNvSpPr>
+          <p:nvPr/>
+        </p:nvSpPr>
+        <p:spPr>
+          <a:xfrm>
+            <a:off x="3806890" y="2706914"/>
+            <a:ext cx="1113786" cy="1980065"/>
+          </a:xfrm>
+          <a:prstGeom prst="rect">
+            <a:avLst/>
+          </a:prstGeom>
         </p:spPr>
         <p:style>
           <a:lnRef idx="2">
@@ -7889,35 +7351,20 @@
       </p:sp>
       <p:sp>
         <p:nvSpPr>
-          <p:cNvPr id="46" name="직사각형 45"/>
-          <p:cNvSpPr/>
-          <p:nvPr/>
-        </p:nvSpPr>
-        <p:spPr>
-          <a:xfrm>
-            <a:off x="201831" y="3715125"/>
-            <a:ext cx="3239998" cy="1440000"/>
-          </a:xfrm>
-          <a:prstGeom prst="rect">
-            <a:avLst/>
-          </a:prstGeom>
-          <a:gradFill flip="none" rotWithShape="1">
-            <a:gsLst>
-              <a:gs pos="0">
-                <a:srgbClr val="E979BF">
-                  <a:alpha val="85000"/>
-                </a:srgbClr>
-              </a:gs>
-              <a:gs pos="40000">
-                <a:srgbClr val="E878C0"/>
-              </a:gs>
-            </a:gsLst>
-            <a:lin ang="10800000" scaled="1"/>
-            <a:tileRect/>
-          </a:gradFill>
-          <a:ln>
-            <a:noFill/>
-          </a:ln>
+          <p:cNvPr id="17" name="직사각형 16"/>
+          <p:cNvSpPr>
+            <a:spLocks noChangeAspect="1"/>
+          </p:cNvSpPr>
+          <p:nvPr/>
+        </p:nvSpPr>
+        <p:spPr>
+          <a:xfrm>
+            <a:off x="3794616" y="4814597"/>
+            <a:ext cx="1113786" cy="1980065"/>
+          </a:xfrm>
+          <a:prstGeom prst="rect">
+            <a:avLst/>
+          </a:prstGeom>
         </p:spPr>
         <p:style>
           <a:lnRef idx="2">
@@ -7946,35 +7393,295 @@
       </p:sp>
       <p:sp>
         <p:nvSpPr>
-          <p:cNvPr id="49" name="직사각형 48"/>
-          <p:cNvSpPr/>
-          <p:nvPr/>
-        </p:nvSpPr>
-        <p:spPr>
-          <a:xfrm>
-            <a:off x="201831" y="5155125"/>
-            <a:ext cx="3239998" cy="1410712"/>
-          </a:xfrm>
-          <a:prstGeom prst="rect">
-            <a:avLst/>
-          </a:prstGeom>
-          <a:gradFill flip="none" rotWithShape="1">
-            <a:gsLst>
-              <a:gs pos="0">
-                <a:srgbClr val="F2684C">
-                  <a:alpha val="85000"/>
-                </a:srgbClr>
-              </a:gs>
-              <a:gs pos="40000">
-                <a:srgbClr val="F46A4E"/>
-              </a:gs>
-            </a:gsLst>
-            <a:lin ang="10800000" scaled="1"/>
-            <a:tileRect/>
-          </a:gradFill>
+          <p:cNvPr id="18" name="TextBox 17"/>
+          <p:cNvSpPr txBox="1"/>
+          <p:nvPr/>
+        </p:nvSpPr>
+        <p:spPr>
+          <a:xfrm>
+            <a:off x="2959008" y="3575083"/>
+            <a:ext cx="899605" cy="276999"/>
+          </a:xfrm>
+          <a:prstGeom prst="rect">
+            <a:avLst/>
+          </a:prstGeom>
+          <a:noFill/>
+        </p:spPr>
+        <p:txBody>
+          <a:bodyPr wrap="none" rtlCol="0">
+            <a:spAutoFit/>
+          </a:bodyPr>
+          <a:lstStyle/>
+          <a:p>
+            <a:pPr algn="ctr"/>
+            <a:r>
+              <a:rPr lang="en-US" altLang="ko-KR" sz="1200" dirty="0" smtClean="0">
+                <a:latin typeface="210 맨발의청춘 L" panose="02020603020101020101" pitchFamily="18" charset="-127"/>
+                <a:ea typeface="210 맨발의청춘 L" panose="02020603020101020101" pitchFamily="18" charset="-127"/>
+              </a:rPr>
+              <a:t>[</a:t>
+            </a:r>
+            <a:r>
+              <a:rPr lang="ko-KR" altLang="en-US" sz="1200" dirty="0" smtClean="0">
+                <a:latin typeface="210 맨발의청춘 L" panose="02020603020101020101" pitchFamily="18" charset="-127"/>
+                <a:ea typeface="210 맨발의청춘 L" panose="02020603020101020101" pitchFamily="18" charset="-127"/>
+              </a:rPr>
+              <a:t>질문</a:t>
+            </a:r>
+            <a:r>
+              <a:rPr lang="en-US" altLang="ko-KR" sz="1200" dirty="0">
+                <a:latin typeface="210 맨발의청춘 L" panose="02020603020101020101" pitchFamily="18" charset="-127"/>
+                <a:ea typeface="210 맨발의청춘 L" panose="02020603020101020101" pitchFamily="18" charset="-127"/>
+              </a:rPr>
+              <a:t> </a:t>
+            </a:r>
+            <a:r>
+              <a:rPr lang="ko-KR" altLang="en-US" sz="1200" dirty="0" smtClean="0">
+                <a:latin typeface="210 맨발의청춘 L" panose="02020603020101020101" pitchFamily="18" charset="-127"/>
+                <a:ea typeface="210 맨발의청춘 L" panose="02020603020101020101" pitchFamily="18" charset="-127"/>
+              </a:rPr>
+              <a:t>선택</a:t>
+            </a:r>
+            <a:r>
+              <a:rPr lang="en-US" altLang="ko-KR" sz="1200" dirty="0" smtClean="0">
+                <a:latin typeface="210 맨발의청춘 L" panose="02020603020101020101" pitchFamily="18" charset="-127"/>
+                <a:ea typeface="210 맨발의청춘 L" panose="02020603020101020101" pitchFamily="18" charset="-127"/>
+              </a:rPr>
+              <a:t>]</a:t>
+            </a:r>
+            <a:endParaRPr lang="ko-KR" altLang="en-US" sz="1200" dirty="0">
+              <a:latin typeface="210 맨발의청춘 L" panose="02020603020101020101" pitchFamily="18" charset="-127"/>
+              <a:ea typeface="210 맨발의청춘 L" panose="02020603020101020101" pitchFamily="18" charset="-127"/>
+            </a:endParaRPr>
+          </a:p>
+        </p:txBody>
+      </p:sp>
+      <p:sp>
+        <p:nvSpPr>
+          <p:cNvPr id="19" name="TextBox 18"/>
+          <p:cNvSpPr txBox="1"/>
+          <p:nvPr/>
+        </p:nvSpPr>
+        <p:spPr>
+          <a:xfrm>
+            <a:off x="2944608" y="1408002"/>
+            <a:ext cx="899606" cy="276999"/>
+          </a:xfrm>
+          <a:prstGeom prst="rect">
+            <a:avLst/>
+          </a:prstGeom>
+          <a:noFill/>
+        </p:spPr>
+        <p:txBody>
+          <a:bodyPr wrap="none" rtlCol="0">
+            <a:spAutoFit/>
+          </a:bodyPr>
+          <a:lstStyle/>
+          <a:p>
+            <a:pPr algn="ctr"/>
+            <a:r>
+              <a:rPr lang="en-US" altLang="ko-KR" sz="1200" dirty="0" smtClean="0">
+                <a:latin typeface="210 맨발의청춘 L" panose="02020603020101020101" pitchFamily="18" charset="-127"/>
+                <a:ea typeface="210 맨발의청춘 L" panose="02020603020101020101" pitchFamily="18" charset="-127"/>
+              </a:rPr>
+              <a:t>[</a:t>
+            </a:r>
+            <a:r>
+              <a:rPr lang="ko-KR" altLang="en-US" sz="1200" dirty="0" smtClean="0">
+                <a:latin typeface="210 맨발의청춘 L" panose="02020603020101020101" pitchFamily="18" charset="-127"/>
+                <a:ea typeface="210 맨발의청춘 L" panose="02020603020101020101" pitchFamily="18" charset="-127"/>
+              </a:rPr>
+              <a:t>결과 보기</a:t>
+            </a:r>
+            <a:r>
+              <a:rPr lang="en-US" altLang="ko-KR" sz="1200" dirty="0" smtClean="0">
+                <a:latin typeface="210 맨발의청춘 L" panose="02020603020101020101" pitchFamily="18" charset="-127"/>
+                <a:ea typeface="210 맨발의청춘 L" panose="02020603020101020101" pitchFamily="18" charset="-127"/>
+              </a:rPr>
+              <a:t>]</a:t>
+            </a:r>
+            <a:endParaRPr lang="ko-KR" altLang="en-US" sz="1200" dirty="0">
+              <a:latin typeface="210 맨발의청춘 L" panose="02020603020101020101" pitchFamily="18" charset="-127"/>
+              <a:ea typeface="210 맨발의청춘 L" panose="02020603020101020101" pitchFamily="18" charset="-127"/>
+            </a:endParaRPr>
+          </a:p>
+        </p:txBody>
+      </p:sp>
+      <p:cxnSp>
+        <p:nvCxnSpPr>
+          <p:cNvPr id="20" name="직선 화살표 연결선 19"/>
+          <p:cNvCxnSpPr/>
+          <p:nvPr/>
+        </p:nvCxnSpPr>
+        <p:spPr>
+          <a:xfrm>
+            <a:off x="2388638" y="5794308"/>
+            <a:ext cx="606490" cy="0"/>
+          </a:xfrm>
+          <a:prstGeom prst="straightConnector1">
+            <a:avLst/>
+          </a:prstGeom>
           <a:ln>
-            <a:noFill/>
+            <a:solidFill>
+              <a:schemeClr val="tx1"/>
+            </a:solidFill>
+            <a:tailEnd type="triangle"/>
           </a:ln>
+        </p:spPr>
+        <p:style>
+          <a:lnRef idx="1">
+            <a:schemeClr val="accent1"/>
+          </a:lnRef>
+          <a:fillRef idx="0">
+            <a:schemeClr val="accent1"/>
+          </a:fillRef>
+          <a:effectRef idx="0">
+            <a:schemeClr val="accent1"/>
+          </a:effectRef>
+          <a:fontRef idx="minor">
+            <a:schemeClr val="tx1"/>
+          </a:fontRef>
+        </p:style>
+      </p:cxnSp>
+      <p:sp>
+        <p:nvSpPr>
+          <p:cNvPr id="21" name="TextBox 20"/>
+          <p:cNvSpPr txBox="1"/>
+          <p:nvPr/>
+        </p:nvSpPr>
+        <p:spPr>
+          <a:xfrm>
+            <a:off x="3144492" y="5665139"/>
+            <a:ext cx="582211" cy="276999"/>
+          </a:xfrm>
+          <a:prstGeom prst="rect">
+            <a:avLst/>
+          </a:prstGeom>
+          <a:noFill/>
+        </p:spPr>
+        <p:txBody>
+          <a:bodyPr wrap="none" rtlCol="0">
+            <a:spAutoFit/>
+          </a:bodyPr>
+          <a:lstStyle/>
+          <a:p>
+            <a:pPr algn="ctr"/>
+            <a:r>
+              <a:rPr lang="en-US" altLang="ko-KR" sz="1200" dirty="0" smtClean="0">
+                <a:latin typeface="210 맨발의청춘 L" panose="02020603020101020101" pitchFamily="18" charset="-127"/>
+                <a:ea typeface="210 맨발의청춘 L" panose="02020603020101020101" pitchFamily="18" charset="-127"/>
+              </a:rPr>
+              <a:t>[</a:t>
+            </a:r>
+            <a:r>
+              <a:rPr lang="ko-KR" altLang="en-US" sz="1200" dirty="0" smtClean="0">
+                <a:latin typeface="210 맨발의청춘 L" panose="02020603020101020101" pitchFamily="18" charset="-127"/>
+                <a:ea typeface="210 맨발의청춘 L" panose="02020603020101020101" pitchFamily="18" charset="-127"/>
+              </a:rPr>
+              <a:t>정보</a:t>
+            </a:r>
+            <a:r>
+              <a:rPr lang="en-US" altLang="ko-KR" sz="1200" dirty="0" smtClean="0">
+                <a:latin typeface="210 맨발의청춘 L" panose="02020603020101020101" pitchFamily="18" charset="-127"/>
+                <a:ea typeface="210 맨발의청춘 L" panose="02020603020101020101" pitchFamily="18" charset="-127"/>
+              </a:rPr>
+              <a:t>]</a:t>
+            </a:r>
+            <a:endParaRPr lang="ko-KR" altLang="en-US" sz="1200" dirty="0">
+              <a:latin typeface="210 맨발의청춘 L" panose="02020603020101020101" pitchFamily="18" charset="-127"/>
+              <a:ea typeface="210 맨발의청춘 L" panose="02020603020101020101" pitchFamily="18" charset="-127"/>
+            </a:endParaRPr>
+          </a:p>
+        </p:txBody>
+      </p:sp>
+      <p:cxnSp>
+        <p:nvCxnSpPr>
+          <p:cNvPr id="22" name="직선 화살표 연결선 21"/>
+          <p:cNvCxnSpPr/>
+          <p:nvPr/>
+        </p:nvCxnSpPr>
+        <p:spPr>
+          <a:xfrm>
+            <a:off x="4957999" y="3694922"/>
+            <a:ext cx="606490" cy="0"/>
+          </a:xfrm>
+          <a:prstGeom prst="straightConnector1">
+            <a:avLst/>
+          </a:prstGeom>
+          <a:ln>
+            <a:solidFill>
+              <a:schemeClr val="tx1"/>
+            </a:solidFill>
+            <a:tailEnd type="triangle"/>
+          </a:ln>
+        </p:spPr>
+        <p:style>
+          <a:lnRef idx="1">
+            <a:schemeClr val="accent1"/>
+          </a:lnRef>
+          <a:fillRef idx="0">
+            <a:schemeClr val="accent1"/>
+          </a:fillRef>
+          <a:effectRef idx="0">
+            <a:schemeClr val="accent1"/>
+          </a:effectRef>
+          <a:fontRef idx="minor">
+            <a:schemeClr val="tx1"/>
+          </a:fontRef>
+        </p:style>
+      </p:cxnSp>
+      <p:cxnSp>
+        <p:nvCxnSpPr>
+          <p:cNvPr id="23" name="직선 화살표 연결선 22"/>
+          <p:cNvCxnSpPr/>
+          <p:nvPr/>
+        </p:nvCxnSpPr>
+        <p:spPr>
+          <a:xfrm>
+            <a:off x="4957999" y="1531257"/>
+            <a:ext cx="606490" cy="0"/>
+          </a:xfrm>
+          <a:prstGeom prst="straightConnector1">
+            <a:avLst/>
+          </a:prstGeom>
+          <a:ln>
+            <a:solidFill>
+              <a:schemeClr val="tx1"/>
+            </a:solidFill>
+            <a:tailEnd type="triangle"/>
+          </a:ln>
+        </p:spPr>
+        <p:style>
+          <a:lnRef idx="1">
+            <a:schemeClr val="accent1"/>
+          </a:lnRef>
+          <a:fillRef idx="0">
+            <a:schemeClr val="accent1"/>
+          </a:fillRef>
+          <a:effectRef idx="0">
+            <a:schemeClr val="accent1"/>
+          </a:effectRef>
+          <a:fontRef idx="minor">
+            <a:schemeClr val="tx1"/>
+          </a:fontRef>
+        </p:style>
+      </p:cxnSp>
+      <p:sp>
+        <p:nvSpPr>
+          <p:cNvPr id="24" name="직사각형 23"/>
+          <p:cNvSpPr>
+            <a:spLocks noChangeAspect="1"/>
+          </p:cNvSpPr>
+          <p:nvPr/>
+        </p:nvSpPr>
+        <p:spPr>
+          <a:xfrm>
+            <a:off x="6422906" y="586888"/>
+            <a:ext cx="1113786" cy="1980065"/>
+          </a:xfrm>
+          <a:prstGeom prst="rect">
+            <a:avLst/>
+          </a:prstGeom>
         </p:spPr>
         <p:style>
           <a:lnRef idx="2">
@@ -8003,629 +7710,16 @@
       </p:sp>
       <p:sp>
         <p:nvSpPr>
-          <p:cNvPr id="51" name="TextBox 50"/>
-          <p:cNvSpPr txBox="1"/>
-          <p:nvPr/>
-        </p:nvSpPr>
-        <p:spPr>
-          <a:xfrm>
-            <a:off x="353246" y="954777"/>
-            <a:ext cx="1741182" cy="523220"/>
-          </a:xfrm>
-          <a:prstGeom prst="rect">
-            <a:avLst/>
-          </a:prstGeom>
-          <a:noFill/>
-        </p:spPr>
-        <p:txBody>
-          <a:bodyPr wrap="none" rtlCol="0">
-            <a:spAutoFit/>
-          </a:bodyPr>
-          <a:lstStyle/>
-          <a:p>
-            <a:r>
-              <a:rPr lang="ko-KR" altLang="en-US" sz="2800" dirty="0" smtClean="0">
-                <a:solidFill>
-                  <a:schemeClr val="bg1"/>
-                </a:solidFill>
-                <a:latin typeface="HY울릉도M" panose="02030600000101010101" pitchFamily="18" charset="-127"/>
-                <a:ea typeface="HY울릉도M" panose="02030600000101010101" pitchFamily="18" charset="-127"/>
-              </a:rPr>
-              <a:t>가상 면접</a:t>
-            </a:r>
-            <a:endParaRPr lang="ko-KR" altLang="en-US" sz="2800" dirty="0">
-              <a:solidFill>
-                <a:schemeClr val="bg1"/>
-              </a:solidFill>
-              <a:latin typeface="HY울릉도M" panose="02030600000101010101" pitchFamily="18" charset="-127"/>
-              <a:ea typeface="HY울릉도M" panose="02030600000101010101" pitchFamily="18" charset="-127"/>
-            </a:endParaRPr>
-          </a:p>
-        </p:txBody>
-      </p:sp>
-      <p:sp>
-        <p:nvSpPr>
-          <p:cNvPr id="52" name="TextBox 51"/>
-          <p:cNvSpPr txBox="1"/>
-          <p:nvPr/>
-        </p:nvSpPr>
-        <p:spPr>
-          <a:xfrm>
-            <a:off x="253635" y="1476459"/>
-            <a:ext cx="2130711" cy="645818"/>
-          </a:xfrm>
-          <a:prstGeom prst="rect">
-            <a:avLst/>
-          </a:prstGeom>
-          <a:noFill/>
-        </p:spPr>
-        <p:txBody>
-          <a:bodyPr wrap="none" rtlCol="0">
-            <a:spAutoFit/>
-          </a:bodyPr>
-          <a:lstStyle/>
-          <a:p>
-            <a:pPr algn="r">
-              <a:lnSpc>
-                <a:spcPct val="150000"/>
-              </a:lnSpc>
-            </a:pPr>
-            <a:r>
-              <a:rPr lang="en-US" altLang="ko-KR" sz="1300" dirty="0" smtClean="0">
-                <a:solidFill>
-                  <a:schemeClr val="bg1"/>
-                </a:solidFill>
-                <a:latin typeface="HY울릉도M" panose="02030600000101010101" pitchFamily="18" charset="-127"/>
-                <a:ea typeface="HY울릉도M" panose="02030600000101010101" pitchFamily="18" charset="-127"/>
-              </a:rPr>
-              <a:t>AI </a:t>
-            </a:r>
-            <a:r>
-              <a:rPr lang="ko-KR" altLang="en-US" sz="1300" dirty="0" err="1" smtClean="0">
-                <a:solidFill>
-                  <a:schemeClr val="bg1"/>
-                </a:solidFill>
-                <a:latin typeface="HY울릉도M" panose="02030600000101010101" pitchFamily="18" charset="-127"/>
-                <a:ea typeface="HY울릉도M" panose="02030600000101010101" pitchFamily="18" charset="-127"/>
-              </a:rPr>
-              <a:t>면접관과</a:t>
-            </a:r>
-            <a:r>
-              <a:rPr lang="ko-KR" altLang="en-US" sz="1300" dirty="0" smtClean="0">
-                <a:solidFill>
-                  <a:schemeClr val="bg1"/>
-                </a:solidFill>
-                <a:latin typeface="HY울릉도M" panose="02030600000101010101" pitchFamily="18" charset="-127"/>
-                <a:ea typeface="HY울릉도M" panose="02030600000101010101" pitchFamily="18" charset="-127"/>
-              </a:rPr>
-              <a:t> 함께</a:t>
-            </a:r>
-            <a:endParaRPr lang="en-US" altLang="ko-KR" sz="1300" dirty="0" smtClean="0">
-              <a:solidFill>
-                <a:schemeClr val="bg1"/>
-              </a:solidFill>
-              <a:latin typeface="HY울릉도M" panose="02030600000101010101" pitchFamily="18" charset="-127"/>
-              <a:ea typeface="HY울릉도M" panose="02030600000101010101" pitchFamily="18" charset="-127"/>
-            </a:endParaRPr>
-          </a:p>
-          <a:p>
-            <a:pPr algn="r">
-              <a:lnSpc>
-                <a:spcPct val="150000"/>
-              </a:lnSpc>
-            </a:pPr>
-            <a:r>
-              <a:rPr lang="ko-KR" altLang="en-US" sz="1300" dirty="0" smtClean="0">
-                <a:solidFill>
-                  <a:schemeClr val="bg1"/>
-                </a:solidFill>
-                <a:latin typeface="HY울릉도M" panose="02030600000101010101" pitchFamily="18" charset="-127"/>
-                <a:ea typeface="HY울릉도M" panose="02030600000101010101" pitchFamily="18" charset="-127"/>
-              </a:rPr>
-              <a:t>가상 면접을 시작해보세요</a:t>
-            </a:r>
-            <a:endParaRPr lang="en-US" altLang="ko-KR" sz="1300" dirty="0" smtClean="0">
-              <a:solidFill>
-                <a:schemeClr val="bg1"/>
-              </a:solidFill>
-              <a:latin typeface="HY울릉도M" panose="02030600000101010101" pitchFamily="18" charset="-127"/>
-              <a:ea typeface="HY울릉도M" panose="02030600000101010101" pitchFamily="18" charset="-127"/>
-            </a:endParaRPr>
-          </a:p>
-        </p:txBody>
-      </p:sp>
-      <p:pic>
-        <p:nvPicPr>
-          <p:cNvPr id="53" name="그림 52"/>
-          <p:cNvPicPr>
-            <a:picLocks noChangeAspect="1"/>
-          </p:cNvPicPr>
-          <p:nvPr/>
-        </p:nvPicPr>
-        <p:blipFill>
-          <a:blip r:embed="rId2" cstate="print">
-            <a:extLst>
-              <a:ext uri="{28A0092B-C50C-407E-A947-70E740481C1C}">
-                <a14:useLocalDpi xmlns:a14="http://schemas.microsoft.com/office/drawing/2010/main" val="0"/>
-              </a:ext>
-            </a:extLst>
-          </a:blip>
-          <a:stretch>
-            <a:fillRect/>
-          </a:stretch>
-        </p:blipFill>
-        <p:spPr>
-          <a:xfrm>
-            <a:off x="2423776" y="1188394"/>
-            <a:ext cx="797268" cy="797268"/>
-          </a:xfrm>
-          <a:prstGeom prst="rect">
-            <a:avLst/>
-          </a:prstGeom>
-        </p:spPr>
-      </p:pic>
-      <p:sp>
-        <p:nvSpPr>
-          <p:cNvPr id="54" name="TextBox 53"/>
-          <p:cNvSpPr txBox="1"/>
-          <p:nvPr/>
-        </p:nvSpPr>
-        <p:spPr>
-          <a:xfrm>
-            <a:off x="353246" y="2397583"/>
-            <a:ext cx="1741182" cy="523220"/>
-          </a:xfrm>
-          <a:prstGeom prst="rect">
-            <a:avLst/>
-          </a:prstGeom>
-          <a:noFill/>
-        </p:spPr>
-        <p:txBody>
-          <a:bodyPr wrap="none" rtlCol="0">
-            <a:spAutoFit/>
-          </a:bodyPr>
-          <a:lstStyle/>
-          <a:p>
-            <a:r>
-              <a:rPr lang="ko-KR" altLang="en-US" sz="2800" dirty="0" smtClean="0">
-                <a:solidFill>
-                  <a:schemeClr val="bg1"/>
-                </a:solidFill>
-                <a:latin typeface="HY울릉도M" panose="02030600000101010101" pitchFamily="18" charset="-127"/>
-                <a:ea typeface="HY울릉도M" panose="02030600000101010101" pitchFamily="18" charset="-127"/>
-              </a:rPr>
-              <a:t>면접 결과</a:t>
-            </a:r>
-            <a:endParaRPr lang="ko-KR" altLang="en-US" sz="2800" dirty="0">
-              <a:solidFill>
-                <a:schemeClr val="bg1"/>
-              </a:solidFill>
-              <a:latin typeface="HY울릉도M" panose="02030600000101010101" pitchFamily="18" charset="-127"/>
-              <a:ea typeface="HY울릉도M" panose="02030600000101010101" pitchFamily="18" charset="-127"/>
-            </a:endParaRPr>
-          </a:p>
-        </p:txBody>
-      </p:sp>
-      <p:sp>
-        <p:nvSpPr>
-          <p:cNvPr id="55" name="TextBox 54"/>
-          <p:cNvSpPr txBox="1"/>
-          <p:nvPr/>
-        </p:nvSpPr>
-        <p:spPr>
-          <a:xfrm>
-            <a:off x="493617" y="2919265"/>
-            <a:ext cx="1853392" cy="692497"/>
-          </a:xfrm>
-          <a:prstGeom prst="rect">
-            <a:avLst/>
-          </a:prstGeom>
-          <a:noFill/>
-        </p:spPr>
-        <p:txBody>
-          <a:bodyPr wrap="none" rtlCol="0">
-            <a:spAutoFit/>
-          </a:bodyPr>
-          <a:lstStyle/>
-          <a:p>
-            <a:pPr algn="r">
-              <a:lnSpc>
-                <a:spcPct val="150000"/>
-              </a:lnSpc>
-            </a:pPr>
-            <a:r>
-              <a:rPr lang="ko-KR" altLang="en-US" sz="1300" dirty="0" smtClean="0">
-                <a:solidFill>
-                  <a:schemeClr val="bg1"/>
-                </a:solidFill>
-                <a:latin typeface="HY울릉도M" panose="02030600000101010101" pitchFamily="18" charset="-127"/>
-                <a:ea typeface="HY울릉도M" panose="02030600000101010101" pitchFamily="18" charset="-127"/>
-              </a:rPr>
-              <a:t>가상 면접 결과를</a:t>
-            </a:r>
-            <a:endParaRPr lang="en-US" altLang="ko-KR" sz="1300" dirty="0" smtClean="0">
-              <a:solidFill>
-                <a:schemeClr val="bg1"/>
-              </a:solidFill>
-              <a:latin typeface="HY울릉도M" panose="02030600000101010101" pitchFamily="18" charset="-127"/>
-              <a:ea typeface="HY울릉도M" panose="02030600000101010101" pitchFamily="18" charset="-127"/>
-            </a:endParaRPr>
-          </a:p>
-          <a:p>
-            <a:pPr algn="r">
-              <a:lnSpc>
-                <a:spcPct val="150000"/>
-              </a:lnSpc>
-            </a:pPr>
-            <a:r>
-              <a:rPr lang="ko-KR" altLang="en-US" sz="1300" dirty="0" smtClean="0">
-                <a:solidFill>
-                  <a:schemeClr val="bg1"/>
-                </a:solidFill>
-                <a:latin typeface="HY울릉도M" panose="02030600000101010101" pitchFamily="18" charset="-127"/>
-                <a:ea typeface="HY울릉도M" panose="02030600000101010101" pitchFamily="18" charset="-127"/>
-              </a:rPr>
-              <a:t>다시 확인할 수 있어요</a:t>
-            </a:r>
-            <a:endParaRPr lang="ko-KR" altLang="en-US" sz="1300" dirty="0">
-              <a:solidFill>
-                <a:schemeClr val="bg1"/>
-              </a:solidFill>
-              <a:latin typeface="HY울릉도M" panose="02030600000101010101" pitchFamily="18" charset="-127"/>
-              <a:ea typeface="HY울릉도M" panose="02030600000101010101" pitchFamily="18" charset="-127"/>
-            </a:endParaRPr>
-          </a:p>
-        </p:txBody>
-      </p:sp>
-      <p:sp>
-        <p:nvSpPr>
-          <p:cNvPr id="57" name="TextBox 56"/>
-          <p:cNvSpPr txBox="1"/>
-          <p:nvPr/>
-        </p:nvSpPr>
-        <p:spPr>
-          <a:xfrm>
-            <a:off x="353246" y="3832340"/>
-            <a:ext cx="1741182" cy="523220"/>
-          </a:xfrm>
-          <a:prstGeom prst="rect">
-            <a:avLst/>
-          </a:prstGeom>
-          <a:noFill/>
-        </p:spPr>
-        <p:txBody>
-          <a:bodyPr wrap="none" rtlCol="0">
-            <a:spAutoFit/>
-          </a:bodyPr>
-          <a:lstStyle/>
-          <a:p>
-            <a:r>
-              <a:rPr lang="ko-KR" altLang="en-US" sz="2800" dirty="0" smtClean="0">
-                <a:solidFill>
-                  <a:schemeClr val="bg1"/>
-                </a:solidFill>
-                <a:latin typeface="HY울릉도M" panose="02030600000101010101" pitchFamily="18" charset="-127"/>
-                <a:ea typeface="HY울릉도M" panose="02030600000101010101" pitchFamily="18" charset="-127"/>
-              </a:rPr>
-              <a:t>면접 문제</a:t>
-            </a:r>
-            <a:endParaRPr lang="ko-KR" altLang="en-US" sz="2800" dirty="0">
-              <a:solidFill>
-                <a:schemeClr val="bg1"/>
-              </a:solidFill>
-              <a:latin typeface="HY울릉도M" panose="02030600000101010101" pitchFamily="18" charset="-127"/>
-              <a:ea typeface="HY울릉도M" panose="02030600000101010101" pitchFamily="18" charset="-127"/>
-            </a:endParaRPr>
-          </a:p>
-        </p:txBody>
-      </p:sp>
-      <p:sp>
-        <p:nvSpPr>
-          <p:cNvPr id="58" name="TextBox 57"/>
-          <p:cNvSpPr txBox="1"/>
-          <p:nvPr/>
-        </p:nvSpPr>
-        <p:spPr>
-          <a:xfrm>
-            <a:off x="422175" y="4354022"/>
-            <a:ext cx="1850186" cy="692497"/>
-          </a:xfrm>
-          <a:prstGeom prst="rect">
-            <a:avLst/>
-          </a:prstGeom>
-          <a:noFill/>
-        </p:spPr>
-        <p:txBody>
-          <a:bodyPr wrap="none" rtlCol="0">
-            <a:spAutoFit/>
-          </a:bodyPr>
-          <a:lstStyle/>
-          <a:p>
-            <a:pPr algn="r">
-              <a:lnSpc>
-                <a:spcPct val="150000"/>
-              </a:lnSpc>
-            </a:pPr>
-            <a:r>
-              <a:rPr lang="ko-KR" altLang="en-US" sz="1300" dirty="0" smtClean="0">
-                <a:solidFill>
-                  <a:schemeClr val="bg1"/>
-                </a:solidFill>
-                <a:latin typeface="HY울릉도M" panose="02030600000101010101" pitchFamily="18" charset="-127"/>
-                <a:ea typeface="HY울릉도M" panose="02030600000101010101" pitchFamily="18" charset="-127"/>
-              </a:rPr>
-              <a:t>가상 면접을 위한</a:t>
-            </a:r>
-            <a:endParaRPr lang="en-US" altLang="ko-KR" sz="1300" dirty="0" smtClean="0">
-              <a:solidFill>
-                <a:schemeClr val="bg1"/>
-              </a:solidFill>
-              <a:latin typeface="HY울릉도M" panose="02030600000101010101" pitchFamily="18" charset="-127"/>
-              <a:ea typeface="HY울릉도M" panose="02030600000101010101" pitchFamily="18" charset="-127"/>
-            </a:endParaRPr>
-          </a:p>
-          <a:p>
-            <a:pPr algn="r">
-              <a:lnSpc>
-                <a:spcPct val="150000"/>
-              </a:lnSpc>
-            </a:pPr>
-            <a:r>
-              <a:rPr lang="ko-KR" altLang="en-US" sz="1300" dirty="0" smtClean="0">
-                <a:solidFill>
-                  <a:schemeClr val="bg1"/>
-                </a:solidFill>
-                <a:latin typeface="HY울릉도M" panose="02030600000101010101" pitchFamily="18" charset="-127"/>
-                <a:ea typeface="HY울릉도M" panose="02030600000101010101" pitchFamily="18" charset="-127"/>
-              </a:rPr>
-              <a:t>문제 </a:t>
-            </a:r>
-            <a:r>
-              <a:rPr lang="en-US" altLang="ko-KR" sz="1300" dirty="0" smtClean="0">
-                <a:solidFill>
-                  <a:schemeClr val="bg1"/>
-                </a:solidFill>
-                <a:latin typeface="HY울릉도M" panose="02030600000101010101" pitchFamily="18" charset="-127"/>
-                <a:ea typeface="HY울릉도M" panose="02030600000101010101" pitchFamily="18" charset="-127"/>
-              </a:rPr>
-              <a:t>DB</a:t>
-            </a:r>
-            <a:r>
-              <a:rPr lang="ko-KR" altLang="en-US" sz="1300" dirty="0" smtClean="0">
-                <a:solidFill>
-                  <a:schemeClr val="bg1"/>
-                </a:solidFill>
-                <a:latin typeface="HY울릉도M" panose="02030600000101010101" pitchFamily="18" charset="-127"/>
-                <a:ea typeface="HY울릉도M" panose="02030600000101010101" pitchFamily="18" charset="-127"/>
-              </a:rPr>
-              <a:t>를 확인하세요</a:t>
-            </a:r>
-            <a:endParaRPr lang="ko-KR" altLang="en-US" sz="1300" dirty="0">
-              <a:solidFill>
-                <a:schemeClr val="bg1"/>
-              </a:solidFill>
-              <a:latin typeface="HY울릉도M" panose="02030600000101010101" pitchFamily="18" charset="-127"/>
-              <a:ea typeface="HY울릉도M" panose="02030600000101010101" pitchFamily="18" charset="-127"/>
-            </a:endParaRPr>
-          </a:p>
-        </p:txBody>
-      </p:sp>
-      <p:sp>
-        <p:nvSpPr>
-          <p:cNvPr id="60" name="TextBox 59"/>
-          <p:cNvSpPr txBox="1"/>
-          <p:nvPr/>
-        </p:nvSpPr>
-        <p:spPr>
-          <a:xfrm>
-            <a:off x="353246" y="5268505"/>
-            <a:ext cx="1741182" cy="523220"/>
-          </a:xfrm>
-          <a:prstGeom prst="rect">
-            <a:avLst/>
-          </a:prstGeom>
-          <a:noFill/>
-        </p:spPr>
-        <p:txBody>
-          <a:bodyPr wrap="none" rtlCol="0">
-            <a:spAutoFit/>
-          </a:bodyPr>
-          <a:lstStyle/>
-          <a:p>
-            <a:r>
-              <a:rPr lang="ko-KR" altLang="en-US" sz="2800" dirty="0" smtClean="0">
-                <a:solidFill>
-                  <a:schemeClr val="bg1"/>
-                </a:solidFill>
-                <a:latin typeface="HY울릉도M" panose="02030600000101010101" pitchFamily="18" charset="-127"/>
-                <a:ea typeface="HY울릉도M" panose="02030600000101010101" pitchFamily="18" charset="-127"/>
-              </a:rPr>
-              <a:t>환경 설정</a:t>
-            </a:r>
-            <a:endParaRPr lang="ko-KR" altLang="en-US" sz="2800" dirty="0">
-              <a:solidFill>
-                <a:schemeClr val="bg1"/>
-              </a:solidFill>
-              <a:latin typeface="HY울릉도M" panose="02030600000101010101" pitchFamily="18" charset="-127"/>
-              <a:ea typeface="HY울릉도M" panose="02030600000101010101" pitchFamily="18" charset="-127"/>
-            </a:endParaRPr>
-          </a:p>
-        </p:txBody>
-      </p:sp>
-      <p:sp>
-        <p:nvSpPr>
-          <p:cNvPr id="61" name="TextBox 60"/>
-          <p:cNvSpPr txBox="1"/>
-          <p:nvPr/>
-        </p:nvSpPr>
-        <p:spPr>
-          <a:xfrm>
-            <a:off x="412556" y="5790187"/>
-            <a:ext cx="1859805" cy="415498"/>
-          </a:xfrm>
-          <a:prstGeom prst="rect">
-            <a:avLst/>
-          </a:prstGeom>
-          <a:noFill/>
-        </p:spPr>
-        <p:txBody>
-          <a:bodyPr wrap="none" rtlCol="0">
-            <a:spAutoFit/>
-          </a:bodyPr>
-          <a:lstStyle/>
-          <a:p>
-            <a:pPr algn="r">
-              <a:lnSpc>
-                <a:spcPct val="150000"/>
-              </a:lnSpc>
-            </a:pPr>
-            <a:r>
-              <a:rPr lang="ko-KR" altLang="en-US" sz="1400" dirty="0" smtClean="0">
-                <a:solidFill>
-                  <a:schemeClr val="bg1"/>
-                </a:solidFill>
-                <a:latin typeface="HY울릉도M" panose="02030600000101010101" pitchFamily="18" charset="-127"/>
-                <a:ea typeface="HY울릉도M" panose="02030600000101010101" pitchFamily="18" charset="-127"/>
-              </a:rPr>
-              <a:t>기기를 최적화합니다</a:t>
-            </a:r>
-            <a:endParaRPr lang="ko-KR" altLang="en-US" sz="1400" dirty="0">
-              <a:solidFill>
-                <a:schemeClr val="bg1"/>
-              </a:solidFill>
-              <a:latin typeface="HY울릉도M" panose="02030600000101010101" pitchFamily="18" charset="-127"/>
-              <a:ea typeface="HY울릉도M" panose="02030600000101010101" pitchFamily="18" charset="-127"/>
-            </a:endParaRPr>
-          </a:p>
-        </p:txBody>
-      </p:sp>
-      <p:pic>
-        <p:nvPicPr>
-          <p:cNvPr id="63" name="그림 62"/>
-          <p:cNvPicPr>
-            <a:picLocks noChangeAspect="1"/>
-          </p:cNvPicPr>
-          <p:nvPr/>
-        </p:nvPicPr>
-        <p:blipFill>
-          <a:blip r:embed="rId3" cstate="print">
-            <a:extLst>
-              <a:ext uri="{28A0092B-C50C-407E-A947-70E740481C1C}">
-                <a14:useLocalDpi xmlns:a14="http://schemas.microsoft.com/office/drawing/2010/main" val="0"/>
-              </a:ext>
-            </a:extLst>
-          </a:blip>
-          <a:stretch>
-            <a:fillRect/>
-          </a:stretch>
-        </p:blipFill>
-        <p:spPr>
-          <a:xfrm>
-            <a:off x="2418084" y="2582267"/>
-            <a:ext cx="802960" cy="802960"/>
-          </a:xfrm>
-          <a:prstGeom prst="rect">
-            <a:avLst/>
-          </a:prstGeom>
-        </p:spPr>
-      </p:pic>
-      <p:pic>
-        <p:nvPicPr>
-          <p:cNvPr id="64" name="그림 63"/>
-          <p:cNvPicPr>
-            <a:picLocks noChangeAspect="1"/>
-          </p:cNvPicPr>
-          <p:nvPr/>
-        </p:nvPicPr>
-        <p:blipFill>
-          <a:blip r:embed="rId4" cstate="print">
-            <a:extLst>
-              <a:ext uri="{28A0092B-C50C-407E-A947-70E740481C1C}">
-                <a14:useLocalDpi xmlns:a14="http://schemas.microsoft.com/office/drawing/2010/main" val="0"/>
-              </a:ext>
-            </a:extLst>
-          </a:blip>
-          <a:stretch>
-            <a:fillRect/>
-          </a:stretch>
-        </p:blipFill>
-        <p:spPr>
-          <a:xfrm>
-            <a:off x="2472286" y="4063025"/>
-            <a:ext cx="772431" cy="772431"/>
-          </a:xfrm>
-          <a:prstGeom prst="rect">
-            <a:avLst/>
-          </a:prstGeom>
-        </p:spPr>
-      </p:pic>
-      <p:pic>
-        <p:nvPicPr>
-          <p:cNvPr id="65" name="그림 64"/>
-          <p:cNvPicPr>
-            <a:picLocks noChangeAspect="1"/>
-          </p:cNvPicPr>
-          <p:nvPr/>
-        </p:nvPicPr>
-        <p:blipFill>
-          <a:blip r:embed="rId5" cstate="print">
-            <a:extLst>
-              <a:ext uri="{28A0092B-C50C-407E-A947-70E740481C1C}">
-                <a14:useLocalDpi xmlns:a14="http://schemas.microsoft.com/office/drawing/2010/main" val="0"/>
-              </a:ext>
-            </a:extLst>
-          </a:blip>
-          <a:stretch>
-            <a:fillRect/>
-          </a:stretch>
-        </p:blipFill>
-        <p:spPr>
-          <a:xfrm>
-            <a:off x="2464641" y="5495840"/>
-            <a:ext cx="709845" cy="709845"/>
-          </a:xfrm>
-          <a:prstGeom prst="rect">
-            <a:avLst/>
-          </a:prstGeom>
-        </p:spPr>
-      </p:pic>
-      <p:pic>
-        <p:nvPicPr>
-          <p:cNvPr id="68" name="그림 67"/>
-          <p:cNvPicPr>
-            <a:picLocks noChangeAspect="1"/>
-          </p:cNvPicPr>
-          <p:nvPr/>
-        </p:nvPicPr>
-        <p:blipFill>
-          <a:blip r:embed="rId6"/>
-          <a:stretch>
-            <a:fillRect/>
-          </a:stretch>
-        </p:blipFill>
-        <p:spPr>
-          <a:xfrm>
-            <a:off x="3541442" y="863017"/>
-            <a:ext cx="3114675" cy="4972050"/>
-          </a:xfrm>
-          <a:prstGeom prst="rect">
-            <a:avLst/>
-          </a:prstGeom>
-          <a:solidFill>
-            <a:schemeClr val="tx1"/>
-          </a:solidFill>
-        </p:spPr>
-      </p:pic>
-      <p:sp>
-        <p:nvSpPr>
-          <p:cNvPr id="3" name="직사각형 2"/>
-          <p:cNvSpPr/>
-          <p:nvPr/>
-        </p:nvSpPr>
-        <p:spPr>
-          <a:xfrm>
-            <a:off x="3541442" y="863017"/>
-            <a:ext cx="3114675" cy="4972050"/>
+          <p:cNvPr id="25" name="직사각형 24"/>
+          <p:cNvSpPr>
+            <a:spLocks noChangeAspect="1"/>
+          </p:cNvSpPr>
+          <p:nvPr/>
+        </p:nvSpPr>
+        <p:spPr>
+          <a:xfrm>
+            <a:off x="6422906" y="2706914"/>
+            <a:ext cx="1113786" cy="1980065"/>
           </a:xfrm>
           <a:prstGeom prst="rect">
             <a:avLst/>
@@ -8658,35 +7752,20 @@
       </p:sp>
       <p:sp>
         <p:nvSpPr>
-          <p:cNvPr id="28" name="직사각형 27"/>
-          <p:cNvSpPr/>
-          <p:nvPr/>
-        </p:nvSpPr>
-        <p:spPr>
-          <a:xfrm>
-            <a:off x="3541440" y="880277"/>
-            <a:ext cx="3114676" cy="1242000"/>
-          </a:xfrm>
-          <a:prstGeom prst="rect">
-            <a:avLst/>
-          </a:prstGeom>
-          <a:gradFill flip="none" rotWithShape="1">
-            <a:gsLst>
-              <a:gs pos="0">
-                <a:srgbClr val="21B0E2">
-                  <a:alpha val="85000"/>
-                </a:srgbClr>
-              </a:gs>
-              <a:gs pos="40000">
-                <a:srgbClr val="0BA7DA"/>
-              </a:gs>
-            </a:gsLst>
-            <a:lin ang="10800000" scaled="1"/>
-            <a:tileRect/>
-          </a:gradFill>
-          <a:ln>
-            <a:noFill/>
-          </a:ln>
+          <p:cNvPr id="26" name="직사각형 25"/>
+          <p:cNvSpPr>
+            <a:spLocks noChangeAspect="1"/>
+          </p:cNvSpPr>
+          <p:nvPr/>
+        </p:nvSpPr>
+        <p:spPr>
+          <a:xfrm>
+            <a:off x="6410632" y="4814597"/>
+            <a:ext cx="1113786" cy="1980065"/>
+          </a:xfrm>
+          <a:prstGeom prst="rect">
+            <a:avLst/>
+          </a:prstGeom>
         </p:spPr>
         <p:style>
           <a:lnRef idx="2">
@@ -8715,35 +7794,245 @@
       </p:sp>
       <p:sp>
         <p:nvSpPr>
-          <p:cNvPr id="29" name="직사각형 28"/>
-          <p:cNvSpPr/>
-          <p:nvPr/>
-        </p:nvSpPr>
-        <p:spPr>
-          <a:xfrm>
-            <a:off x="3541439" y="2122277"/>
-            <a:ext cx="3114000" cy="1242000"/>
-          </a:xfrm>
-          <a:prstGeom prst="rect">
-            <a:avLst/>
-          </a:prstGeom>
-          <a:gradFill flip="none" rotWithShape="1">
-            <a:gsLst>
-              <a:gs pos="0">
-                <a:srgbClr val="5557AA">
-                  <a:alpha val="85000"/>
-                </a:srgbClr>
-              </a:gs>
-              <a:gs pos="40000">
-                <a:srgbClr val="5153AA"/>
-              </a:gs>
-            </a:gsLst>
-            <a:lin ang="10800000" scaled="1"/>
-            <a:tileRect/>
-          </a:gradFill>
+          <p:cNvPr id="27" name="TextBox 26"/>
+          <p:cNvSpPr txBox="1"/>
+          <p:nvPr/>
+        </p:nvSpPr>
+        <p:spPr>
+          <a:xfrm>
+            <a:off x="5584355" y="3575083"/>
+            <a:ext cx="899606" cy="276999"/>
+          </a:xfrm>
+          <a:prstGeom prst="rect">
+            <a:avLst/>
+          </a:prstGeom>
+          <a:noFill/>
+        </p:spPr>
+        <p:txBody>
+          <a:bodyPr wrap="none" rtlCol="0">
+            <a:spAutoFit/>
+          </a:bodyPr>
+          <a:lstStyle/>
+          <a:p>
+            <a:pPr algn="ctr"/>
+            <a:r>
+              <a:rPr lang="en-US" altLang="ko-KR" sz="1200" dirty="0" smtClean="0">
+                <a:latin typeface="210 맨발의청춘 L" panose="02020603020101020101" pitchFamily="18" charset="-127"/>
+                <a:ea typeface="210 맨발의청춘 L" panose="02020603020101020101" pitchFamily="18" charset="-127"/>
+              </a:rPr>
+              <a:t>[</a:t>
+            </a:r>
+            <a:r>
+              <a:rPr lang="ko-KR" altLang="en-US" sz="1200" dirty="0" smtClean="0">
+                <a:latin typeface="210 맨발의청춘 L" panose="02020603020101020101" pitchFamily="18" charset="-127"/>
+                <a:ea typeface="210 맨발의청춘 L" panose="02020603020101020101" pitchFamily="18" charset="-127"/>
+              </a:rPr>
+              <a:t>가상 면접</a:t>
+            </a:r>
+            <a:r>
+              <a:rPr lang="en-US" altLang="ko-KR" sz="1200" dirty="0" smtClean="0">
+                <a:latin typeface="210 맨발의청춘 L" panose="02020603020101020101" pitchFamily="18" charset="-127"/>
+                <a:ea typeface="210 맨발의청춘 L" panose="02020603020101020101" pitchFamily="18" charset="-127"/>
+              </a:rPr>
+              <a:t>]</a:t>
+            </a:r>
+            <a:endParaRPr lang="ko-KR" altLang="en-US" sz="1200" dirty="0">
+              <a:latin typeface="210 맨발의청춘 L" panose="02020603020101020101" pitchFamily="18" charset="-127"/>
+              <a:ea typeface="210 맨발의청춘 L" panose="02020603020101020101" pitchFamily="18" charset="-127"/>
+            </a:endParaRPr>
+          </a:p>
+        </p:txBody>
+      </p:sp>
+      <p:sp>
+        <p:nvSpPr>
+          <p:cNvPr id="28" name="TextBox 27"/>
+          <p:cNvSpPr txBox="1"/>
+          <p:nvPr/>
+        </p:nvSpPr>
+        <p:spPr>
+          <a:xfrm>
+            <a:off x="5728652" y="1408002"/>
+            <a:ext cx="582211" cy="276999"/>
+          </a:xfrm>
+          <a:prstGeom prst="rect">
+            <a:avLst/>
+          </a:prstGeom>
+          <a:noFill/>
+        </p:spPr>
+        <p:txBody>
+          <a:bodyPr wrap="none" rtlCol="0">
+            <a:spAutoFit/>
+          </a:bodyPr>
+          <a:lstStyle/>
+          <a:p>
+            <a:pPr algn="ctr"/>
+            <a:r>
+              <a:rPr lang="en-US" altLang="ko-KR" sz="1200" dirty="0" smtClean="0">
+                <a:latin typeface="210 맨발의청춘 L" panose="02020603020101020101" pitchFamily="18" charset="-127"/>
+                <a:ea typeface="210 맨발의청춘 L" panose="02020603020101020101" pitchFamily="18" charset="-127"/>
+              </a:rPr>
+              <a:t>[</a:t>
+            </a:r>
+            <a:r>
+              <a:rPr lang="ko-KR" altLang="en-US" sz="1200" dirty="0" smtClean="0">
+                <a:latin typeface="210 맨발의청춘 L" panose="02020603020101020101" pitchFamily="18" charset="-127"/>
+                <a:ea typeface="210 맨발의청춘 L" panose="02020603020101020101" pitchFamily="18" charset="-127"/>
+              </a:rPr>
+              <a:t>메인</a:t>
+            </a:r>
+            <a:r>
+              <a:rPr lang="en-US" altLang="ko-KR" sz="1200" dirty="0" smtClean="0">
+                <a:latin typeface="210 맨발의청춘 L" panose="02020603020101020101" pitchFamily="18" charset="-127"/>
+                <a:ea typeface="210 맨발의청춘 L" panose="02020603020101020101" pitchFamily="18" charset="-127"/>
+              </a:rPr>
+              <a:t>]</a:t>
+            </a:r>
+            <a:endParaRPr lang="ko-KR" altLang="en-US" sz="1200" dirty="0">
+              <a:latin typeface="210 맨발의청춘 L" panose="02020603020101020101" pitchFamily="18" charset="-127"/>
+              <a:ea typeface="210 맨발의청춘 L" panose="02020603020101020101" pitchFamily="18" charset="-127"/>
+            </a:endParaRPr>
+          </a:p>
+        </p:txBody>
+      </p:sp>
+      <p:cxnSp>
+        <p:nvCxnSpPr>
+          <p:cNvPr id="29" name="직선 화살표 연결선 28"/>
+          <p:cNvCxnSpPr/>
+          <p:nvPr/>
+        </p:nvCxnSpPr>
+        <p:spPr>
+          <a:xfrm>
+            <a:off x="5013985" y="5794308"/>
+            <a:ext cx="606490" cy="0"/>
+          </a:xfrm>
+          <a:prstGeom prst="straightConnector1">
+            <a:avLst/>
+          </a:prstGeom>
           <a:ln>
-            <a:noFill/>
+            <a:solidFill>
+              <a:schemeClr val="tx1"/>
+            </a:solidFill>
+            <a:tailEnd type="triangle"/>
           </a:ln>
+        </p:spPr>
+        <p:style>
+          <a:lnRef idx="1">
+            <a:schemeClr val="accent1"/>
+          </a:lnRef>
+          <a:fillRef idx="0">
+            <a:schemeClr val="accent1"/>
+          </a:fillRef>
+          <a:effectRef idx="0">
+            <a:schemeClr val="accent1"/>
+          </a:effectRef>
+          <a:fontRef idx="minor">
+            <a:schemeClr val="tx1"/>
+          </a:fontRef>
+        </p:style>
+      </p:cxnSp>
+      <p:sp>
+        <p:nvSpPr>
+          <p:cNvPr id="30" name="TextBox 29"/>
+          <p:cNvSpPr txBox="1"/>
+          <p:nvPr/>
+        </p:nvSpPr>
+        <p:spPr>
+          <a:xfrm>
+            <a:off x="5769839" y="5665139"/>
+            <a:ext cx="582211" cy="276999"/>
+          </a:xfrm>
+          <a:prstGeom prst="rect">
+            <a:avLst/>
+          </a:prstGeom>
+          <a:noFill/>
+        </p:spPr>
+        <p:txBody>
+          <a:bodyPr wrap="none" rtlCol="0">
+            <a:spAutoFit/>
+          </a:bodyPr>
+          <a:lstStyle/>
+          <a:p>
+            <a:pPr algn="ctr"/>
+            <a:r>
+              <a:rPr lang="en-US" altLang="ko-KR" sz="1200" dirty="0" smtClean="0">
+                <a:latin typeface="210 맨발의청춘 L" panose="02020603020101020101" pitchFamily="18" charset="-127"/>
+                <a:ea typeface="210 맨발의청춘 L" panose="02020603020101020101" pitchFamily="18" charset="-127"/>
+              </a:rPr>
+              <a:t>[</a:t>
+            </a:r>
+            <a:r>
+              <a:rPr lang="ko-KR" altLang="en-US" sz="1200" dirty="0" smtClean="0">
+                <a:latin typeface="210 맨발의청춘 L" panose="02020603020101020101" pitchFamily="18" charset="-127"/>
+                <a:ea typeface="210 맨발의청춘 L" panose="02020603020101020101" pitchFamily="18" charset="-127"/>
+              </a:rPr>
+              <a:t>메인</a:t>
+            </a:r>
+            <a:r>
+              <a:rPr lang="en-US" altLang="ko-KR" sz="1200" dirty="0" smtClean="0">
+                <a:latin typeface="210 맨발의청춘 L" panose="02020603020101020101" pitchFamily="18" charset="-127"/>
+                <a:ea typeface="210 맨발의청춘 L" panose="02020603020101020101" pitchFamily="18" charset="-127"/>
+              </a:rPr>
+              <a:t>]</a:t>
+            </a:r>
+            <a:endParaRPr lang="ko-KR" altLang="en-US" sz="1200" dirty="0">
+              <a:latin typeface="210 맨발의청춘 L" panose="02020603020101020101" pitchFamily="18" charset="-127"/>
+              <a:ea typeface="210 맨발의청춘 L" panose="02020603020101020101" pitchFamily="18" charset="-127"/>
+            </a:endParaRPr>
+          </a:p>
+        </p:txBody>
+      </p:sp>
+      <p:cxnSp>
+        <p:nvCxnSpPr>
+          <p:cNvPr id="31" name="직선 화살표 연결선 30"/>
+          <p:cNvCxnSpPr/>
+          <p:nvPr/>
+        </p:nvCxnSpPr>
+        <p:spPr>
+          <a:xfrm>
+            <a:off x="7583347" y="3692897"/>
+            <a:ext cx="606490" cy="0"/>
+          </a:xfrm>
+          <a:prstGeom prst="straightConnector1">
+            <a:avLst/>
+          </a:prstGeom>
+          <a:ln>
+            <a:solidFill>
+              <a:schemeClr val="tx1"/>
+            </a:solidFill>
+            <a:tailEnd type="triangle"/>
+          </a:ln>
+        </p:spPr>
+        <p:style>
+          <a:lnRef idx="1">
+            <a:schemeClr val="accent1"/>
+          </a:lnRef>
+          <a:fillRef idx="0">
+            <a:schemeClr val="accent1"/>
+          </a:fillRef>
+          <a:effectRef idx="0">
+            <a:schemeClr val="accent1"/>
+          </a:effectRef>
+          <a:fontRef idx="minor">
+            <a:schemeClr val="tx1"/>
+          </a:fontRef>
+        </p:style>
+      </p:cxnSp>
+      <p:sp>
+        <p:nvSpPr>
+          <p:cNvPr id="32" name="직사각형 31"/>
+          <p:cNvSpPr>
+            <a:spLocks noChangeAspect="1"/>
+          </p:cNvSpPr>
+          <p:nvPr/>
+        </p:nvSpPr>
+        <p:spPr>
+          <a:xfrm>
+            <a:off x="9104238" y="2704889"/>
+            <a:ext cx="1113786" cy="1980065"/>
+          </a:xfrm>
+          <a:prstGeom prst="rect">
+            <a:avLst/>
+          </a:prstGeom>
         </p:spPr>
         <p:style>
           <a:lnRef idx="2">
@@ -8772,128 +8061,14 @@
       </p:sp>
       <p:sp>
         <p:nvSpPr>
-          <p:cNvPr id="30" name="직사각형 29"/>
-          <p:cNvSpPr/>
-          <p:nvPr/>
-        </p:nvSpPr>
-        <p:spPr>
-          <a:xfrm>
-            <a:off x="3541439" y="3364277"/>
-            <a:ext cx="3114000" cy="1242000"/>
-          </a:xfrm>
-          <a:prstGeom prst="rect">
-            <a:avLst/>
-          </a:prstGeom>
-          <a:gradFill flip="none" rotWithShape="1">
-            <a:gsLst>
-              <a:gs pos="0">
-                <a:srgbClr val="E979BF">
-                  <a:alpha val="85000"/>
-                </a:srgbClr>
-              </a:gs>
-              <a:gs pos="40000">
-                <a:srgbClr val="E878C0"/>
-              </a:gs>
-            </a:gsLst>
-            <a:lin ang="10800000" scaled="1"/>
-            <a:tileRect/>
-          </a:gradFill>
-          <a:ln>
-            <a:noFill/>
-          </a:ln>
-        </p:spPr>
-        <p:style>
-          <a:lnRef idx="2">
-            <a:schemeClr val="accent1">
-              <a:shade val="50000"/>
-            </a:schemeClr>
-          </a:lnRef>
-          <a:fillRef idx="1">
-            <a:schemeClr val="accent1"/>
-          </a:fillRef>
-          <a:effectRef idx="0">
-            <a:schemeClr val="accent1"/>
-          </a:effectRef>
-          <a:fontRef idx="minor">
-            <a:schemeClr val="lt1"/>
-          </a:fontRef>
-        </p:style>
-        <p:txBody>
-          <a:bodyPr rtlCol="0" anchor="ctr"/>
-          <a:lstStyle/>
-          <a:p>
-            <a:pPr algn="ctr"/>
-            <a:endParaRPr lang="ko-KR" altLang="en-US"/>
-          </a:p>
-        </p:txBody>
-      </p:sp>
-      <p:sp>
-        <p:nvSpPr>
-          <p:cNvPr id="31" name="직사각형 30"/>
-          <p:cNvSpPr/>
-          <p:nvPr/>
-        </p:nvSpPr>
-        <p:spPr>
-          <a:xfrm>
-            <a:off x="3541439" y="4593067"/>
-            <a:ext cx="3114000" cy="1242000"/>
-          </a:xfrm>
-          <a:prstGeom prst="rect">
-            <a:avLst/>
-          </a:prstGeom>
-          <a:gradFill flip="none" rotWithShape="1">
-            <a:gsLst>
-              <a:gs pos="0">
-                <a:srgbClr val="F2684C">
-                  <a:alpha val="85000"/>
-                </a:srgbClr>
-              </a:gs>
-              <a:gs pos="40000">
-                <a:srgbClr val="F46A4E"/>
-              </a:gs>
-            </a:gsLst>
-            <a:lin ang="10800000" scaled="1"/>
-            <a:tileRect/>
-          </a:gradFill>
-          <a:ln>
-            <a:noFill/>
-          </a:ln>
-        </p:spPr>
-        <p:style>
-          <a:lnRef idx="2">
-            <a:schemeClr val="accent1">
-              <a:shade val="50000"/>
-            </a:schemeClr>
-          </a:lnRef>
-          <a:fillRef idx="1">
-            <a:schemeClr val="accent1"/>
-          </a:fillRef>
-          <a:effectRef idx="0">
-            <a:schemeClr val="accent1"/>
-          </a:effectRef>
-          <a:fontRef idx="minor">
-            <a:schemeClr val="lt1"/>
-          </a:fontRef>
-        </p:style>
-        <p:txBody>
-          <a:bodyPr rtlCol="0" anchor="ctr"/>
-          <a:lstStyle/>
-          <a:p>
-            <a:pPr algn="ctr"/>
-            <a:endParaRPr lang="ko-KR" altLang="en-US"/>
-          </a:p>
-        </p:txBody>
-      </p:sp>
-      <p:sp>
-        <p:nvSpPr>
           <p:cNvPr id="33" name="TextBox 32"/>
           <p:cNvSpPr txBox="1"/>
           <p:nvPr/>
         </p:nvSpPr>
         <p:spPr>
           <a:xfrm>
-            <a:off x="3642355" y="967482"/>
-            <a:ext cx="1518364" cy="461665"/>
+            <a:off x="8209703" y="3573058"/>
+            <a:ext cx="899606" cy="276999"/>
           </a:xfrm>
           <a:prstGeom prst="rect">
             <a:avLst/>
@@ -8906,36 +8081,81 @@
           </a:bodyPr>
           <a:lstStyle/>
           <a:p>
-            <a:r>
-              <a:rPr lang="ko-KR" altLang="en-US" sz="2400" dirty="0" smtClean="0">
-                <a:solidFill>
-                  <a:schemeClr val="bg1"/>
-                </a:solidFill>
-                <a:latin typeface="HY울릉도M" panose="02030600000101010101" pitchFamily="18" charset="-127"/>
-                <a:ea typeface="HY울릉도M" panose="02030600000101010101" pitchFamily="18" charset="-127"/>
+            <a:pPr algn="ctr"/>
+            <a:r>
+              <a:rPr lang="en-US" altLang="ko-KR" sz="1200" dirty="0" smtClean="0">
+                <a:latin typeface="210 맨발의청춘 L" panose="02020603020101020101" pitchFamily="18" charset="-127"/>
+                <a:ea typeface="210 맨발의청춘 L" panose="02020603020101020101" pitchFamily="18" charset="-127"/>
               </a:rPr>
-              <a:t>가상 면접</a:t>
-            </a:r>
-            <a:endParaRPr lang="ko-KR" altLang="en-US" sz="2400" dirty="0">
-              <a:solidFill>
-                <a:schemeClr val="bg1"/>
-              </a:solidFill>
-              <a:latin typeface="HY울릉도M" panose="02030600000101010101" pitchFamily="18" charset="-127"/>
-              <a:ea typeface="HY울릉도M" panose="02030600000101010101" pitchFamily="18" charset="-127"/>
+              <a:t>[</a:t>
+            </a:r>
+            <a:r>
+              <a:rPr lang="ko-KR" altLang="en-US" sz="1200" dirty="0" smtClean="0">
+                <a:latin typeface="210 맨발의청춘 L" panose="02020603020101020101" pitchFamily="18" charset="-127"/>
+                <a:ea typeface="210 맨발의청춘 L" panose="02020603020101020101" pitchFamily="18" charset="-127"/>
+              </a:rPr>
+              <a:t>결과 로딩</a:t>
+            </a:r>
+            <a:r>
+              <a:rPr lang="en-US" altLang="ko-KR" sz="1200" dirty="0" smtClean="0">
+                <a:latin typeface="210 맨발의청춘 L" panose="02020603020101020101" pitchFamily="18" charset="-127"/>
+                <a:ea typeface="210 맨발의청춘 L" panose="02020603020101020101" pitchFamily="18" charset="-127"/>
+              </a:rPr>
+              <a:t>]</a:t>
+            </a:r>
+            <a:endParaRPr lang="ko-KR" altLang="en-US" sz="1200" dirty="0">
+              <a:latin typeface="210 맨발의청춘 L" panose="02020603020101020101" pitchFamily="18" charset="-127"/>
+              <a:ea typeface="210 맨발의청춘 L" panose="02020603020101020101" pitchFamily="18" charset="-127"/>
             </a:endParaRPr>
           </a:p>
         </p:txBody>
       </p:sp>
-      <p:sp>
-        <p:nvSpPr>
-          <p:cNvPr id="34" name="TextBox 33"/>
+      <p:cxnSp>
+        <p:nvCxnSpPr>
+          <p:cNvPr id="34" name="직선 화살표 연결선 33"/>
+          <p:cNvCxnSpPr/>
+          <p:nvPr/>
+        </p:nvCxnSpPr>
+        <p:spPr>
+          <a:xfrm>
+            <a:off x="10255351" y="3692897"/>
+            <a:ext cx="606490" cy="0"/>
+          </a:xfrm>
+          <a:prstGeom prst="straightConnector1">
+            <a:avLst/>
+          </a:prstGeom>
+          <a:ln>
+            <a:solidFill>
+              <a:schemeClr val="tx1"/>
+            </a:solidFill>
+            <a:tailEnd type="triangle"/>
+          </a:ln>
+        </p:spPr>
+        <p:style>
+          <a:lnRef idx="1">
+            <a:schemeClr val="accent1"/>
+          </a:lnRef>
+          <a:fillRef idx="0">
+            <a:schemeClr val="accent1"/>
+          </a:fillRef>
+          <a:effectRef idx="0">
+            <a:schemeClr val="accent1"/>
+          </a:effectRef>
+          <a:fontRef idx="minor">
+            <a:schemeClr val="tx1"/>
+          </a:fontRef>
+        </p:style>
+      </p:cxnSp>
+      <p:sp>
+        <p:nvSpPr>
+          <p:cNvPr id="36" name="TextBox 35"/>
           <p:cNvSpPr txBox="1"/>
           <p:nvPr/>
         </p:nvSpPr>
         <p:spPr>
           <a:xfrm>
-            <a:off x="3793322" y="1434029"/>
-            <a:ext cx="1980030" cy="646331"/>
+            <a:off x="10881707" y="3573058"/>
+            <a:ext cx="899606" cy="276999"/>
           </a:xfrm>
           <a:prstGeom prst="rect">
             <a:avLst/>
@@ -8948,1417 +8168,39 @@
           </a:bodyPr>
           <a:lstStyle/>
           <a:p>
-            <a:pPr algn="r">
-              <a:lnSpc>
-                <a:spcPct val="150000"/>
-              </a:lnSpc>
-            </a:pPr>
+            <a:pPr algn="ctr"/>
             <a:r>
               <a:rPr lang="en-US" altLang="ko-KR" sz="1200" dirty="0" smtClean="0">
-                <a:solidFill>
-                  <a:schemeClr val="bg1"/>
-                </a:solidFill>
-                <a:latin typeface="HY울릉도M" panose="02030600000101010101" pitchFamily="18" charset="-127"/>
-                <a:ea typeface="HY울릉도M" panose="02030600000101010101" pitchFamily="18" charset="-127"/>
+                <a:latin typeface="210 맨발의청춘 L" panose="02020603020101020101" pitchFamily="18" charset="-127"/>
+                <a:ea typeface="210 맨발의청춘 L" panose="02020603020101020101" pitchFamily="18" charset="-127"/>
               </a:rPr>
-              <a:t>AI </a:t>
-            </a:r>
-            <a:r>
-              <a:rPr lang="ko-KR" altLang="en-US" sz="1200" dirty="0" err="1" smtClean="0">
-                <a:solidFill>
-                  <a:schemeClr val="bg1"/>
-                </a:solidFill>
-                <a:latin typeface="HY울릉도M" panose="02030600000101010101" pitchFamily="18" charset="-127"/>
-                <a:ea typeface="HY울릉도M" panose="02030600000101010101" pitchFamily="18" charset="-127"/>
+              <a:t>[</a:t>
+            </a:r>
+            <a:r>
+              <a:rPr lang="ko-KR" altLang="en-US" sz="1200" dirty="0" smtClean="0">
+                <a:latin typeface="210 맨발의청춘 L" panose="02020603020101020101" pitchFamily="18" charset="-127"/>
+                <a:ea typeface="210 맨발의청춘 L" panose="02020603020101020101" pitchFamily="18" charset="-127"/>
               </a:rPr>
-              <a:t>면접관과</a:t>
-            </a:r>
-            <a:r>
-              <a:rPr lang="ko-KR" altLang="en-US" sz="1200" dirty="0" smtClean="0">
-                <a:solidFill>
-                  <a:schemeClr val="bg1"/>
-                </a:solidFill>
-                <a:latin typeface="HY울릉도M" panose="02030600000101010101" pitchFamily="18" charset="-127"/>
-                <a:ea typeface="HY울릉도M" panose="02030600000101010101" pitchFamily="18" charset="-127"/>
+              <a:t>결과 보기</a:t>
+            </a:r>
+            <a:r>
+              <a:rPr lang="en-US" altLang="ko-KR" sz="1200" dirty="0" smtClean="0">
+                <a:latin typeface="210 맨발의청춘 L" panose="02020603020101020101" pitchFamily="18" charset="-127"/>
+                <a:ea typeface="210 맨발의청춘 L" panose="02020603020101020101" pitchFamily="18" charset="-127"/>
               </a:rPr>
-              <a:t> 함께</a:t>
-            </a:r>
-            <a:endParaRPr lang="en-US" altLang="ko-KR" sz="1200" dirty="0" smtClean="0">
-              <a:solidFill>
-                <a:schemeClr val="bg1"/>
-              </a:solidFill>
-              <a:latin typeface="HY울릉도M" panose="02030600000101010101" pitchFamily="18" charset="-127"/>
-              <a:ea typeface="HY울릉도M" panose="02030600000101010101" pitchFamily="18" charset="-127"/>
+              <a:t>]</a:t>
+            </a:r>
+            <a:endParaRPr lang="ko-KR" altLang="en-US" sz="1200" dirty="0">
+              <a:latin typeface="210 맨발의청춘 L" panose="02020603020101020101" pitchFamily="18" charset="-127"/>
+              <a:ea typeface="210 맨발의청춘 L" panose="02020603020101020101" pitchFamily="18" charset="-127"/>
             </a:endParaRPr>
           </a:p>
-          <a:p>
-            <a:pPr algn="r">
-              <a:lnSpc>
-                <a:spcPct val="150000"/>
-              </a:lnSpc>
-            </a:pPr>
-            <a:r>
-              <a:rPr lang="ko-KR" altLang="en-US" sz="1200" dirty="0" smtClean="0">
-                <a:solidFill>
-                  <a:schemeClr val="bg1"/>
-                </a:solidFill>
-                <a:latin typeface="HY울릉도M" panose="02030600000101010101" pitchFamily="18" charset="-127"/>
-                <a:ea typeface="HY울릉도M" panose="02030600000101010101" pitchFamily="18" charset="-127"/>
-              </a:rPr>
-              <a:t>가상 면접을 시작해보세요</a:t>
-            </a:r>
-            <a:endParaRPr lang="en-US" altLang="ko-KR" sz="1200" dirty="0" smtClean="0">
-              <a:solidFill>
-                <a:schemeClr val="bg1"/>
-              </a:solidFill>
-              <a:latin typeface="HY울릉도M" panose="02030600000101010101" pitchFamily="18" charset="-127"/>
-              <a:ea typeface="HY울릉도M" panose="02030600000101010101" pitchFamily="18" charset="-127"/>
-            </a:endParaRPr>
-          </a:p>
-        </p:txBody>
-      </p:sp>
-      <p:pic>
-        <p:nvPicPr>
-          <p:cNvPr id="35" name="그림 34"/>
-          <p:cNvPicPr>
-            <a:picLocks noChangeAspect="1"/>
-          </p:cNvPicPr>
-          <p:nvPr/>
-        </p:nvPicPr>
-        <p:blipFill>
-          <a:blip r:embed="rId7" cstate="print">
-            <a:extLst>
-              <a:ext uri="{28A0092B-C50C-407E-A947-70E740481C1C}">
-                <a14:useLocalDpi xmlns:a14="http://schemas.microsoft.com/office/drawing/2010/main" val="0"/>
-              </a:ext>
-            </a:extLst>
-          </a:blip>
-          <a:stretch>
-            <a:fillRect/>
-          </a:stretch>
-        </p:blipFill>
-        <p:spPr>
-          <a:xfrm>
-            <a:off x="5918290" y="1256795"/>
-            <a:ext cx="545305" cy="545305"/>
-          </a:xfrm>
-          <a:prstGeom prst="rect">
-            <a:avLst/>
-          </a:prstGeom>
-        </p:spPr>
-      </p:pic>
-      <p:sp>
-        <p:nvSpPr>
-          <p:cNvPr id="36" name="TextBox 35"/>
-          <p:cNvSpPr txBox="1"/>
-          <p:nvPr/>
-        </p:nvSpPr>
-        <p:spPr>
-          <a:xfrm>
-            <a:off x="3642355" y="2185810"/>
-            <a:ext cx="1518364" cy="461665"/>
-          </a:xfrm>
-          <a:prstGeom prst="rect">
-            <a:avLst/>
-          </a:prstGeom>
-          <a:noFill/>
-        </p:spPr>
-        <p:txBody>
-          <a:bodyPr wrap="none" rtlCol="0">
-            <a:spAutoFit/>
-          </a:bodyPr>
-          <a:lstStyle/>
-          <a:p>
-            <a:r>
-              <a:rPr lang="ko-KR" altLang="en-US" sz="2400" dirty="0" smtClean="0">
-                <a:solidFill>
-                  <a:schemeClr val="bg1"/>
-                </a:solidFill>
-                <a:latin typeface="HY울릉도M" panose="02030600000101010101" pitchFamily="18" charset="-127"/>
-                <a:ea typeface="HY울릉도M" panose="02030600000101010101" pitchFamily="18" charset="-127"/>
-              </a:rPr>
-              <a:t>면접 결과</a:t>
-            </a:r>
-            <a:endParaRPr lang="ko-KR" altLang="en-US" sz="2400" dirty="0">
-              <a:solidFill>
-                <a:schemeClr val="bg1"/>
-              </a:solidFill>
-              <a:latin typeface="HY울릉도M" panose="02030600000101010101" pitchFamily="18" charset="-127"/>
-              <a:ea typeface="HY울릉도M" panose="02030600000101010101" pitchFamily="18" charset="-127"/>
-            </a:endParaRPr>
-          </a:p>
-        </p:txBody>
-      </p:sp>
-      <p:sp>
-        <p:nvSpPr>
-          <p:cNvPr id="37" name="TextBox 36"/>
-          <p:cNvSpPr txBox="1"/>
-          <p:nvPr/>
-        </p:nvSpPr>
-        <p:spPr>
-          <a:xfrm>
-            <a:off x="4049803" y="2659149"/>
-            <a:ext cx="1723549" cy="603242"/>
-          </a:xfrm>
-          <a:prstGeom prst="rect">
-            <a:avLst/>
-          </a:prstGeom>
-          <a:noFill/>
-        </p:spPr>
-        <p:txBody>
-          <a:bodyPr wrap="none" rtlCol="0">
-            <a:spAutoFit/>
-          </a:bodyPr>
-          <a:lstStyle/>
-          <a:p>
-            <a:pPr algn="r">
-              <a:lnSpc>
-                <a:spcPct val="150000"/>
-              </a:lnSpc>
-            </a:pPr>
-            <a:r>
-              <a:rPr lang="ko-KR" altLang="en-US" sz="1200" dirty="0" smtClean="0">
-                <a:solidFill>
-                  <a:schemeClr val="bg1"/>
-                </a:solidFill>
-                <a:latin typeface="HY울릉도M" panose="02030600000101010101" pitchFamily="18" charset="-127"/>
-                <a:ea typeface="HY울릉도M" panose="02030600000101010101" pitchFamily="18" charset="-127"/>
-              </a:rPr>
-              <a:t>가상 면접 결과를</a:t>
-            </a:r>
-            <a:endParaRPr lang="en-US" altLang="ko-KR" sz="1200" dirty="0" smtClean="0">
-              <a:solidFill>
-                <a:schemeClr val="bg1"/>
-              </a:solidFill>
-              <a:latin typeface="HY울릉도M" panose="02030600000101010101" pitchFamily="18" charset="-127"/>
-              <a:ea typeface="HY울릉도M" panose="02030600000101010101" pitchFamily="18" charset="-127"/>
-            </a:endParaRPr>
-          </a:p>
-          <a:p>
-            <a:pPr algn="r">
-              <a:lnSpc>
-                <a:spcPct val="150000"/>
-              </a:lnSpc>
-            </a:pPr>
-            <a:r>
-              <a:rPr lang="ko-KR" altLang="en-US" sz="1200" dirty="0" smtClean="0">
-                <a:solidFill>
-                  <a:schemeClr val="bg1"/>
-                </a:solidFill>
-                <a:latin typeface="HY울릉도M" panose="02030600000101010101" pitchFamily="18" charset="-127"/>
-                <a:ea typeface="HY울릉도M" panose="02030600000101010101" pitchFamily="18" charset="-127"/>
-              </a:rPr>
-              <a:t>다시 확인할 수 있어요</a:t>
-            </a:r>
-            <a:endParaRPr lang="ko-KR" altLang="en-US" sz="1200" dirty="0">
-              <a:solidFill>
-                <a:schemeClr val="bg1"/>
-              </a:solidFill>
-              <a:latin typeface="HY울릉도M" panose="02030600000101010101" pitchFamily="18" charset="-127"/>
-              <a:ea typeface="HY울릉도M" panose="02030600000101010101" pitchFamily="18" charset="-127"/>
-            </a:endParaRPr>
-          </a:p>
-        </p:txBody>
-      </p:sp>
-      <p:sp>
-        <p:nvSpPr>
-          <p:cNvPr id="38" name="TextBox 37"/>
-          <p:cNvSpPr txBox="1"/>
-          <p:nvPr/>
-        </p:nvSpPr>
-        <p:spPr>
-          <a:xfrm>
-            <a:off x="3642355" y="3453621"/>
-            <a:ext cx="1518364" cy="461665"/>
-          </a:xfrm>
-          <a:prstGeom prst="rect">
-            <a:avLst/>
-          </a:prstGeom>
-          <a:noFill/>
-        </p:spPr>
-        <p:txBody>
-          <a:bodyPr wrap="none" rtlCol="0">
-            <a:spAutoFit/>
-          </a:bodyPr>
-          <a:lstStyle/>
-          <a:p>
-            <a:r>
-              <a:rPr lang="ko-KR" altLang="en-US" sz="2400" dirty="0" smtClean="0">
-                <a:solidFill>
-                  <a:schemeClr val="bg1"/>
-                </a:solidFill>
-                <a:latin typeface="HY울릉도M" panose="02030600000101010101" pitchFamily="18" charset="-127"/>
-                <a:ea typeface="HY울릉도M" panose="02030600000101010101" pitchFamily="18" charset="-127"/>
-              </a:rPr>
-              <a:t>면접 문제</a:t>
-            </a:r>
-            <a:endParaRPr lang="ko-KR" altLang="en-US" sz="2400" dirty="0">
-              <a:solidFill>
-                <a:schemeClr val="bg1"/>
-              </a:solidFill>
-              <a:latin typeface="HY울릉도M" panose="02030600000101010101" pitchFamily="18" charset="-127"/>
-              <a:ea typeface="HY울릉도M" panose="02030600000101010101" pitchFamily="18" charset="-127"/>
-            </a:endParaRPr>
-          </a:p>
-        </p:txBody>
-      </p:sp>
-      <p:sp>
-        <p:nvSpPr>
-          <p:cNvPr id="40" name="TextBox 39"/>
-          <p:cNvSpPr txBox="1"/>
-          <p:nvPr/>
-        </p:nvSpPr>
-        <p:spPr>
-          <a:xfrm>
-            <a:off x="4033407" y="3905900"/>
-            <a:ext cx="1720343" cy="603242"/>
-          </a:xfrm>
-          <a:prstGeom prst="rect">
-            <a:avLst/>
-          </a:prstGeom>
-          <a:noFill/>
-        </p:spPr>
-        <p:txBody>
-          <a:bodyPr wrap="none" rtlCol="0">
-            <a:spAutoFit/>
-          </a:bodyPr>
-          <a:lstStyle/>
-          <a:p>
-            <a:pPr algn="r">
-              <a:lnSpc>
-                <a:spcPct val="150000"/>
-              </a:lnSpc>
-            </a:pPr>
-            <a:r>
-              <a:rPr lang="ko-KR" altLang="en-US" sz="1200" dirty="0" smtClean="0">
-                <a:solidFill>
-                  <a:schemeClr val="bg1"/>
-                </a:solidFill>
-                <a:latin typeface="HY울릉도M" panose="02030600000101010101" pitchFamily="18" charset="-127"/>
-                <a:ea typeface="HY울릉도M" panose="02030600000101010101" pitchFamily="18" charset="-127"/>
-              </a:rPr>
-              <a:t>가상 면접을 위한</a:t>
-            </a:r>
-            <a:endParaRPr lang="en-US" altLang="ko-KR" sz="1200" dirty="0" smtClean="0">
-              <a:solidFill>
-                <a:schemeClr val="bg1"/>
-              </a:solidFill>
-              <a:latin typeface="HY울릉도M" panose="02030600000101010101" pitchFamily="18" charset="-127"/>
-              <a:ea typeface="HY울릉도M" panose="02030600000101010101" pitchFamily="18" charset="-127"/>
-            </a:endParaRPr>
-          </a:p>
-          <a:p>
-            <a:pPr algn="r">
-              <a:lnSpc>
-                <a:spcPct val="150000"/>
-              </a:lnSpc>
-            </a:pPr>
-            <a:r>
-              <a:rPr lang="ko-KR" altLang="en-US" sz="1200" dirty="0" smtClean="0">
-                <a:solidFill>
-                  <a:schemeClr val="bg1"/>
-                </a:solidFill>
-                <a:latin typeface="HY울릉도M" panose="02030600000101010101" pitchFamily="18" charset="-127"/>
-                <a:ea typeface="HY울릉도M" panose="02030600000101010101" pitchFamily="18" charset="-127"/>
-              </a:rPr>
-              <a:t>문제 </a:t>
-            </a:r>
-            <a:r>
-              <a:rPr lang="en-US" altLang="ko-KR" sz="1200" dirty="0" smtClean="0">
-                <a:solidFill>
-                  <a:schemeClr val="bg1"/>
-                </a:solidFill>
-                <a:latin typeface="HY울릉도M" panose="02030600000101010101" pitchFamily="18" charset="-127"/>
-                <a:ea typeface="HY울릉도M" panose="02030600000101010101" pitchFamily="18" charset="-127"/>
-              </a:rPr>
-              <a:t>DB</a:t>
-            </a:r>
-            <a:r>
-              <a:rPr lang="ko-KR" altLang="en-US" sz="1200" dirty="0" smtClean="0">
-                <a:solidFill>
-                  <a:schemeClr val="bg1"/>
-                </a:solidFill>
-                <a:latin typeface="HY울릉도M" panose="02030600000101010101" pitchFamily="18" charset="-127"/>
-                <a:ea typeface="HY울릉도M" panose="02030600000101010101" pitchFamily="18" charset="-127"/>
-              </a:rPr>
-              <a:t>를 확인하세요</a:t>
-            </a:r>
-            <a:endParaRPr lang="ko-KR" altLang="en-US" sz="1200" dirty="0">
-              <a:solidFill>
-                <a:schemeClr val="bg1"/>
-              </a:solidFill>
-              <a:latin typeface="HY울릉도M" panose="02030600000101010101" pitchFamily="18" charset="-127"/>
-              <a:ea typeface="HY울릉도M" panose="02030600000101010101" pitchFamily="18" charset="-127"/>
-            </a:endParaRPr>
-          </a:p>
-        </p:txBody>
-      </p:sp>
-      <p:sp>
-        <p:nvSpPr>
-          <p:cNvPr id="41" name="TextBox 40"/>
-          <p:cNvSpPr txBox="1"/>
-          <p:nvPr/>
-        </p:nvSpPr>
-        <p:spPr>
-          <a:xfrm>
-            <a:off x="3642355" y="4709696"/>
-            <a:ext cx="1518364" cy="461665"/>
-          </a:xfrm>
-          <a:prstGeom prst="rect">
-            <a:avLst/>
-          </a:prstGeom>
-          <a:noFill/>
-        </p:spPr>
-        <p:txBody>
-          <a:bodyPr wrap="none" rtlCol="0">
-            <a:spAutoFit/>
-          </a:bodyPr>
-          <a:lstStyle/>
-          <a:p>
-            <a:r>
-              <a:rPr lang="ko-KR" altLang="en-US" sz="2400" dirty="0" smtClean="0">
-                <a:solidFill>
-                  <a:schemeClr val="bg1"/>
-                </a:solidFill>
-                <a:latin typeface="HY울릉도M" panose="02030600000101010101" pitchFamily="18" charset="-127"/>
-                <a:ea typeface="HY울릉도M" panose="02030600000101010101" pitchFamily="18" charset="-127"/>
-              </a:rPr>
-              <a:t>환경 설정</a:t>
-            </a:r>
-            <a:endParaRPr lang="ko-KR" altLang="en-US" sz="2400" dirty="0">
-              <a:solidFill>
-                <a:schemeClr val="bg1"/>
-              </a:solidFill>
-              <a:latin typeface="HY울릉도M" panose="02030600000101010101" pitchFamily="18" charset="-127"/>
-              <a:ea typeface="HY울릉도M" panose="02030600000101010101" pitchFamily="18" charset="-127"/>
-            </a:endParaRPr>
-          </a:p>
-        </p:txBody>
-      </p:sp>
-      <p:sp>
-        <p:nvSpPr>
-          <p:cNvPr id="42" name="TextBox 41"/>
-          <p:cNvSpPr txBox="1"/>
-          <p:nvPr/>
-        </p:nvSpPr>
-        <p:spPr>
-          <a:xfrm>
-            <a:off x="4162258" y="5181400"/>
-            <a:ext cx="1620957" cy="326243"/>
-          </a:xfrm>
-          <a:prstGeom prst="rect">
-            <a:avLst/>
-          </a:prstGeom>
-          <a:noFill/>
-        </p:spPr>
-        <p:txBody>
-          <a:bodyPr wrap="none" rtlCol="0">
-            <a:spAutoFit/>
-          </a:bodyPr>
-          <a:lstStyle/>
-          <a:p>
-            <a:pPr algn="r">
-              <a:lnSpc>
-                <a:spcPct val="150000"/>
-              </a:lnSpc>
-            </a:pPr>
-            <a:r>
-              <a:rPr lang="ko-KR" altLang="en-US" sz="1200" dirty="0" smtClean="0">
-                <a:solidFill>
-                  <a:schemeClr val="bg1"/>
-                </a:solidFill>
-                <a:latin typeface="HY울릉도M" panose="02030600000101010101" pitchFamily="18" charset="-127"/>
-                <a:ea typeface="HY울릉도M" panose="02030600000101010101" pitchFamily="18" charset="-127"/>
-              </a:rPr>
-              <a:t>기기를 최적화합니다</a:t>
-            </a:r>
-            <a:endParaRPr lang="ko-KR" altLang="en-US" sz="1200" dirty="0">
-              <a:solidFill>
-                <a:schemeClr val="bg1"/>
-              </a:solidFill>
-              <a:latin typeface="HY울릉도M" panose="02030600000101010101" pitchFamily="18" charset="-127"/>
-              <a:ea typeface="HY울릉도M" panose="02030600000101010101" pitchFamily="18" charset="-127"/>
-            </a:endParaRPr>
-          </a:p>
-        </p:txBody>
-      </p:sp>
-      <p:pic>
-        <p:nvPicPr>
-          <p:cNvPr id="45" name="그림 44"/>
-          <p:cNvPicPr>
-            <a:picLocks noChangeAspect="1"/>
-          </p:cNvPicPr>
-          <p:nvPr/>
-        </p:nvPicPr>
-        <p:blipFill>
-          <a:blip r:embed="rId8" cstate="print">
-            <a:extLst>
-              <a:ext uri="{28A0092B-C50C-407E-A947-70E740481C1C}">
-                <a14:useLocalDpi xmlns:a14="http://schemas.microsoft.com/office/drawing/2010/main" val="0"/>
-              </a:ext>
-            </a:extLst>
-          </a:blip>
-          <a:stretch>
-            <a:fillRect/>
-          </a:stretch>
-        </p:blipFill>
-        <p:spPr>
-          <a:xfrm>
-            <a:off x="5918290" y="2474337"/>
-            <a:ext cx="585905" cy="585905"/>
-          </a:xfrm>
-          <a:prstGeom prst="rect">
-            <a:avLst/>
-          </a:prstGeom>
-        </p:spPr>
-      </p:pic>
-      <p:pic>
-        <p:nvPicPr>
-          <p:cNvPr id="47" name="그림 46"/>
-          <p:cNvPicPr>
-            <a:picLocks noChangeAspect="1"/>
-          </p:cNvPicPr>
-          <p:nvPr/>
-        </p:nvPicPr>
-        <p:blipFill>
-          <a:blip r:embed="rId9" cstate="print">
-            <a:extLst>
-              <a:ext uri="{28A0092B-C50C-407E-A947-70E740481C1C}">
-                <a14:useLocalDpi xmlns:a14="http://schemas.microsoft.com/office/drawing/2010/main" val="0"/>
-              </a:ext>
-            </a:extLst>
-          </a:blip>
-          <a:stretch>
-            <a:fillRect/>
-          </a:stretch>
-        </p:blipFill>
-        <p:spPr>
-          <a:xfrm>
-            <a:off x="5960539" y="3718993"/>
-            <a:ext cx="565915" cy="565915"/>
-          </a:xfrm>
-          <a:prstGeom prst="rect">
-            <a:avLst/>
-          </a:prstGeom>
-        </p:spPr>
-      </p:pic>
-      <p:pic>
-        <p:nvPicPr>
-          <p:cNvPr id="48" name="그림 47"/>
-          <p:cNvPicPr>
-            <a:picLocks noChangeAspect="1"/>
-          </p:cNvPicPr>
-          <p:nvPr/>
-        </p:nvPicPr>
-        <p:blipFill>
-          <a:blip r:embed="rId10" cstate="print">
-            <a:extLst>
-              <a:ext uri="{28A0092B-C50C-407E-A947-70E740481C1C}">
-                <a14:useLocalDpi xmlns:a14="http://schemas.microsoft.com/office/drawing/2010/main" val="0"/>
-              </a:ext>
-            </a:extLst>
-          </a:blip>
-          <a:stretch>
-            <a:fillRect/>
-          </a:stretch>
-        </p:blipFill>
-        <p:spPr>
-          <a:xfrm>
-            <a:off x="5960539" y="4999749"/>
-            <a:ext cx="526907" cy="526907"/>
-          </a:xfrm>
-          <a:prstGeom prst="rect">
-            <a:avLst/>
-          </a:prstGeom>
-        </p:spPr>
-      </p:pic>
-      <p:pic>
-        <p:nvPicPr>
-          <p:cNvPr id="50" name="그림 49"/>
-          <p:cNvPicPr>
-            <a:picLocks noChangeAspect="1"/>
-          </p:cNvPicPr>
-          <p:nvPr/>
-        </p:nvPicPr>
-        <p:blipFill>
-          <a:blip r:embed="rId6"/>
-          <a:stretch>
-            <a:fillRect/>
-          </a:stretch>
-        </p:blipFill>
-        <p:spPr>
-          <a:xfrm>
-            <a:off x="7323707" y="845757"/>
-            <a:ext cx="3114675" cy="4972050"/>
-          </a:xfrm>
-          <a:prstGeom prst="rect">
-            <a:avLst/>
-          </a:prstGeom>
-          <a:solidFill>
-            <a:schemeClr val="tx1"/>
-          </a:solidFill>
-        </p:spPr>
-      </p:pic>
-      <p:sp>
-        <p:nvSpPr>
-          <p:cNvPr id="56" name="직사각형 55"/>
-          <p:cNvSpPr/>
-          <p:nvPr/>
-        </p:nvSpPr>
-        <p:spPr>
-          <a:xfrm>
-            <a:off x="7323707" y="845757"/>
-            <a:ext cx="3114675" cy="4972050"/>
-          </a:xfrm>
-          <a:prstGeom prst="rect">
-            <a:avLst/>
-          </a:prstGeom>
-        </p:spPr>
-        <p:style>
-          <a:lnRef idx="2">
-            <a:schemeClr val="accent1">
-              <a:shade val="50000"/>
-            </a:schemeClr>
-          </a:lnRef>
-          <a:fillRef idx="1">
-            <a:schemeClr val="accent1"/>
-          </a:fillRef>
-          <a:effectRef idx="0">
-            <a:schemeClr val="accent1"/>
-          </a:effectRef>
-          <a:fontRef idx="minor">
-            <a:schemeClr val="lt1"/>
-          </a:fontRef>
-        </p:style>
-        <p:txBody>
-          <a:bodyPr rtlCol="0" anchor="ctr"/>
-          <a:lstStyle/>
-          <a:p>
-            <a:pPr algn="ctr"/>
-            <a:endParaRPr lang="ko-KR" altLang="en-US"/>
-          </a:p>
-        </p:txBody>
-      </p:sp>
-      <p:sp>
-        <p:nvSpPr>
-          <p:cNvPr id="59" name="직사각형 58"/>
-          <p:cNvSpPr/>
-          <p:nvPr/>
-        </p:nvSpPr>
-        <p:spPr>
-          <a:xfrm>
-            <a:off x="7323705" y="863017"/>
-            <a:ext cx="3114676" cy="1242000"/>
-          </a:xfrm>
-          <a:prstGeom prst="rect">
-            <a:avLst/>
-          </a:prstGeom>
-          <a:gradFill flip="none" rotWithShape="1">
-            <a:gsLst>
-              <a:gs pos="0">
-                <a:srgbClr val="21B0E2">
-                  <a:alpha val="85000"/>
-                </a:srgbClr>
-              </a:gs>
-              <a:gs pos="40000">
-                <a:srgbClr val="0A9ECC"/>
-              </a:gs>
-            </a:gsLst>
-            <a:lin ang="10800000" scaled="1"/>
-            <a:tileRect/>
-          </a:gradFill>
-          <a:ln>
-            <a:noFill/>
-          </a:ln>
-        </p:spPr>
-        <p:style>
-          <a:lnRef idx="2">
-            <a:schemeClr val="accent1">
-              <a:shade val="50000"/>
-            </a:schemeClr>
-          </a:lnRef>
-          <a:fillRef idx="1">
-            <a:schemeClr val="accent1"/>
-          </a:fillRef>
-          <a:effectRef idx="0">
-            <a:schemeClr val="accent1"/>
-          </a:effectRef>
-          <a:fontRef idx="minor">
-            <a:schemeClr val="lt1"/>
-          </a:fontRef>
-        </p:style>
-        <p:txBody>
-          <a:bodyPr rtlCol="0" anchor="ctr"/>
-          <a:lstStyle/>
-          <a:p>
-            <a:pPr algn="ctr"/>
-            <a:endParaRPr lang="ko-KR" altLang="en-US"/>
-          </a:p>
-        </p:txBody>
-      </p:sp>
-      <p:sp>
-        <p:nvSpPr>
-          <p:cNvPr id="62" name="직사각형 61"/>
-          <p:cNvSpPr/>
-          <p:nvPr/>
-        </p:nvSpPr>
-        <p:spPr>
-          <a:xfrm>
-            <a:off x="7323704" y="2105017"/>
-            <a:ext cx="3114000" cy="1242000"/>
-          </a:xfrm>
-          <a:prstGeom prst="rect">
-            <a:avLst/>
-          </a:prstGeom>
-          <a:gradFill flip="none" rotWithShape="1">
-            <a:gsLst>
-              <a:gs pos="0">
-                <a:srgbClr val="5557AA">
-                  <a:alpha val="85000"/>
-                </a:srgbClr>
-              </a:gs>
-              <a:gs pos="40000">
-                <a:srgbClr val="414387"/>
-              </a:gs>
-            </a:gsLst>
-            <a:lin ang="10800000" scaled="1"/>
-            <a:tileRect/>
-          </a:gradFill>
-          <a:ln>
-            <a:noFill/>
-          </a:ln>
-        </p:spPr>
-        <p:style>
-          <a:lnRef idx="2">
-            <a:schemeClr val="accent1">
-              <a:shade val="50000"/>
-            </a:schemeClr>
-          </a:lnRef>
-          <a:fillRef idx="1">
-            <a:schemeClr val="accent1"/>
-          </a:fillRef>
-          <a:effectRef idx="0">
-            <a:schemeClr val="accent1"/>
-          </a:effectRef>
-          <a:fontRef idx="minor">
-            <a:schemeClr val="lt1"/>
-          </a:fontRef>
-        </p:style>
-        <p:txBody>
-          <a:bodyPr rtlCol="0" anchor="ctr"/>
-          <a:lstStyle/>
-          <a:p>
-            <a:pPr algn="ctr"/>
-            <a:endParaRPr lang="ko-KR" altLang="en-US"/>
-          </a:p>
-        </p:txBody>
-      </p:sp>
-      <p:sp>
-        <p:nvSpPr>
-          <p:cNvPr id="66" name="직사각형 65"/>
-          <p:cNvSpPr/>
-          <p:nvPr/>
-        </p:nvSpPr>
-        <p:spPr>
-          <a:xfrm>
-            <a:off x="7323704" y="3347017"/>
-            <a:ext cx="3114000" cy="1242000"/>
-          </a:xfrm>
-          <a:prstGeom prst="rect">
-            <a:avLst/>
-          </a:prstGeom>
-          <a:gradFill flip="none" rotWithShape="1">
-            <a:gsLst>
-              <a:gs pos="0">
-                <a:srgbClr val="E979BF">
-                  <a:alpha val="85000"/>
-                </a:srgbClr>
-              </a:gs>
-              <a:gs pos="40000">
-                <a:srgbClr val="E35BB2"/>
-              </a:gs>
-            </a:gsLst>
-            <a:lin ang="10800000" scaled="1"/>
-            <a:tileRect/>
-          </a:gradFill>
-          <a:ln>
-            <a:noFill/>
-          </a:ln>
-        </p:spPr>
-        <p:style>
-          <a:lnRef idx="2">
-            <a:schemeClr val="accent1">
-              <a:shade val="50000"/>
-            </a:schemeClr>
-          </a:lnRef>
-          <a:fillRef idx="1">
-            <a:schemeClr val="accent1"/>
-          </a:fillRef>
-          <a:effectRef idx="0">
-            <a:schemeClr val="accent1"/>
-          </a:effectRef>
-          <a:fontRef idx="minor">
-            <a:schemeClr val="lt1"/>
-          </a:fontRef>
-        </p:style>
-        <p:txBody>
-          <a:bodyPr rtlCol="0" anchor="ctr"/>
-          <a:lstStyle/>
-          <a:p>
-            <a:pPr algn="ctr"/>
-            <a:endParaRPr lang="ko-KR" altLang="en-US"/>
-          </a:p>
-        </p:txBody>
-      </p:sp>
-      <p:sp>
-        <p:nvSpPr>
-          <p:cNvPr id="69" name="직사각형 68"/>
-          <p:cNvSpPr/>
-          <p:nvPr/>
-        </p:nvSpPr>
-        <p:spPr>
-          <a:xfrm>
-            <a:off x="7323704" y="4575807"/>
-            <a:ext cx="3114000" cy="1242000"/>
-          </a:xfrm>
-          <a:prstGeom prst="rect">
-            <a:avLst/>
-          </a:prstGeom>
-          <a:gradFill flip="none" rotWithShape="1">
-            <a:gsLst>
-              <a:gs pos="0">
-                <a:srgbClr val="F2684C">
-                  <a:alpha val="85000"/>
-                </a:srgbClr>
-              </a:gs>
-              <a:gs pos="40000">
-                <a:srgbClr val="F25536"/>
-              </a:gs>
-            </a:gsLst>
-            <a:lin ang="10800000" scaled="1"/>
-            <a:tileRect/>
-          </a:gradFill>
-          <a:ln>
-            <a:noFill/>
-          </a:ln>
-        </p:spPr>
-        <p:style>
-          <a:lnRef idx="2">
-            <a:schemeClr val="accent1">
-              <a:shade val="50000"/>
-            </a:schemeClr>
-          </a:lnRef>
-          <a:fillRef idx="1">
-            <a:schemeClr val="accent1"/>
-          </a:fillRef>
-          <a:effectRef idx="0">
-            <a:schemeClr val="accent1"/>
-          </a:effectRef>
-          <a:fontRef idx="minor">
-            <a:schemeClr val="lt1"/>
-          </a:fontRef>
-        </p:style>
-        <p:txBody>
-          <a:bodyPr rtlCol="0" anchor="ctr"/>
-          <a:lstStyle/>
-          <a:p>
-            <a:pPr algn="ctr"/>
-            <a:endParaRPr lang="ko-KR" altLang="en-US"/>
-          </a:p>
-        </p:txBody>
-      </p:sp>
-      <p:sp>
-        <p:nvSpPr>
-          <p:cNvPr id="70" name="TextBox 69"/>
-          <p:cNvSpPr txBox="1"/>
-          <p:nvPr/>
-        </p:nvSpPr>
-        <p:spPr>
-          <a:xfrm>
-            <a:off x="7424620" y="950222"/>
-            <a:ext cx="1518364" cy="461665"/>
-          </a:xfrm>
-          <a:prstGeom prst="rect">
-            <a:avLst/>
-          </a:prstGeom>
-          <a:noFill/>
-        </p:spPr>
-        <p:txBody>
-          <a:bodyPr wrap="none" rtlCol="0">
-            <a:spAutoFit/>
-          </a:bodyPr>
-          <a:lstStyle/>
-          <a:p>
-            <a:r>
-              <a:rPr lang="ko-KR" altLang="en-US" sz="2400" dirty="0" smtClean="0">
-                <a:solidFill>
-                  <a:schemeClr val="bg1"/>
-                </a:solidFill>
-                <a:latin typeface="HY울릉도M" panose="02030600000101010101" pitchFamily="18" charset="-127"/>
-                <a:ea typeface="HY울릉도M" panose="02030600000101010101" pitchFamily="18" charset="-127"/>
-              </a:rPr>
-              <a:t>가상 면접</a:t>
-            </a:r>
-            <a:endParaRPr lang="ko-KR" altLang="en-US" sz="2400" dirty="0">
-              <a:solidFill>
-                <a:schemeClr val="bg1"/>
-              </a:solidFill>
-              <a:latin typeface="HY울릉도M" panose="02030600000101010101" pitchFamily="18" charset="-127"/>
-              <a:ea typeface="HY울릉도M" panose="02030600000101010101" pitchFamily="18" charset="-127"/>
-            </a:endParaRPr>
-          </a:p>
-        </p:txBody>
-      </p:sp>
-      <p:sp>
-        <p:nvSpPr>
-          <p:cNvPr id="71" name="TextBox 70"/>
-          <p:cNvSpPr txBox="1"/>
-          <p:nvPr/>
-        </p:nvSpPr>
-        <p:spPr>
-          <a:xfrm>
-            <a:off x="7575587" y="1416769"/>
-            <a:ext cx="1980030" cy="646331"/>
-          </a:xfrm>
-          <a:prstGeom prst="rect">
-            <a:avLst/>
-          </a:prstGeom>
-          <a:noFill/>
-        </p:spPr>
-        <p:txBody>
-          <a:bodyPr wrap="none" rtlCol="0">
-            <a:spAutoFit/>
-          </a:bodyPr>
-          <a:lstStyle/>
-          <a:p>
-            <a:pPr algn="r">
-              <a:lnSpc>
-                <a:spcPct val="150000"/>
-              </a:lnSpc>
-            </a:pPr>
-            <a:r>
-              <a:rPr lang="en-US" altLang="ko-KR" sz="1200" dirty="0" smtClean="0">
-                <a:solidFill>
-                  <a:schemeClr val="bg1"/>
-                </a:solidFill>
-                <a:latin typeface="HY울릉도M" panose="02030600000101010101" pitchFamily="18" charset="-127"/>
-                <a:ea typeface="HY울릉도M" panose="02030600000101010101" pitchFamily="18" charset="-127"/>
-              </a:rPr>
-              <a:t>AI </a:t>
-            </a:r>
-            <a:r>
-              <a:rPr lang="ko-KR" altLang="en-US" sz="1200" dirty="0" err="1" smtClean="0">
-                <a:solidFill>
-                  <a:schemeClr val="bg1"/>
-                </a:solidFill>
-                <a:latin typeface="HY울릉도M" panose="02030600000101010101" pitchFamily="18" charset="-127"/>
-                <a:ea typeface="HY울릉도M" panose="02030600000101010101" pitchFamily="18" charset="-127"/>
-              </a:rPr>
-              <a:t>면접관과</a:t>
-            </a:r>
-            <a:r>
-              <a:rPr lang="ko-KR" altLang="en-US" sz="1200" dirty="0" smtClean="0">
-                <a:solidFill>
-                  <a:schemeClr val="bg1"/>
-                </a:solidFill>
-                <a:latin typeface="HY울릉도M" panose="02030600000101010101" pitchFamily="18" charset="-127"/>
-                <a:ea typeface="HY울릉도M" panose="02030600000101010101" pitchFamily="18" charset="-127"/>
-              </a:rPr>
-              <a:t> 함께</a:t>
-            </a:r>
-            <a:endParaRPr lang="en-US" altLang="ko-KR" sz="1200" dirty="0" smtClean="0">
-              <a:solidFill>
-                <a:schemeClr val="bg1"/>
-              </a:solidFill>
-              <a:latin typeface="HY울릉도M" panose="02030600000101010101" pitchFamily="18" charset="-127"/>
-              <a:ea typeface="HY울릉도M" panose="02030600000101010101" pitchFamily="18" charset="-127"/>
-            </a:endParaRPr>
-          </a:p>
-          <a:p>
-            <a:pPr algn="r">
-              <a:lnSpc>
-                <a:spcPct val="150000"/>
-              </a:lnSpc>
-            </a:pPr>
-            <a:r>
-              <a:rPr lang="ko-KR" altLang="en-US" sz="1200" dirty="0" smtClean="0">
-                <a:solidFill>
-                  <a:schemeClr val="bg1"/>
-                </a:solidFill>
-                <a:latin typeface="HY울릉도M" panose="02030600000101010101" pitchFamily="18" charset="-127"/>
-                <a:ea typeface="HY울릉도M" panose="02030600000101010101" pitchFamily="18" charset="-127"/>
-              </a:rPr>
-              <a:t>가상 면접을 시작해보세요</a:t>
-            </a:r>
-            <a:endParaRPr lang="en-US" altLang="ko-KR" sz="1200" dirty="0" smtClean="0">
-              <a:solidFill>
-                <a:schemeClr val="bg1"/>
-              </a:solidFill>
-              <a:latin typeface="HY울릉도M" panose="02030600000101010101" pitchFamily="18" charset="-127"/>
-              <a:ea typeface="HY울릉도M" panose="02030600000101010101" pitchFamily="18" charset="-127"/>
-            </a:endParaRPr>
-          </a:p>
-        </p:txBody>
-      </p:sp>
-      <p:pic>
-        <p:nvPicPr>
-          <p:cNvPr id="72" name="그림 71"/>
-          <p:cNvPicPr>
-            <a:picLocks noChangeAspect="1"/>
-          </p:cNvPicPr>
-          <p:nvPr/>
-        </p:nvPicPr>
-        <p:blipFill>
-          <a:blip r:embed="rId7" cstate="print">
-            <a:extLst>
-              <a:ext uri="{28A0092B-C50C-407E-A947-70E740481C1C}">
-                <a14:useLocalDpi xmlns:a14="http://schemas.microsoft.com/office/drawing/2010/main" val="0"/>
-              </a:ext>
-            </a:extLst>
-          </a:blip>
-          <a:stretch>
-            <a:fillRect/>
-          </a:stretch>
-        </p:blipFill>
-        <p:spPr>
-          <a:xfrm>
-            <a:off x="9700555" y="1239535"/>
-            <a:ext cx="545305" cy="545305"/>
-          </a:xfrm>
-          <a:prstGeom prst="rect">
-            <a:avLst/>
-          </a:prstGeom>
-        </p:spPr>
-      </p:pic>
-      <p:sp>
-        <p:nvSpPr>
-          <p:cNvPr id="73" name="TextBox 72"/>
-          <p:cNvSpPr txBox="1"/>
-          <p:nvPr/>
-        </p:nvSpPr>
-        <p:spPr>
-          <a:xfrm>
-            <a:off x="7424620" y="2168550"/>
-            <a:ext cx="1518364" cy="461665"/>
-          </a:xfrm>
-          <a:prstGeom prst="rect">
-            <a:avLst/>
-          </a:prstGeom>
-          <a:noFill/>
-        </p:spPr>
-        <p:txBody>
-          <a:bodyPr wrap="none" rtlCol="0">
-            <a:spAutoFit/>
-          </a:bodyPr>
-          <a:lstStyle/>
-          <a:p>
-            <a:r>
-              <a:rPr lang="ko-KR" altLang="en-US" sz="2400" dirty="0" smtClean="0">
-                <a:solidFill>
-                  <a:schemeClr val="bg1"/>
-                </a:solidFill>
-                <a:latin typeface="HY울릉도M" panose="02030600000101010101" pitchFamily="18" charset="-127"/>
-                <a:ea typeface="HY울릉도M" panose="02030600000101010101" pitchFamily="18" charset="-127"/>
-              </a:rPr>
-              <a:t>면접 결과</a:t>
-            </a:r>
-            <a:endParaRPr lang="ko-KR" altLang="en-US" sz="2400" dirty="0">
-              <a:solidFill>
-                <a:schemeClr val="bg1"/>
-              </a:solidFill>
-              <a:latin typeface="HY울릉도M" panose="02030600000101010101" pitchFamily="18" charset="-127"/>
-              <a:ea typeface="HY울릉도M" panose="02030600000101010101" pitchFamily="18" charset="-127"/>
-            </a:endParaRPr>
-          </a:p>
-        </p:txBody>
-      </p:sp>
-      <p:sp>
-        <p:nvSpPr>
-          <p:cNvPr id="74" name="TextBox 73"/>
-          <p:cNvSpPr txBox="1"/>
-          <p:nvPr/>
-        </p:nvSpPr>
-        <p:spPr>
-          <a:xfrm>
-            <a:off x="7832068" y="2641889"/>
-            <a:ext cx="1723549" cy="603242"/>
-          </a:xfrm>
-          <a:prstGeom prst="rect">
-            <a:avLst/>
-          </a:prstGeom>
-          <a:noFill/>
-        </p:spPr>
-        <p:txBody>
-          <a:bodyPr wrap="none" rtlCol="0">
-            <a:spAutoFit/>
-          </a:bodyPr>
-          <a:lstStyle/>
-          <a:p>
-            <a:pPr algn="r">
-              <a:lnSpc>
-                <a:spcPct val="150000"/>
-              </a:lnSpc>
-            </a:pPr>
-            <a:r>
-              <a:rPr lang="ko-KR" altLang="en-US" sz="1200" dirty="0" smtClean="0">
-                <a:solidFill>
-                  <a:schemeClr val="bg1"/>
-                </a:solidFill>
-                <a:latin typeface="HY울릉도M" panose="02030600000101010101" pitchFamily="18" charset="-127"/>
-                <a:ea typeface="HY울릉도M" panose="02030600000101010101" pitchFamily="18" charset="-127"/>
-              </a:rPr>
-              <a:t>가상 면접 결과를</a:t>
-            </a:r>
-            <a:endParaRPr lang="en-US" altLang="ko-KR" sz="1200" dirty="0" smtClean="0">
-              <a:solidFill>
-                <a:schemeClr val="bg1"/>
-              </a:solidFill>
-              <a:latin typeface="HY울릉도M" panose="02030600000101010101" pitchFamily="18" charset="-127"/>
-              <a:ea typeface="HY울릉도M" panose="02030600000101010101" pitchFamily="18" charset="-127"/>
-            </a:endParaRPr>
-          </a:p>
-          <a:p>
-            <a:pPr algn="r">
-              <a:lnSpc>
-                <a:spcPct val="150000"/>
-              </a:lnSpc>
-            </a:pPr>
-            <a:r>
-              <a:rPr lang="ko-KR" altLang="en-US" sz="1200" dirty="0" smtClean="0">
-                <a:solidFill>
-                  <a:schemeClr val="bg1"/>
-                </a:solidFill>
-                <a:latin typeface="HY울릉도M" panose="02030600000101010101" pitchFamily="18" charset="-127"/>
-                <a:ea typeface="HY울릉도M" panose="02030600000101010101" pitchFamily="18" charset="-127"/>
-              </a:rPr>
-              <a:t>다시 확인할 수 있어요</a:t>
-            </a:r>
-            <a:endParaRPr lang="ko-KR" altLang="en-US" sz="1200" dirty="0">
-              <a:solidFill>
-                <a:schemeClr val="bg1"/>
-              </a:solidFill>
-              <a:latin typeface="HY울릉도M" panose="02030600000101010101" pitchFamily="18" charset="-127"/>
-              <a:ea typeface="HY울릉도M" panose="02030600000101010101" pitchFamily="18" charset="-127"/>
-            </a:endParaRPr>
-          </a:p>
-        </p:txBody>
-      </p:sp>
-      <p:sp>
-        <p:nvSpPr>
-          <p:cNvPr id="75" name="TextBox 74"/>
-          <p:cNvSpPr txBox="1"/>
-          <p:nvPr/>
-        </p:nvSpPr>
-        <p:spPr>
-          <a:xfrm>
-            <a:off x="7424620" y="3436361"/>
-            <a:ext cx="1518364" cy="461665"/>
-          </a:xfrm>
-          <a:prstGeom prst="rect">
-            <a:avLst/>
-          </a:prstGeom>
-          <a:noFill/>
-        </p:spPr>
-        <p:txBody>
-          <a:bodyPr wrap="none" rtlCol="0">
-            <a:spAutoFit/>
-          </a:bodyPr>
-          <a:lstStyle/>
-          <a:p>
-            <a:r>
-              <a:rPr lang="ko-KR" altLang="en-US" sz="2400" dirty="0" smtClean="0">
-                <a:solidFill>
-                  <a:schemeClr val="bg1"/>
-                </a:solidFill>
-                <a:latin typeface="HY울릉도M" panose="02030600000101010101" pitchFamily="18" charset="-127"/>
-                <a:ea typeface="HY울릉도M" panose="02030600000101010101" pitchFamily="18" charset="-127"/>
-              </a:rPr>
-              <a:t>면접 문제</a:t>
-            </a:r>
-            <a:endParaRPr lang="ko-KR" altLang="en-US" sz="2400" dirty="0">
-              <a:solidFill>
-                <a:schemeClr val="bg1"/>
-              </a:solidFill>
-              <a:latin typeface="HY울릉도M" panose="02030600000101010101" pitchFamily="18" charset="-127"/>
-              <a:ea typeface="HY울릉도M" panose="02030600000101010101" pitchFamily="18" charset="-127"/>
-            </a:endParaRPr>
-          </a:p>
-        </p:txBody>
-      </p:sp>
-      <p:sp>
-        <p:nvSpPr>
-          <p:cNvPr id="76" name="TextBox 75"/>
-          <p:cNvSpPr txBox="1"/>
-          <p:nvPr/>
-        </p:nvSpPr>
-        <p:spPr>
-          <a:xfrm>
-            <a:off x="7815672" y="3888640"/>
-            <a:ext cx="1720343" cy="603242"/>
-          </a:xfrm>
-          <a:prstGeom prst="rect">
-            <a:avLst/>
-          </a:prstGeom>
-          <a:noFill/>
-        </p:spPr>
-        <p:txBody>
-          <a:bodyPr wrap="none" rtlCol="0">
-            <a:spAutoFit/>
-          </a:bodyPr>
-          <a:lstStyle/>
-          <a:p>
-            <a:pPr algn="r">
-              <a:lnSpc>
-                <a:spcPct val="150000"/>
-              </a:lnSpc>
-            </a:pPr>
-            <a:r>
-              <a:rPr lang="ko-KR" altLang="en-US" sz="1200" dirty="0" smtClean="0">
-                <a:solidFill>
-                  <a:schemeClr val="bg1"/>
-                </a:solidFill>
-                <a:latin typeface="HY울릉도M" panose="02030600000101010101" pitchFamily="18" charset="-127"/>
-                <a:ea typeface="HY울릉도M" panose="02030600000101010101" pitchFamily="18" charset="-127"/>
-              </a:rPr>
-              <a:t>가상 면접을 위한</a:t>
-            </a:r>
-            <a:endParaRPr lang="en-US" altLang="ko-KR" sz="1200" dirty="0" smtClean="0">
-              <a:solidFill>
-                <a:schemeClr val="bg1"/>
-              </a:solidFill>
-              <a:latin typeface="HY울릉도M" panose="02030600000101010101" pitchFamily="18" charset="-127"/>
-              <a:ea typeface="HY울릉도M" panose="02030600000101010101" pitchFamily="18" charset="-127"/>
-            </a:endParaRPr>
-          </a:p>
-          <a:p>
-            <a:pPr algn="r">
-              <a:lnSpc>
-                <a:spcPct val="150000"/>
-              </a:lnSpc>
-            </a:pPr>
-            <a:r>
-              <a:rPr lang="ko-KR" altLang="en-US" sz="1200" dirty="0" smtClean="0">
-                <a:solidFill>
-                  <a:schemeClr val="bg1"/>
-                </a:solidFill>
-                <a:latin typeface="HY울릉도M" panose="02030600000101010101" pitchFamily="18" charset="-127"/>
-                <a:ea typeface="HY울릉도M" panose="02030600000101010101" pitchFamily="18" charset="-127"/>
-              </a:rPr>
-              <a:t>문제 </a:t>
-            </a:r>
-            <a:r>
-              <a:rPr lang="en-US" altLang="ko-KR" sz="1200" dirty="0" smtClean="0">
-                <a:solidFill>
-                  <a:schemeClr val="bg1"/>
-                </a:solidFill>
-                <a:latin typeface="HY울릉도M" panose="02030600000101010101" pitchFamily="18" charset="-127"/>
-                <a:ea typeface="HY울릉도M" panose="02030600000101010101" pitchFamily="18" charset="-127"/>
-              </a:rPr>
-              <a:t>DB</a:t>
-            </a:r>
-            <a:r>
-              <a:rPr lang="ko-KR" altLang="en-US" sz="1200" dirty="0" smtClean="0">
-                <a:solidFill>
-                  <a:schemeClr val="bg1"/>
-                </a:solidFill>
-                <a:latin typeface="HY울릉도M" panose="02030600000101010101" pitchFamily="18" charset="-127"/>
-                <a:ea typeface="HY울릉도M" panose="02030600000101010101" pitchFamily="18" charset="-127"/>
-              </a:rPr>
-              <a:t>를 확인하세요</a:t>
-            </a:r>
-            <a:endParaRPr lang="ko-KR" altLang="en-US" sz="1200" dirty="0">
-              <a:solidFill>
-                <a:schemeClr val="bg1"/>
-              </a:solidFill>
-              <a:latin typeface="HY울릉도M" panose="02030600000101010101" pitchFamily="18" charset="-127"/>
-              <a:ea typeface="HY울릉도M" panose="02030600000101010101" pitchFamily="18" charset="-127"/>
-            </a:endParaRPr>
-          </a:p>
-        </p:txBody>
-      </p:sp>
-      <p:sp>
-        <p:nvSpPr>
-          <p:cNvPr id="77" name="TextBox 76"/>
-          <p:cNvSpPr txBox="1"/>
-          <p:nvPr/>
-        </p:nvSpPr>
-        <p:spPr>
-          <a:xfrm>
-            <a:off x="7424620" y="4692436"/>
-            <a:ext cx="1518364" cy="461665"/>
-          </a:xfrm>
-          <a:prstGeom prst="rect">
-            <a:avLst/>
-          </a:prstGeom>
-          <a:noFill/>
-        </p:spPr>
-        <p:txBody>
-          <a:bodyPr wrap="none" rtlCol="0">
-            <a:spAutoFit/>
-          </a:bodyPr>
-          <a:lstStyle/>
-          <a:p>
-            <a:r>
-              <a:rPr lang="ko-KR" altLang="en-US" sz="2400" dirty="0" smtClean="0">
-                <a:solidFill>
-                  <a:schemeClr val="bg1"/>
-                </a:solidFill>
-                <a:latin typeface="HY울릉도M" panose="02030600000101010101" pitchFamily="18" charset="-127"/>
-                <a:ea typeface="HY울릉도M" panose="02030600000101010101" pitchFamily="18" charset="-127"/>
-              </a:rPr>
-              <a:t>환경 설정</a:t>
-            </a:r>
-            <a:endParaRPr lang="ko-KR" altLang="en-US" sz="2400" dirty="0">
-              <a:solidFill>
-                <a:schemeClr val="bg1"/>
-              </a:solidFill>
-              <a:latin typeface="HY울릉도M" panose="02030600000101010101" pitchFamily="18" charset="-127"/>
-              <a:ea typeface="HY울릉도M" panose="02030600000101010101" pitchFamily="18" charset="-127"/>
-            </a:endParaRPr>
-          </a:p>
-        </p:txBody>
-      </p:sp>
-      <p:sp>
-        <p:nvSpPr>
-          <p:cNvPr id="78" name="TextBox 77"/>
-          <p:cNvSpPr txBox="1"/>
-          <p:nvPr/>
-        </p:nvSpPr>
-        <p:spPr>
-          <a:xfrm>
-            <a:off x="7944523" y="5164140"/>
-            <a:ext cx="1620957" cy="326243"/>
-          </a:xfrm>
-          <a:prstGeom prst="rect">
-            <a:avLst/>
-          </a:prstGeom>
-          <a:noFill/>
-        </p:spPr>
-        <p:txBody>
-          <a:bodyPr wrap="none" rtlCol="0">
-            <a:spAutoFit/>
-          </a:bodyPr>
-          <a:lstStyle/>
-          <a:p>
-            <a:pPr algn="r">
-              <a:lnSpc>
-                <a:spcPct val="150000"/>
-              </a:lnSpc>
-            </a:pPr>
-            <a:r>
-              <a:rPr lang="ko-KR" altLang="en-US" sz="1200" dirty="0" smtClean="0">
-                <a:solidFill>
-                  <a:schemeClr val="bg1"/>
-                </a:solidFill>
-                <a:latin typeface="HY울릉도M" panose="02030600000101010101" pitchFamily="18" charset="-127"/>
-                <a:ea typeface="HY울릉도M" panose="02030600000101010101" pitchFamily="18" charset="-127"/>
-              </a:rPr>
-              <a:t>기기를 최적화합니다</a:t>
-            </a:r>
-            <a:endParaRPr lang="ko-KR" altLang="en-US" sz="1200" dirty="0">
-              <a:solidFill>
-                <a:schemeClr val="bg1"/>
-              </a:solidFill>
-              <a:latin typeface="HY울릉도M" panose="02030600000101010101" pitchFamily="18" charset="-127"/>
-              <a:ea typeface="HY울릉도M" panose="02030600000101010101" pitchFamily="18" charset="-127"/>
-            </a:endParaRPr>
-          </a:p>
-        </p:txBody>
-      </p:sp>
-      <p:pic>
-        <p:nvPicPr>
-          <p:cNvPr id="79" name="그림 78"/>
-          <p:cNvPicPr>
-            <a:picLocks noChangeAspect="1"/>
-          </p:cNvPicPr>
-          <p:nvPr/>
-        </p:nvPicPr>
-        <p:blipFill>
-          <a:blip r:embed="rId8" cstate="print">
-            <a:extLst>
-              <a:ext uri="{28A0092B-C50C-407E-A947-70E740481C1C}">
-                <a14:useLocalDpi xmlns:a14="http://schemas.microsoft.com/office/drawing/2010/main" val="0"/>
-              </a:ext>
-            </a:extLst>
-          </a:blip>
-          <a:stretch>
-            <a:fillRect/>
-          </a:stretch>
-        </p:blipFill>
-        <p:spPr>
-          <a:xfrm>
-            <a:off x="9700555" y="2457077"/>
-            <a:ext cx="585905" cy="585905"/>
-          </a:xfrm>
-          <a:prstGeom prst="rect">
-            <a:avLst/>
-          </a:prstGeom>
-        </p:spPr>
-      </p:pic>
-      <p:pic>
-        <p:nvPicPr>
-          <p:cNvPr id="80" name="그림 79"/>
-          <p:cNvPicPr>
-            <a:picLocks noChangeAspect="1"/>
-          </p:cNvPicPr>
-          <p:nvPr/>
-        </p:nvPicPr>
-        <p:blipFill>
-          <a:blip r:embed="rId9" cstate="print">
-            <a:extLst>
-              <a:ext uri="{28A0092B-C50C-407E-A947-70E740481C1C}">
-                <a14:useLocalDpi xmlns:a14="http://schemas.microsoft.com/office/drawing/2010/main" val="0"/>
-              </a:ext>
-            </a:extLst>
-          </a:blip>
-          <a:stretch>
-            <a:fillRect/>
-          </a:stretch>
-        </p:blipFill>
-        <p:spPr>
-          <a:xfrm>
-            <a:off x="9742804" y="3701733"/>
-            <a:ext cx="565915" cy="565915"/>
-          </a:xfrm>
-          <a:prstGeom prst="rect">
-            <a:avLst/>
-          </a:prstGeom>
-        </p:spPr>
-      </p:pic>
-      <p:pic>
-        <p:nvPicPr>
-          <p:cNvPr id="81" name="그림 80"/>
-          <p:cNvPicPr>
-            <a:picLocks noChangeAspect="1"/>
-          </p:cNvPicPr>
-          <p:nvPr/>
-        </p:nvPicPr>
-        <p:blipFill>
-          <a:blip r:embed="rId10" cstate="print">
-            <a:extLst>
-              <a:ext uri="{28A0092B-C50C-407E-A947-70E740481C1C}">
-                <a14:useLocalDpi xmlns:a14="http://schemas.microsoft.com/office/drawing/2010/main" val="0"/>
-              </a:ext>
-            </a:extLst>
-          </a:blip>
-          <a:stretch>
-            <a:fillRect/>
-          </a:stretch>
-        </p:blipFill>
-        <p:spPr>
-          <a:xfrm>
-            <a:off x="9742804" y="4982489"/>
-            <a:ext cx="526907" cy="526907"/>
-          </a:xfrm>
-          <a:prstGeom prst="rect">
-            <a:avLst/>
-          </a:prstGeom>
-        </p:spPr>
-      </p:pic>
+        </p:txBody>
+      </p:sp>
     </p:spTree>
     <p:extLst>
       <p:ext uri="{BB962C8B-B14F-4D97-AF65-F5344CB8AC3E}">
-        <p14:creationId xmlns:p14="http://schemas.microsoft.com/office/powerpoint/2010/main" val="115380205"/>
+        <p14:creationId xmlns:p14="http://schemas.microsoft.com/office/powerpoint/2010/main" val="2418961837"/>
       </p:ext>
     </p:extLst>
   </p:cSld>
@@ -10428,25 +8270,18 @@
           <a:p>
             <a:pPr algn="ctr"/>
             <a:r>
+              <a:rPr lang="ko-KR" altLang="en-US" dirty="0" err="1" smtClean="0">
+                <a:latin typeface="210 맨발의청춘 B" panose="02020603020101020101" pitchFamily="18" charset="-127"/>
+                <a:ea typeface="210 맨발의청춘 B" panose="02020603020101020101" pitchFamily="18" charset="-127"/>
+              </a:rPr>
+              <a:t>앱</a:t>
+            </a:r>
+            <a:r>
               <a:rPr lang="ko-KR" altLang="en-US" dirty="0" smtClean="0">
                 <a:latin typeface="210 맨발의청춘 B" panose="02020603020101020101" pitchFamily="18" charset="-127"/>
                 <a:ea typeface="210 맨발의청춘 B" panose="02020603020101020101" pitchFamily="18" charset="-127"/>
               </a:rPr>
-              <a:t>초기 </a:t>
-            </a:r>
-            <a:r>
-              <a:rPr lang="ko-KR" altLang="en-US" dirty="0" err="1" smtClean="0">
-                <a:latin typeface="210 맨발의청춘 B" panose="02020603020101020101" pitchFamily="18" charset="-127"/>
-                <a:ea typeface="210 맨발의청춘 B" panose="02020603020101020101" pitchFamily="18" charset="-127"/>
-              </a:rPr>
-              <a:t>세팅</a:t>
-            </a:r>
-            <a:r>
-              <a:rPr lang="ko-KR" altLang="en-US" dirty="0" smtClean="0">
-                <a:latin typeface="210 맨발의청춘 B" panose="02020603020101020101" pitchFamily="18" charset="-127"/>
-                <a:ea typeface="210 맨발의청춘 B" panose="02020603020101020101" pitchFamily="18" charset="-127"/>
-              </a:rPr>
-              <a:t> 작업</a:t>
+              <a:t> 요소 디자인</a:t>
             </a:r>
             <a:endParaRPr lang="ko-KR" altLang="en-US" dirty="0">
               <a:latin typeface="210 맨발의청춘 B" panose="02020603020101020101" pitchFamily="18" charset="-127"/>
@@ -10505,7 +8340,7 @@
                 <a:latin typeface="210 맨발의청춘 B" panose="02020603020101020101" pitchFamily="18" charset="-127"/>
                 <a:ea typeface="210 맨발의청춘 B" panose="02020603020101020101" pitchFamily="18" charset="-127"/>
               </a:rPr>
-              <a:t>Choose Question</a:t>
+              <a:t>Main</a:t>
             </a:r>
             <a:endParaRPr lang="ko-KR" altLang="en-US" dirty="0">
               <a:latin typeface="210 맨발의청춘 B" panose="02020603020101020101" pitchFamily="18" charset="-127"/>
@@ -10516,71 +8351,28 @@
       </p:sp>
       <p:sp>
         <p:nvSpPr>
-          <p:cNvPr id="11" name="TextBox 10"/>
-          <p:cNvSpPr txBox="1"/>
-          <p:nvPr/>
-        </p:nvSpPr>
-        <p:spPr>
-          <a:xfrm>
-            <a:off x="1417153" y="6609769"/>
-            <a:ext cx="585417" cy="276999"/>
-          </a:xfrm>
-          <a:prstGeom prst="rect">
-            <a:avLst/>
-          </a:prstGeom>
-          <a:noFill/>
-        </p:spPr>
-        <p:txBody>
-          <a:bodyPr wrap="none" rtlCol="0">
-            <a:spAutoFit/>
-          </a:bodyPr>
-          <a:lstStyle/>
-          <a:p>
-            <a:r>
-              <a:rPr lang="en-US" altLang="ko-KR" sz="1200" dirty="0" smtClean="0">
-                <a:latin typeface="210 맨발의청춘 L" panose="02020603020101020101" pitchFamily="18" charset="-127"/>
-                <a:ea typeface="210 맨발의청춘 L" panose="02020603020101020101" pitchFamily="18" charset="-127"/>
-              </a:rPr>
-              <a:t>[</a:t>
-            </a:r>
-            <a:r>
-              <a:rPr lang="ko-KR" altLang="en-US" sz="1200" dirty="0" smtClean="0">
-                <a:latin typeface="210 맨발의청춘 L" panose="02020603020101020101" pitchFamily="18" charset="-127"/>
-                <a:ea typeface="210 맨발의청춘 L" panose="02020603020101020101" pitchFamily="18" charset="-127"/>
-              </a:rPr>
-              <a:t>메인</a:t>
-            </a:r>
-            <a:r>
-              <a:rPr lang="en-US" altLang="ko-KR" sz="1200" dirty="0" smtClean="0">
-                <a:latin typeface="210 맨발의청춘 L" panose="02020603020101020101" pitchFamily="18" charset="-127"/>
-                <a:ea typeface="210 맨발의청춘 L" panose="02020603020101020101" pitchFamily="18" charset="-127"/>
-              </a:rPr>
-              <a:t>]</a:t>
-            </a:r>
-            <a:endParaRPr lang="ko-KR" altLang="en-US" sz="1200" dirty="0">
-              <a:latin typeface="210 맨발의청춘 L" panose="02020603020101020101" pitchFamily="18" charset="-127"/>
-              <a:ea typeface="210 맨발의청춘 L" panose="02020603020101020101" pitchFamily="18" charset="-127"/>
-            </a:endParaRPr>
-          </a:p>
-        </p:txBody>
-      </p:sp>
-      <p:sp>
-        <p:nvSpPr>
-          <p:cNvPr id="70" name="직사각형 69"/>
-          <p:cNvSpPr/>
-          <p:nvPr/>
-        </p:nvSpPr>
-        <p:spPr>
-          <a:xfrm>
-            <a:off x="232442" y="1052124"/>
-            <a:ext cx="3114675" cy="4972050"/>
+          <p:cNvPr id="10" name="직사각형 9"/>
+          <p:cNvSpPr>
+            <a:spLocks noChangeAspect="1"/>
+          </p:cNvSpPr>
+          <p:nvPr/>
+        </p:nvSpPr>
+        <p:spPr>
+          <a:xfrm>
+            <a:off x="201831" y="849769"/>
+            <a:ext cx="3239998" cy="5760000"/>
           </a:xfrm>
           <a:prstGeom prst="rect">
             <a:avLst/>
           </a:prstGeom>
           <a:solidFill>
-            <a:schemeClr val="bg1"/>
+            <a:schemeClr val="bg1">
+              <a:lumMod val="95000"/>
+            </a:schemeClr>
           </a:solidFill>
+          <a:ln>
+            <a:noFill/>
+          </a:ln>
         </p:spPr>
         <p:style>
           <a:lnRef idx="2">
@@ -10609,21 +8401,82 @@
       </p:sp>
       <p:sp>
         <p:nvSpPr>
-          <p:cNvPr id="87" name="직사각형 86"/>
+          <p:cNvPr id="11" name="TextBox 10"/>
+          <p:cNvSpPr txBox="1"/>
+          <p:nvPr/>
+        </p:nvSpPr>
+        <p:spPr>
+          <a:xfrm>
+            <a:off x="1417153" y="6609769"/>
+            <a:ext cx="585417" cy="276999"/>
+          </a:xfrm>
+          <a:prstGeom prst="rect">
+            <a:avLst/>
+          </a:prstGeom>
+          <a:noFill/>
+        </p:spPr>
+        <p:txBody>
+          <a:bodyPr wrap="none" rtlCol="0">
+            <a:spAutoFit/>
+          </a:bodyPr>
+          <a:lstStyle/>
+          <a:p>
+            <a:r>
+              <a:rPr lang="en-US" altLang="ko-KR" sz="1200" dirty="0" smtClean="0">
+                <a:latin typeface="210 맨발의청춘 L" panose="02020603020101020101" pitchFamily="18" charset="-127"/>
+                <a:ea typeface="210 맨발의청춘 L" panose="02020603020101020101" pitchFamily="18" charset="-127"/>
+              </a:rPr>
+              <a:t>[</a:t>
+            </a:r>
+            <a:r>
+              <a:rPr lang="ko-KR" altLang="en-US" sz="1200" dirty="0" smtClean="0">
+                <a:latin typeface="210 맨발의청춘 L" panose="02020603020101020101" pitchFamily="18" charset="-127"/>
+                <a:ea typeface="210 맨발의청춘 L" panose="02020603020101020101" pitchFamily="18" charset="-127"/>
+              </a:rPr>
+              <a:t>메인</a:t>
+            </a:r>
+            <a:r>
+              <a:rPr lang="en-US" altLang="ko-KR" sz="1200" dirty="0" smtClean="0">
+                <a:latin typeface="210 맨발의청춘 L" panose="02020603020101020101" pitchFamily="18" charset="-127"/>
+                <a:ea typeface="210 맨발의청춘 L" panose="02020603020101020101" pitchFamily="18" charset="-127"/>
+              </a:rPr>
+              <a:t>]</a:t>
+            </a:r>
+            <a:endParaRPr lang="ko-KR" altLang="en-US" sz="1200" dirty="0">
+              <a:latin typeface="210 맨발의청춘 L" panose="02020603020101020101" pitchFamily="18" charset="-127"/>
+              <a:ea typeface="210 맨발의청춘 L" panose="02020603020101020101" pitchFamily="18" charset="-127"/>
+            </a:endParaRPr>
+          </a:p>
+        </p:txBody>
+      </p:sp>
+      <p:sp>
+        <p:nvSpPr>
+          <p:cNvPr id="43" name="직사각형 42"/>
           <p:cNvSpPr/>
           <p:nvPr/>
         </p:nvSpPr>
         <p:spPr>
           <a:xfrm>
-            <a:off x="4385388" y="1436914"/>
-            <a:ext cx="1156996" cy="1156996"/>
-          </a:xfrm>
-          <a:prstGeom prst="rect">
-            <a:avLst/>
-          </a:prstGeom>
-          <a:solidFill>
-            <a:srgbClr val="0070C0"/>
-          </a:solidFill>
+            <a:off x="201831" y="849769"/>
+            <a:ext cx="3239998" cy="1440000"/>
+          </a:xfrm>
+          <a:prstGeom prst="rect">
+            <a:avLst/>
+          </a:prstGeom>
+          <a:gradFill flip="none" rotWithShape="1">
+            <a:gsLst>
+              <a:gs pos="0">
+                <a:srgbClr val="21B0E2">
+                  <a:alpha val="85000"/>
+                </a:srgbClr>
+              </a:gs>
+              <a:gs pos="40000">
+                <a:srgbClr val="0BA7DA"/>
+              </a:gs>
+            </a:gsLst>
+            <a:lin ang="10800000" scaled="1"/>
+            <a:tileRect/>
+          </a:gradFill>
           <a:ln>
             <a:noFill/>
           </a:ln>
@@ -10653,9 +8506,313 @@
           </a:p>
         </p:txBody>
       </p:sp>
+      <p:sp>
+        <p:nvSpPr>
+          <p:cNvPr id="44" name="직사각형 43"/>
+          <p:cNvSpPr/>
+          <p:nvPr/>
+        </p:nvSpPr>
+        <p:spPr>
+          <a:xfrm>
+            <a:off x="201831" y="2289769"/>
+            <a:ext cx="3239998" cy="1425356"/>
+          </a:xfrm>
+          <a:prstGeom prst="rect">
+            <a:avLst/>
+          </a:prstGeom>
+          <a:gradFill flip="none" rotWithShape="1">
+            <a:gsLst>
+              <a:gs pos="0">
+                <a:srgbClr val="5557AA">
+                  <a:alpha val="85000"/>
+                </a:srgbClr>
+              </a:gs>
+              <a:gs pos="40000">
+                <a:srgbClr val="5153AA"/>
+              </a:gs>
+            </a:gsLst>
+            <a:lin ang="10800000" scaled="1"/>
+            <a:tileRect/>
+          </a:gradFill>
+          <a:ln>
+            <a:noFill/>
+          </a:ln>
+        </p:spPr>
+        <p:style>
+          <a:lnRef idx="2">
+            <a:schemeClr val="accent1">
+              <a:shade val="50000"/>
+            </a:schemeClr>
+          </a:lnRef>
+          <a:fillRef idx="1">
+            <a:schemeClr val="accent1"/>
+          </a:fillRef>
+          <a:effectRef idx="0">
+            <a:schemeClr val="accent1"/>
+          </a:effectRef>
+          <a:fontRef idx="minor">
+            <a:schemeClr val="lt1"/>
+          </a:fontRef>
+        </p:style>
+        <p:txBody>
+          <a:bodyPr rtlCol="0" anchor="ctr"/>
+          <a:lstStyle/>
+          <a:p>
+            <a:pPr algn="ctr"/>
+            <a:endParaRPr lang="ko-KR" altLang="en-US"/>
+          </a:p>
+        </p:txBody>
+      </p:sp>
+      <p:sp>
+        <p:nvSpPr>
+          <p:cNvPr id="46" name="직사각형 45"/>
+          <p:cNvSpPr/>
+          <p:nvPr/>
+        </p:nvSpPr>
+        <p:spPr>
+          <a:xfrm>
+            <a:off x="201831" y="3715125"/>
+            <a:ext cx="3239998" cy="1440000"/>
+          </a:xfrm>
+          <a:prstGeom prst="rect">
+            <a:avLst/>
+          </a:prstGeom>
+          <a:gradFill flip="none" rotWithShape="1">
+            <a:gsLst>
+              <a:gs pos="0">
+                <a:srgbClr val="E979BF">
+                  <a:alpha val="85000"/>
+                </a:srgbClr>
+              </a:gs>
+              <a:gs pos="40000">
+                <a:srgbClr val="E878C0"/>
+              </a:gs>
+            </a:gsLst>
+            <a:lin ang="10800000" scaled="1"/>
+            <a:tileRect/>
+          </a:gradFill>
+          <a:ln>
+            <a:noFill/>
+          </a:ln>
+        </p:spPr>
+        <p:style>
+          <a:lnRef idx="2">
+            <a:schemeClr val="accent1">
+              <a:shade val="50000"/>
+            </a:schemeClr>
+          </a:lnRef>
+          <a:fillRef idx="1">
+            <a:schemeClr val="accent1"/>
+          </a:fillRef>
+          <a:effectRef idx="0">
+            <a:schemeClr val="accent1"/>
+          </a:effectRef>
+          <a:fontRef idx="minor">
+            <a:schemeClr val="lt1"/>
+          </a:fontRef>
+        </p:style>
+        <p:txBody>
+          <a:bodyPr rtlCol="0" anchor="ctr"/>
+          <a:lstStyle/>
+          <a:p>
+            <a:pPr algn="ctr"/>
+            <a:endParaRPr lang="ko-KR" altLang="en-US"/>
+          </a:p>
+        </p:txBody>
+      </p:sp>
+      <p:sp>
+        <p:nvSpPr>
+          <p:cNvPr id="49" name="직사각형 48"/>
+          <p:cNvSpPr/>
+          <p:nvPr/>
+        </p:nvSpPr>
+        <p:spPr>
+          <a:xfrm>
+            <a:off x="201831" y="5155125"/>
+            <a:ext cx="3239998" cy="1410712"/>
+          </a:xfrm>
+          <a:prstGeom prst="rect">
+            <a:avLst/>
+          </a:prstGeom>
+          <a:gradFill flip="none" rotWithShape="1">
+            <a:gsLst>
+              <a:gs pos="0">
+                <a:srgbClr val="F2684C">
+                  <a:alpha val="85000"/>
+                </a:srgbClr>
+              </a:gs>
+              <a:gs pos="40000">
+                <a:srgbClr val="F46A4E"/>
+              </a:gs>
+            </a:gsLst>
+            <a:lin ang="10800000" scaled="1"/>
+            <a:tileRect/>
+          </a:gradFill>
+          <a:ln>
+            <a:noFill/>
+          </a:ln>
+        </p:spPr>
+        <p:style>
+          <a:lnRef idx="2">
+            <a:schemeClr val="accent1">
+              <a:shade val="50000"/>
+            </a:schemeClr>
+          </a:lnRef>
+          <a:fillRef idx="1">
+            <a:schemeClr val="accent1"/>
+          </a:fillRef>
+          <a:effectRef idx="0">
+            <a:schemeClr val="accent1"/>
+          </a:effectRef>
+          <a:fontRef idx="minor">
+            <a:schemeClr val="lt1"/>
+          </a:fontRef>
+        </p:style>
+        <p:txBody>
+          <a:bodyPr rtlCol="0" anchor="ctr"/>
+          <a:lstStyle/>
+          <a:p>
+            <a:pPr algn="ctr"/>
+            <a:endParaRPr lang="ko-KR" altLang="en-US"/>
+          </a:p>
+        </p:txBody>
+      </p:sp>
+      <p:sp>
+        <p:nvSpPr>
+          <p:cNvPr id="51" name="TextBox 50"/>
+          <p:cNvSpPr txBox="1"/>
+          <p:nvPr/>
+        </p:nvSpPr>
+        <p:spPr>
+          <a:xfrm>
+            <a:off x="353246" y="954777"/>
+            <a:ext cx="1741182" cy="523220"/>
+          </a:xfrm>
+          <a:prstGeom prst="rect">
+            <a:avLst/>
+          </a:prstGeom>
+          <a:noFill/>
+        </p:spPr>
+        <p:txBody>
+          <a:bodyPr wrap="none" rtlCol="0">
+            <a:spAutoFit/>
+          </a:bodyPr>
+          <a:lstStyle/>
+          <a:p>
+            <a:r>
+              <a:rPr lang="ko-KR" altLang="en-US" sz="2800" dirty="0" smtClean="0">
+                <a:solidFill>
+                  <a:schemeClr val="bg1"/>
+                </a:solidFill>
+                <a:latin typeface="HY울릉도M" panose="02030600000101010101" pitchFamily="18" charset="-127"/>
+                <a:ea typeface="HY울릉도M" panose="02030600000101010101" pitchFamily="18" charset="-127"/>
+              </a:rPr>
+              <a:t>가상 면접</a:t>
+            </a:r>
+            <a:endParaRPr lang="ko-KR" altLang="en-US" sz="2800" dirty="0">
+              <a:solidFill>
+                <a:schemeClr val="bg1"/>
+              </a:solidFill>
+              <a:latin typeface="HY울릉도M" panose="02030600000101010101" pitchFamily="18" charset="-127"/>
+              <a:ea typeface="HY울릉도M" panose="02030600000101010101" pitchFamily="18" charset="-127"/>
+            </a:endParaRPr>
+          </a:p>
+        </p:txBody>
+      </p:sp>
+      <p:sp>
+        <p:nvSpPr>
+          <p:cNvPr id="52" name="TextBox 51"/>
+          <p:cNvSpPr txBox="1"/>
+          <p:nvPr/>
+        </p:nvSpPr>
+        <p:spPr>
+          <a:xfrm>
+            <a:off x="253635" y="1476459"/>
+            <a:ext cx="2130711" cy="645818"/>
+          </a:xfrm>
+          <a:prstGeom prst="rect">
+            <a:avLst/>
+          </a:prstGeom>
+          <a:noFill/>
+        </p:spPr>
+        <p:txBody>
+          <a:bodyPr wrap="none" rtlCol="0">
+            <a:spAutoFit/>
+          </a:bodyPr>
+          <a:lstStyle/>
+          <a:p>
+            <a:pPr algn="r">
+              <a:lnSpc>
+                <a:spcPct val="150000"/>
+              </a:lnSpc>
+            </a:pPr>
+            <a:r>
+              <a:rPr lang="en-US" altLang="ko-KR" sz="1300" dirty="0" smtClean="0">
+                <a:solidFill>
+                  <a:schemeClr val="bg1"/>
+                </a:solidFill>
+                <a:latin typeface="HY울릉도M" panose="02030600000101010101" pitchFamily="18" charset="-127"/>
+                <a:ea typeface="HY울릉도M" panose="02030600000101010101" pitchFamily="18" charset="-127"/>
+              </a:rPr>
+              <a:t>AI </a:t>
+            </a:r>
+            <a:r>
+              <a:rPr lang="ko-KR" altLang="en-US" sz="1300" dirty="0" err="1" smtClean="0">
+                <a:solidFill>
+                  <a:schemeClr val="bg1"/>
+                </a:solidFill>
+                <a:latin typeface="HY울릉도M" panose="02030600000101010101" pitchFamily="18" charset="-127"/>
+                <a:ea typeface="HY울릉도M" panose="02030600000101010101" pitchFamily="18" charset="-127"/>
+              </a:rPr>
+              <a:t>면접관과</a:t>
+            </a:r>
+            <a:r>
+              <a:rPr lang="ko-KR" altLang="en-US" sz="1300" dirty="0" smtClean="0">
+                <a:solidFill>
+                  <a:schemeClr val="bg1"/>
+                </a:solidFill>
+                <a:latin typeface="HY울릉도M" panose="02030600000101010101" pitchFamily="18" charset="-127"/>
+                <a:ea typeface="HY울릉도M" panose="02030600000101010101" pitchFamily="18" charset="-127"/>
+              </a:rPr>
+              <a:t> 함께</a:t>
+            </a:r>
+            <a:endParaRPr lang="en-US" altLang="ko-KR" sz="1300" dirty="0" smtClean="0">
+              <a:solidFill>
+                <a:schemeClr val="bg1"/>
+              </a:solidFill>
+              <a:latin typeface="HY울릉도M" panose="02030600000101010101" pitchFamily="18" charset="-127"/>
+              <a:ea typeface="HY울릉도M" panose="02030600000101010101" pitchFamily="18" charset="-127"/>
+            </a:endParaRPr>
+          </a:p>
+          <a:p>
+            <a:pPr algn="r">
+              <a:lnSpc>
+                <a:spcPct val="150000"/>
+              </a:lnSpc>
+            </a:pPr>
+            <a:r>
+              <a:rPr lang="ko-KR" altLang="en-US" sz="1300" dirty="0" smtClean="0">
+                <a:solidFill>
+                  <a:schemeClr val="bg1"/>
+                </a:solidFill>
+                <a:latin typeface="HY울릉도M" panose="02030600000101010101" pitchFamily="18" charset="-127"/>
+                <a:ea typeface="HY울릉도M" panose="02030600000101010101" pitchFamily="18" charset="-127"/>
+              </a:rPr>
+              <a:t>가상 면접을 시작해보세요</a:t>
+            </a:r>
+            <a:endParaRPr lang="en-US" altLang="ko-KR" sz="1300" dirty="0" smtClean="0">
+              <a:solidFill>
+                <a:schemeClr val="bg1"/>
+              </a:solidFill>
+              <a:latin typeface="HY울릉도M" panose="02030600000101010101" pitchFamily="18" charset="-127"/>
+              <a:ea typeface="HY울릉도M" panose="02030600000101010101" pitchFamily="18" charset="-127"/>
+            </a:endParaRPr>
+          </a:p>
+        </p:txBody>
+      </p:sp>
       <p:pic>
         <p:nvPicPr>
-          <p:cNvPr id="88" name="그림 87"/>
+          <p:cNvPr id="53" name="그림 52"/>
           <p:cNvPicPr>
             <a:picLocks noChangeAspect="1"/>
           </p:cNvPicPr>
@@ -10675,6 +8832,2525 @@
         </p:blipFill>
         <p:spPr>
           <a:xfrm>
+            <a:off x="2423776" y="1188394"/>
+            <a:ext cx="797268" cy="797268"/>
+          </a:xfrm>
+          <a:prstGeom prst="rect">
+            <a:avLst/>
+          </a:prstGeom>
+        </p:spPr>
+      </p:pic>
+      <p:sp>
+        <p:nvSpPr>
+          <p:cNvPr id="54" name="TextBox 53"/>
+          <p:cNvSpPr txBox="1"/>
+          <p:nvPr/>
+        </p:nvSpPr>
+        <p:spPr>
+          <a:xfrm>
+            <a:off x="353246" y="2397583"/>
+            <a:ext cx="1741182" cy="523220"/>
+          </a:xfrm>
+          <a:prstGeom prst="rect">
+            <a:avLst/>
+          </a:prstGeom>
+          <a:noFill/>
+        </p:spPr>
+        <p:txBody>
+          <a:bodyPr wrap="none" rtlCol="0">
+            <a:spAutoFit/>
+          </a:bodyPr>
+          <a:lstStyle/>
+          <a:p>
+            <a:r>
+              <a:rPr lang="ko-KR" altLang="en-US" sz="2800" dirty="0" smtClean="0">
+                <a:solidFill>
+                  <a:schemeClr val="bg1"/>
+                </a:solidFill>
+                <a:latin typeface="HY울릉도M" panose="02030600000101010101" pitchFamily="18" charset="-127"/>
+                <a:ea typeface="HY울릉도M" panose="02030600000101010101" pitchFamily="18" charset="-127"/>
+              </a:rPr>
+              <a:t>면접 결과</a:t>
+            </a:r>
+            <a:endParaRPr lang="ko-KR" altLang="en-US" sz="2800" dirty="0">
+              <a:solidFill>
+                <a:schemeClr val="bg1"/>
+              </a:solidFill>
+              <a:latin typeface="HY울릉도M" panose="02030600000101010101" pitchFamily="18" charset="-127"/>
+              <a:ea typeface="HY울릉도M" panose="02030600000101010101" pitchFamily="18" charset="-127"/>
+            </a:endParaRPr>
+          </a:p>
+        </p:txBody>
+      </p:sp>
+      <p:sp>
+        <p:nvSpPr>
+          <p:cNvPr id="55" name="TextBox 54"/>
+          <p:cNvSpPr txBox="1"/>
+          <p:nvPr/>
+        </p:nvSpPr>
+        <p:spPr>
+          <a:xfrm>
+            <a:off x="493617" y="2919265"/>
+            <a:ext cx="1853392" cy="692497"/>
+          </a:xfrm>
+          <a:prstGeom prst="rect">
+            <a:avLst/>
+          </a:prstGeom>
+          <a:noFill/>
+        </p:spPr>
+        <p:txBody>
+          <a:bodyPr wrap="none" rtlCol="0">
+            <a:spAutoFit/>
+          </a:bodyPr>
+          <a:lstStyle/>
+          <a:p>
+            <a:pPr algn="r">
+              <a:lnSpc>
+                <a:spcPct val="150000"/>
+              </a:lnSpc>
+            </a:pPr>
+            <a:r>
+              <a:rPr lang="ko-KR" altLang="en-US" sz="1300" dirty="0" smtClean="0">
+                <a:solidFill>
+                  <a:schemeClr val="bg1"/>
+                </a:solidFill>
+                <a:latin typeface="HY울릉도M" panose="02030600000101010101" pitchFamily="18" charset="-127"/>
+                <a:ea typeface="HY울릉도M" panose="02030600000101010101" pitchFamily="18" charset="-127"/>
+              </a:rPr>
+              <a:t>가상 면접 결과를</a:t>
+            </a:r>
+            <a:endParaRPr lang="en-US" altLang="ko-KR" sz="1300" dirty="0" smtClean="0">
+              <a:solidFill>
+                <a:schemeClr val="bg1"/>
+              </a:solidFill>
+              <a:latin typeface="HY울릉도M" panose="02030600000101010101" pitchFamily="18" charset="-127"/>
+              <a:ea typeface="HY울릉도M" panose="02030600000101010101" pitchFamily="18" charset="-127"/>
+            </a:endParaRPr>
+          </a:p>
+          <a:p>
+            <a:pPr algn="r">
+              <a:lnSpc>
+                <a:spcPct val="150000"/>
+              </a:lnSpc>
+            </a:pPr>
+            <a:r>
+              <a:rPr lang="ko-KR" altLang="en-US" sz="1300" dirty="0" smtClean="0">
+                <a:solidFill>
+                  <a:schemeClr val="bg1"/>
+                </a:solidFill>
+                <a:latin typeface="HY울릉도M" panose="02030600000101010101" pitchFamily="18" charset="-127"/>
+                <a:ea typeface="HY울릉도M" panose="02030600000101010101" pitchFamily="18" charset="-127"/>
+              </a:rPr>
+              <a:t>다시 확인할 수 있어요</a:t>
+            </a:r>
+            <a:endParaRPr lang="ko-KR" altLang="en-US" sz="1300" dirty="0">
+              <a:solidFill>
+                <a:schemeClr val="bg1"/>
+              </a:solidFill>
+              <a:latin typeface="HY울릉도M" panose="02030600000101010101" pitchFamily="18" charset="-127"/>
+              <a:ea typeface="HY울릉도M" panose="02030600000101010101" pitchFamily="18" charset="-127"/>
+            </a:endParaRPr>
+          </a:p>
+        </p:txBody>
+      </p:sp>
+      <p:sp>
+        <p:nvSpPr>
+          <p:cNvPr id="57" name="TextBox 56"/>
+          <p:cNvSpPr txBox="1"/>
+          <p:nvPr/>
+        </p:nvSpPr>
+        <p:spPr>
+          <a:xfrm>
+            <a:off x="353246" y="3832340"/>
+            <a:ext cx="1741182" cy="523220"/>
+          </a:xfrm>
+          <a:prstGeom prst="rect">
+            <a:avLst/>
+          </a:prstGeom>
+          <a:noFill/>
+        </p:spPr>
+        <p:txBody>
+          <a:bodyPr wrap="none" rtlCol="0">
+            <a:spAutoFit/>
+          </a:bodyPr>
+          <a:lstStyle/>
+          <a:p>
+            <a:r>
+              <a:rPr lang="ko-KR" altLang="en-US" sz="2800" dirty="0" smtClean="0">
+                <a:solidFill>
+                  <a:schemeClr val="bg1"/>
+                </a:solidFill>
+                <a:latin typeface="HY울릉도M" panose="02030600000101010101" pitchFamily="18" charset="-127"/>
+                <a:ea typeface="HY울릉도M" panose="02030600000101010101" pitchFamily="18" charset="-127"/>
+              </a:rPr>
+              <a:t>면접 문제</a:t>
+            </a:r>
+            <a:endParaRPr lang="ko-KR" altLang="en-US" sz="2800" dirty="0">
+              <a:solidFill>
+                <a:schemeClr val="bg1"/>
+              </a:solidFill>
+              <a:latin typeface="HY울릉도M" panose="02030600000101010101" pitchFamily="18" charset="-127"/>
+              <a:ea typeface="HY울릉도M" panose="02030600000101010101" pitchFamily="18" charset="-127"/>
+            </a:endParaRPr>
+          </a:p>
+        </p:txBody>
+      </p:sp>
+      <p:sp>
+        <p:nvSpPr>
+          <p:cNvPr id="58" name="TextBox 57"/>
+          <p:cNvSpPr txBox="1"/>
+          <p:nvPr/>
+        </p:nvSpPr>
+        <p:spPr>
+          <a:xfrm>
+            <a:off x="422175" y="4354022"/>
+            <a:ext cx="1850186" cy="692497"/>
+          </a:xfrm>
+          <a:prstGeom prst="rect">
+            <a:avLst/>
+          </a:prstGeom>
+          <a:noFill/>
+        </p:spPr>
+        <p:txBody>
+          <a:bodyPr wrap="none" rtlCol="0">
+            <a:spAutoFit/>
+          </a:bodyPr>
+          <a:lstStyle/>
+          <a:p>
+            <a:pPr algn="r">
+              <a:lnSpc>
+                <a:spcPct val="150000"/>
+              </a:lnSpc>
+            </a:pPr>
+            <a:r>
+              <a:rPr lang="ko-KR" altLang="en-US" sz="1300" dirty="0" smtClean="0">
+                <a:solidFill>
+                  <a:schemeClr val="bg1"/>
+                </a:solidFill>
+                <a:latin typeface="HY울릉도M" panose="02030600000101010101" pitchFamily="18" charset="-127"/>
+                <a:ea typeface="HY울릉도M" panose="02030600000101010101" pitchFamily="18" charset="-127"/>
+              </a:rPr>
+              <a:t>가상 면접을 위한</a:t>
+            </a:r>
+            <a:endParaRPr lang="en-US" altLang="ko-KR" sz="1300" dirty="0" smtClean="0">
+              <a:solidFill>
+                <a:schemeClr val="bg1"/>
+              </a:solidFill>
+              <a:latin typeface="HY울릉도M" panose="02030600000101010101" pitchFamily="18" charset="-127"/>
+              <a:ea typeface="HY울릉도M" panose="02030600000101010101" pitchFamily="18" charset="-127"/>
+            </a:endParaRPr>
+          </a:p>
+          <a:p>
+            <a:pPr algn="r">
+              <a:lnSpc>
+                <a:spcPct val="150000"/>
+              </a:lnSpc>
+            </a:pPr>
+            <a:r>
+              <a:rPr lang="ko-KR" altLang="en-US" sz="1300" dirty="0" smtClean="0">
+                <a:solidFill>
+                  <a:schemeClr val="bg1"/>
+                </a:solidFill>
+                <a:latin typeface="HY울릉도M" panose="02030600000101010101" pitchFamily="18" charset="-127"/>
+                <a:ea typeface="HY울릉도M" panose="02030600000101010101" pitchFamily="18" charset="-127"/>
+              </a:rPr>
+              <a:t>문제 </a:t>
+            </a:r>
+            <a:r>
+              <a:rPr lang="en-US" altLang="ko-KR" sz="1300" dirty="0" smtClean="0">
+                <a:solidFill>
+                  <a:schemeClr val="bg1"/>
+                </a:solidFill>
+                <a:latin typeface="HY울릉도M" panose="02030600000101010101" pitchFamily="18" charset="-127"/>
+                <a:ea typeface="HY울릉도M" panose="02030600000101010101" pitchFamily="18" charset="-127"/>
+              </a:rPr>
+              <a:t>DB</a:t>
+            </a:r>
+            <a:r>
+              <a:rPr lang="ko-KR" altLang="en-US" sz="1300" dirty="0" smtClean="0">
+                <a:solidFill>
+                  <a:schemeClr val="bg1"/>
+                </a:solidFill>
+                <a:latin typeface="HY울릉도M" panose="02030600000101010101" pitchFamily="18" charset="-127"/>
+                <a:ea typeface="HY울릉도M" panose="02030600000101010101" pitchFamily="18" charset="-127"/>
+              </a:rPr>
+              <a:t>를 확인하세요</a:t>
+            </a:r>
+            <a:endParaRPr lang="ko-KR" altLang="en-US" sz="1300" dirty="0">
+              <a:solidFill>
+                <a:schemeClr val="bg1"/>
+              </a:solidFill>
+              <a:latin typeface="HY울릉도M" panose="02030600000101010101" pitchFamily="18" charset="-127"/>
+              <a:ea typeface="HY울릉도M" panose="02030600000101010101" pitchFamily="18" charset="-127"/>
+            </a:endParaRPr>
+          </a:p>
+        </p:txBody>
+      </p:sp>
+      <p:sp>
+        <p:nvSpPr>
+          <p:cNvPr id="60" name="TextBox 59"/>
+          <p:cNvSpPr txBox="1"/>
+          <p:nvPr/>
+        </p:nvSpPr>
+        <p:spPr>
+          <a:xfrm>
+            <a:off x="353246" y="5268505"/>
+            <a:ext cx="1741182" cy="523220"/>
+          </a:xfrm>
+          <a:prstGeom prst="rect">
+            <a:avLst/>
+          </a:prstGeom>
+          <a:noFill/>
+        </p:spPr>
+        <p:txBody>
+          <a:bodyPr wrap="none" rtlCol="0">
+            <a:spAutoFit/>
+          </a:bodyPr>
+          <a:lstStyle/>
+          <a:p>
+            <a:r>
+              <a:rPr lang="ko-KR" altLang="en-US" sz="2800" dirty="0" smtClean="0">
+                <a:solidFill>
+                  <a:schemeClr val="bg1"/>
+                </a:solidFill>
+                <a:latin typeface="HY울릉도M" panose="02030600000101010101" pitchFamily="18" charset="-127"/>
+                <a:ea typeface="HY울릉도M" panose="02030600000101010101" pitchFamily="18" charset="-127"/>
+              </a:rPr>
+              <a:t>환경 설정</a:t>
+            </a:r>
+            <a:endParaRPr lang="ko-KR" altLang="en-US" sz="2800" dirty="0">
+              <a:solidFill>
+                <a:schemeClr val="bg1"/>
+              </a:solidFill>
+              <a:latin typeface="HY울릉도M" panose="02030600000101010101" pitchFamily="18" charset="-127"/>
+              <a:ea typeface="HY울릉도M" panose="02030600000101010101" pitchFamily="18" charset="-127"/>
+            </a:endParaRPr>
+          </a:p>
+        </p:txBody>
+      </p:sp>
+      <p:sp>
+        <p:nvSpPr>
+          <p:cNvPr id="61" name="TextBox 60"/>
+          <p:cNvSpPr txBox="1"/>
+          <p:nvPr/>
+        </p:nvSpPr>
+        <p:spPr>
+          <a:xfrm>
+            <a:off x="412556" y="5790187"/>
+            <a:ext cx="1859805" cy="415498"/>
+          </a:xfrm>
+          <a:prstGeom prst="rect">
+            <a:avLst/>
+          </a:prstGeom>
+          <a:noFill/>
+        </p:spPr>
+        <p:txBody>
+          <a:bodyPr wrap="none" rtlCol="0">
+            <a:spAutoFit/>
+          </a:bodyPr>
+          <a:lstStyle/>
+          <a:p>
+            <a:pPr algn="r">
+              <a:lnSpc>
+                <a:spcPct val="150000"/>
+              </a:lnSpc>
+            </a:pPr>
+            <a:r>
+              <a:rPr lang="ko-KR" altLang="en-US" sz="1400" dirty="0" smtClean="0">
+                <a:solidFill>
+                  <a:schemeClr val="bg1"/>
+                </a:solidFill>
+                <a:latin typeface="HY울릉도M" panose="02030600000101010101" pitchFamily="18" charset="-127"/>
+                <a:ea typeface="HY울릉도M" panose="02030600000101010101" pitchFamily="18" charset="-127"/>
+              </a:rPr>
+              <a:t>기기를 최적화합니다</a:t>
+            </a:r>
+            <a:endParaRPr lang="ko-KR" altLang="en-US" sz="1400" dirty="0">
+              <a:solidFill>
+                <a:schemeClr val="bg1"/>
+              </a:solidFill>
+              <a:latin typeface="HY울릉도M" panose="02030600000101010101" pitchFamily="18" charset="-127"/>
+              <a:ea typeface="HY울릉도M" panose="02030600000101010101" pitchFamily="18" charset="-127"/>
+            </a:endParaRPr>
+          </a:p>
+        </p:txBody>
+      </p:sp>
+      <p:pic>
+        <p:nvPicPr>
+          <p:cNvPr id="63" name="그림 62"/>
+          <p:cNvPicPr>
+            <a:picLocks noChangeAspect="1"/>
+          </p:cNvPicPr>
+          <p:nvPr/>
+        </p:nvPicPr>
+        <p:blipFill>
+          <a:blip r:embed="rId3" cstate="print">
+            <a:extLst>
+              <a:ext uri="{28A0092B-C50C-407E-A947-70E740481C1C}">
+                <a14:useLocalDpi xmlns:a14="http://schemas.microsoft.com/office/drawing/2010/main" val="0"/>
+              </a:ext>
+            </a:extLst>
+          </a:blip>
+          <a:stretch>
+            <a:fillRect/>
+          </a:stretch>
+        </p:blipFill>
+        <p:spPr>
+          <a:xfrm>
+            <a:off x="2418084" y="2582267"/>
+            <a:ext cx="802960" cy="802960"/>
+          </a:xfrm>
+          <a:prstGeom prst="rect">
+            <a:avLst/>
+          </a:prstGeom>
+        </p:spPr>
+      </p:pic>
+      <p:pic>
+        <p:nvPicPr>
+          <p:cNvPr id="64" name="그림 63"/>
+          <p:cNvPicPr>
+            <a:picLocks noChangeAspect="1"/>
+          </p:cNvPicPr>
+          <p:nvPr/>
+        </p:nvPicPr>
+        <p:blipFill>
+          <a:blip r:embed="rId4" cstate="print">
+            <a:extLst>
+              <a:ext uri="{28A0092B-C50C-407E-A947-70E740481C1C}">
+                <a14:useLocalDpi xmlns:a14="http://schemas.microsoft.com/office/drawing/2010/main" val="0"/>
+              </a:ext>
+            </a:extLst>
+          </a:blip>
+          <a:stretch>
+            <a:fillRect/>
+          </a:stretch>
+        </p:blipFill>
+        <p:spPr>
+          <a:xfrm>
+            <a:off x="2472286" y="4063025"/>
+            <a:ext cx="772431" cy="772431"/>
+          </a:xfrm>
+          <a:prstGeom prst="rect">
+            <a:avLst/>
+          </a:prstGeom>
+        </p:spPr>
+      </p:pic>
+      <p:pic>
+        <p:nvPicPr>
+          <p:cNvPr id="65" name="그림 64"/>
+          <p:cNvPicPr>
+            <a:picLocks noChangeAspect="1"/>
+          </p:cNvPicPr>
+          <p:nvPr/>
+        </p:nvPicPr>
+        <p:blipFill>
+          <a:blip r:embed="rId5" cstate="print">
+            <a:extLst>
+              <a:ext uri="{28A0092B-C50C-407E-A947-70E740481C1C}">
+                <a14:useLocalDpi xmlns:a14="http://schemas.microsoft.com/office/drawing/2010/main" val="0"/>
+              </a:ext>
+            </a:extLst>
+          </a:blip>
+          <a:stretch>
+            <a:fillRect/>
+          </a:stretch>
+        </p:blipFill>
+        <p:spPr>
+          <a:xfrm>
+            <a:off x="2464641" y="5495840"/>
+            <a:ext cx="709845" cy="709845"/>
+          </a:xfrm>
+          <a:prstGeom prst="rect">
+            <a:avLst/>
+          </a:prstGeom>
+        </p:spPr>
+      </p:pic>
+      <p:pic>
+        <p:nvPicPr>
+          <p:cNvPr id="68" name="그림 67"/>
+          <p:cNvPicPr>
+            <a:picLocks noChangeAspect="1"/>
+          </p:cNvPicPr>
+          <p:nvPr/>
+        </p:nvPicPr>
+        <p:blipFill>
+          <a:blip r:embed="rId6"/>
+          <a:stretch>
+            <a:fillRect/>
+          </a:stretch>
+        </p:blipFill>
+        <p:spPr>
+          <a:xfrm>
+            <a:off x="3541442" y="863017"/>
+            <a:ext cx="3114675" cy="4972050"/>
+          </a:xfrm>
+          <a:prstGeom prst="rect">
+            <a:avLst/>
+          </a:prstGeom>
+          <a:solidFill>
+            <a:schemeClr val="tx1"/>
+          </a:solidFill>
+        </p:spPr>
+      </p:pic>
+      <p:sp>
+        <p:nvSpPr>
+          <p:cNvPr id="3" name="직사각형 2"/>
+          <p:cNvSpPr/>
+          <p:nvPr/>
+        </p:nvSpPr>
+        <p:spPr>
+          <a:xfrm>
+            <a:off x="3541442" y="863017"/>
+            <a:ext cx="3114675" cy="4972050"/>
+          </a:xfrm>
+          <a:prstGeom prst="rect">
+            <a:avLst/>
+          </a:prstGeom>
+        </p:spPr>
+        <p:style>
+          <a:lnRef idx="2">
+            <a:schemeClr val="accent1">
+              <a:shade val="50000"/>
+            </a:schemeClr>
+          </a:lnRef>
+          <a:fillRef idx="1">
+            <a:schemeClr val="accent1"/>
+          </a:fillRef>
+          <a:effectRef idx="0">
+            <a:schemeClr val="accent1"/>
+          </a:effectRef>
+          <a:fontRef idx="minor">
+            <a:schemeClr val="lt1"/>
+          </a:fontRef>
+        </p:style>
+        <p:txBody>
+          <a:bodyPr rtlCol="0" anchor="ctr"/>
+          <a:lstStyle/>
+          <a:p>
+            <a:pPr algn="ctr"/>
+            <a:endParaRPr lang="ko-KR" altLang="en-US"/>
+          </a:p>
+        </p:txBody>
+      </p:sp>
+      <p:sp>
+        <p:nvSpPr>
+          <p:cNvPr id="28" name="직사각형 27"/>
+          <p:cNvSpPr/>
+          <p:nvPr/>
+        </p:nvSpPr>
+        <p:spPr>
+          <a:xfrm>
+            <a:off x="3541440" y="880277"/>
+            <a:ext cx="3114676" cy="1242000"/>
+          </a:xfrm>
+          <a:prstGeom prst="rect">
+            <a:avLst/>
+          </a:prstGeom>
+          <a:gradFill flip="none" rotWithShape="1">
+            <a:gsLst>
+              <a:gs pos="0">
+                <a:srgbClr val="21B0E2">
+                  <a:alpha val="85000"/>
+                </a:srgbClr>
+              </a:gs>
+              <a:gs pos="40000">
+                <a:srgbClr val="0BA7DA"/>
+              </a:gs>
+            </a:gsLst>
+            <a:lin ang="10800000" scaled="1"/>
+            <a:tileRect/>
+          </a:gradFill>
+          <a:ln>
+            <a:noFill/>
+          </a:ln>
+        </p:spPr>
+        <p:style>
+          <a:lnRef idx="2">
+            <a:schemeClr val="accent1">
+              <a:shade val="50000"/>
+            </a:schemeClr>
+          </a:lnRef>
+          <a:fillRef idx="1">
+            <a:schemeClr val="accent1"/>
+          </a:fillRef>
+          <a:effectRef idx="0">
+            <a:schemeClr val="accent1"/>
+          </a:effectRef>
+          <a:fontRef idx="minor">
+            <a:schemeClr val="lt1"/>
+          </a:fontRef>
+        </p:style>
+        <p:txBody>
+          <a:bodyPr rtlCol="0" anchor="ctr"/>
+          <a:lstStyle/>
+          <a:p>
+            <a:pPr algn="ctr"/>
+            <a:endParaRPr lang="ko-KR" altLang="en-US"/>
+          </a:p>
+        </p:txBody>
+      </p:sp>
+      <p:sp>
+        <p:nvSpPr>
+          <p:cNvPr id="29" name="직사각형 28"/>
+          <p:cNvSpPr/>
+          <p:nvPr/>
+        </p:nvSpPr>
+        <p:spPr>
+          <a:xfrm>
+            <a:off x="3541439" y="2122277"/>
+            <a:ext cx="3114000" cy="1242000"/>
+          </a:xfrm>
+          <a:prstGeom prst="rect">
+            <a:avLst/>
+          </a:prstGeom>
+          <a:gradFill flip="none" rotWithShape="1">
+            <a:gsLst>
+              <a:gs pos="0">
+                <a:srgbClr val="5557AA">
+                  <a:alpha val="85000"/>
+                </a:srgbClr>
+              </a:gs>
+              <a:gs pos="40000">
+                <a:srgbClr val="5153AA"/>
+              </a:gs>
+            </a:gsLst>
+            <a:lin ang="10800000" scaled="1"/>
+            <a:tileRect/>
+          </a:gradFill>
+          <a:ln>
+            <a:noFill/>
+          </a:ln>
+        </p:spPr>
+        <p:style>
+          <a:lnRef idx="2">
+            <a:schemeClr val="accent1">
+              <a:shade val="50000"/>
+            </a:schemeClr>
+          </a:lnRef>
+          <a:fillRef idx="1">
+            <a:schemeClr val="accent1"/>
+          </a:fillRef>
+          <a:effectRef idx="0">
+            <a:schemeClr val="accent1"/>
+          </a:effectRef>
+          <a:fontRef idx="minor">
+            <a:schemeClr val="lt1"/>
+          </a:fontRef>
+        </p:style>
+        <p:txBody>
+          <a:bodyPr rtlCol="0" anchor="ctr"/>
+          <a:lstStyle/>
+          <a:p>
+            <a:pPr algn="ctr"/>
+            <a:endParaRPr lang="ko-KR" altLang="en-US"/>
+          </a:p>
+        </p:txBody>
+      </p:sp>
+      <p:sp>
+        <p:nvSpPr>
+          <p:cNvPr id="30" name="직사각형 29"/>
+          <p:cNvSpPr/>
+          <p:nvPr/>
+        </p:nvSpPr>
+        <p:spPr>
+          <a:xfrm>
+            <a:off x="3541439" y="3364277"/>
+            <a:ext cx="3114000" cy="1242000"/>
+          </a:xfrm>
+          <a:prstGeom prst="rect">
+            <a:avLst/>
+          </a:prstGeom>
+          <a:gradFill flip="none" rotWithShape="1">
+            <a:gsLst>
+              <a:gs pos="0">
+                <a:srgbClr val="E979BF">
+                  <a:alpha val="85000"/>
+                </a:srgbClr>
+              </a:gs>
+              <a:gs pos="40000">
+                <a:srgbClr val="E878C0"/>
+              </a:gs>
+            </a:gsLst>
+            <a:lin ang="10800000" scaled="1"/>
+            <a:tileRect/>
+          </a:gradFill>
+          <a:ln>
+            <a:noFill/>
+          </a:ln>
+        </p:spPr>
+        <p:style>
+          <a:lnRef idx="2">
+            <a:schemeClr val="accent1">
+              <a:shade val="50000"/>
+            </a:schemeClr>
+          </a:lnRef>
+          <a:fillRef idx="1">
+            <a:schemeClr val="accent1"/>
+          </a:fillRef>
+          <a:effectRef idx="0">
+            <a:schemeClr val="accent1"/>
+          </a:effectRef>
+          <a:fontRef idx="minor">
+            <a:schemeClr val="lt1"/>
+          </a:fontRef>
+        </p:style>
+        <p:txBody>
+          <a:bodyPr rtlCol="0" anchor="ctr"/>
+          <a:lstStyle/>
+          <a:p>
+            <a:pPr algn="ctr"/>
+            <a:endParaRPr lang="ko-KR" altLang="en-US"/>
+          </a:p>
+        </p:txBody>
+      </p:sp>
+      <p:sp>
+        <p:nvSpPr>
+          <p:cNvPr id="31" name="직사각형 30"/>
+          <p:cNvSpPr/>
+          <p:nvPr/>
+        </p:nvSpPr>
+        <p:spPr>
+          <a:xfrm>
+            <a:off x="3541439" y="4593067"/>
+            <a:ext cx="3114000" cy="1242000"/>
+          </a:xfrm>
+          <a:prstGeom prst="rect">
+            <a:avLst/>
+          </a:prstGeom>
+          <a:gradFill flip="none" rotWithShape="1">
+            <a:gsLst>
+              <a:gs pos="0">
+                <a:srgbClr val="F2684C">
+                  <a:alpha val="85000"/>
+                </a:srgbClr>
+              </a:gs>
+              <a:gs pos="40000">
+                <a:srgbClr val="F46A4E"/>
+              </a:gs>
+            </a:gsLst>
+            <a:lin ang="10800000" scaled="1"/>
+            <a:tileRect/>
+          </a:gradFill>
+          <a:ln>
+            <a:noFill/>
+          </a:ln>
+        </p:spPr>
+        <p:style>
+          <a:lnRef idx="2">
+            <a:schemeClr val="accent1">
+              <a:shade val="50000"/>
+            </a:schemeClr>
+          </a:lnRef>
+          <a:fillRef idx="1">
+            <a:schemeClr val="accent1"/>
+          </a:fillRef>
+          <a:effectRef idx="0">
+            <a:schemeClr val="accent1"/>
+          </a:effectRef>
+          <a:fontRef idx="minor">
+            <a:schemeClr val="lt1"/>
+          </a:fontRef>
+        </p:style>
+        <p:txBody>
+          <a:bodyPr rtlCol="0" anchor="ctr"/>
+          <a:lstStyle/>
+          <a:p>
+            <a:pPr algn="ctr"/>
+            <a:endParaRPr lang="ko-KR" altLang="en-US"/>
+          </a:p>
+        </p:txBody>
+      </p:sp>
+      <p:sp>
+        <p:nvSpPr>
+          <p:cNvPr id="33" name="TextBox 32"/>
+          <p:cNvSpPr txBox="1"/>
+          <p:nvPr/>
+        </p:nvSpPr>
+        <p:spPr>
+          <a:xfrm>
+            <a:off x="3642355" y="967482"/>
+            <a:ext cx="1518364" cy="461665"/>
+          </a:xfrm>
+          <a:prstGeom prst="rect">
+            <a:avLst/>
+          </a:prstGeom>
+          <a:noFill/>
+        </p:spPr>
+        <p:txBody>
+          <a:bodyPr wrap="none" rtlCol="0">
+            <a:spAutoFit/>
+          </a:bodyPr>
+          <a:lstStyle/>
+          <a:p>
+            <a:r>
+              <a:rPr lang="ko-KR" altLang="en-US" sz="2400" dirty="0" smtClean="0">
+                <a:solidFill>
+                  <a:schemeClr val="bg1"/>
+                </a:solidFill>
+                <a:latin typeface="HY울릉도M" panose="02030600000101010101" pitchFamily="18" charset="-127"/>
+                <a:ea typeface="HY울릉도M" panose="02030600000101010101" pitchFamily="18" charset="-127"/>
+              </a:rPr>
+              <a:t>가상 면접</a:t>
+            </a:r>
+            <a:endParaRPr lang="ko-KR" altLang="en-US" sz="2400" dirty="0">
+              <a:solidFill>
+                <a:schemeClr val="bg1"/>
+              </a:solidFill>
+              <a:latin typeface="HY울릉도M" panose="02030600000101010101" pitchFamily="18" charset="-127"/>
+              <a:ea typeface="HY울릉도M" panose="02030600000101010101" pitchFamily="18" charset="-127"/>
+            </a:endParaRPr>
+          </a:p>
+        </p:txBody>
+      </p:sp>
+      <p:sp>
+        <p:nvSpPr>
+          <p:cNvPr id="34" name="TextBox 33"/>
+          <p:cNvSpPr txBox="1"/>
+          <p:nvPr/>
+        </p:nvSpPr>
+        <p:spPr>
+          <a:xfrm>
+            <a:off x="3793322" y="1434029"/>
+            <a:ext cx="1980030" cy="646331"/>
+          </a:xfrm>
+          <a:prstGeom prst="rect">
+            <a:avLst/>
+          </a:prstGeom>
+          <a:noFill/>
+        </p:spPr>
+        <p:txBody>
+          <a:bodyPr wrap="none" rtlCol="0">
+            <a:spAutoFit/>
+          </a:bodyPr>
+          <a:lstStyle/>
+          <a:p>
+            <a:pPr algn="r">
+              <a:lnSpc>
+                <a:spcPct val="150000"/>
+              </a:lnSpc>
+            </a:pPr>
+            <a:r>
+              <a:rPr lang="en-US" altLang="ko-KR" sz="1200" dirty="0" smtClean="0">
+                <a:solidFill>
+                  <a:schemeClr val="bg1"/>
+                </a:solidFill>
+                <a:latin typeface="HY울릉도M" panose="02030600000101010101" pitchFamily="18" charset="-127"/>
+                <a:ea typeface="HY울릉도M" panose="02030600000101010101" pitchFamily="18" charset="-127"/>
+              </a:rPr>
+              <a:t>AI </a:t>
+            </a:r>
+            <a:r>
+              <a:rPr lang="ko-KR" altLang="en-US" sz="1200" dirty="0" err="1" smtClean="0">
+                <a:solidFill>
+                  <a:schemeClr val="bg1"/>
+                </a:solidFill>
+                <a:latin typeface="HY울릉도M" panose="02030600000101010101" pitchFamily="18" charset="-127"/>
+                <a:ea typeface="HY울릉도M" panose="02030600000101010101" pitchFamily="18" charset="-127"/>
+              </a:rPr>
+              <a:t>면접관과</a:t>
+            </a:r>
+            <a:r>
+              <a:rPr lang="ko-KR" altLang="en-US" sz="1200" dirty="0" smtClean="0">
+                <a:solidFill>
+                  <a:schemeClr val="bg1"/>
+                </a:solidFill>
+                <a:latin typeface="HY울릉도M" panose="02030600000101010101" pitchFamily="18" charset="-127"/>
+                <a:ea typeface="HY울릉도M" panose="02030600000101010101" pitchFamily="18" charset="-127"/>
+              </a:rPr>
+              <a:t> 함께</a:t>
+            </a:r>
+            <a:endParaRPr lang="en-US" altLang="ko-KR" sz="1200" dirty="0" smtClean="0">
+              <a:solidFill>
+                <a:schemeClr val="bg1"/>
+              </a:solidFill>
+              <a:latin typeface="HY울릉도M" panose="02030600000101010101" pitchFamily="18" charset="-127"/>
+              <a:ea typeface="HY울릉도M" panose="02030600000101010101" pitchFamily="18" charset="-127"/>
+            </a:endParaRPr>
+          </a:p>
+          <a:p>
+            <a:pPr algn="r">
+              <a:lnSpc>
+                <a:spcPct val="150000"/>
+              </a:lnSpc>
+            </a:pPr>
+            <a:r>
+              <a:rPr lang="ko-KR" altLang="en-US" sz="1200" dirty="0" smtClean="0">
+                <a:solidFill>
+                  <a:schemeClr val="bg1"/>
+                </a:solidFill>
+                <a:latin typeface="HY울릉도M" panose="02030600000101010101" pitchFamily="18" charset="-127"/>
+                <a:ea typeface="HY울릉도M" panose="02030600000101010101" pitchFamily="18" charset="-127"/>
+              </a:rPr>
+              <a:t>가상 면접을 시작해보세요</a:t>
+            </a:r>
+            <a:endParaRPr lang="en-US" altLang="ko-KR" sz="1200" dirty="0" smtClean="0">
+              <a:solidFill>
+                <a:schemeClr val="bg1"/>
+              </a:solidFill>
+              <a:latin typeface="HY울릉도M" panose="02030600000101010101" pitchFamily="18" charset="-127"/>
+              <a:ea typeface="HY울릉도M" panose="02030600000101010101" pitchFamily="18" charset="-127"/>
+            </a:endParaRPr>
+          </a:p>
+        </p:txBody>
+      </p:sp>
+      <p:pic>
+        <p:nvPicPr>
+          <p:cNvPr id="35" name="그림 34"/>
+          <p:cNvPicPr>
+            <a:picLocks noChangeAspect="1"/>
+          </p:cNvPicPr>
+          <p:nvPr/>
+        </p:nvPicPr>
+        <p:blipFill>
+          <a:blip r:embed="rId7" cstate="print">
+            <a:extLst>
+              <a:ext uri="{28A0092B-C50C-407E-A947-70E740481C1C}">
+                <a14:useLocalDpi xmlns:a14="http://schemas.microsoft.com/office/drawing/2010/main" val="0"/>
+              </a:ext>
+            </a:extLst>
+          </a:blip>
+          <a:stretch>
+            <a:fillRect/>
+          </a:stretch>
+        </p:blipFill>
+        <p:spPr>
+          <a:xfrm>
+            <a:off x="5918290" y="1256795"/>
+            <a:ext cx="545305" cy="545305"/>
+          </a:xfrm>
+          <a:prstGeom prst="rect">
+            <a:avLst/>
+          </a:prstGeom>
+        </p:spPr>
+      </p:pic>
+      <p:sp>
+        <p:nvSpPr>
+          <p:cNvPr id="36" name="TextBox 35"/>
+          <p:cNvSpPr txBox="1"/>
+          <p:nvPr/>
+        </p:nvSpPr>
+        <p:spPr>
+          <a:xfrm>
+            <a:off x="3642355" y="2185810"/>
+            <a:ext cx="1518364" cy="461665"/>
+          </a:xfrm>
+          <a:prstGeom prst="rect">
+            <a:avLst/>
+          </a:prstGeom>
+          <a:noFill/>
+        </p:spPr>
+        <p:txBody>
+          <a:bodyPr wrap="none" rtlCol="0">
+            <a:spAutoFit/>
+          </a:bodyPr>
+          <a:lstStyle/>
+          <a:p>
+            <a:r>
+              <a:rPr lang="ko-KR" altLang="en-US" sz="2400" dirty="0" smtClean="0">
+                <a:solidFill>
+                  <a:schemeClr val="bg1"/>
+                </a:solidFill>
+                <a:latin typeface="HY울릉도M" panose="02030600000101010101" pitchFamily="18" charset="-127"/>
+                <a:ea typeface="HY울릉도M" panose="02030600000101010101" pitchFamily="18" charset="-127"/>
+              </a:rPr>
+              <a:t>면접 결과</a:t>
+            </a:r>
+            <a:endParaRPr lang="ko-KR" altLang="en-US" sz="2400" dirty="0">
+              <a:solidFill>
+                <a:schemeClr val="bg1"/>
+              </a:solidFill>
+              <a:latin typeface="HY울릉도M" panose="02030600000101010101" pitchFamily="18" charset="-127"/>
+              <a:ea typeface="HY울릉도M" panose="02030600000101010101" pitchFamily="18" charset="-127"/>
+            </a:endParaRPr>
+          </a:p>
+        </p:txBody>
+      </p:sp>
+      <p:sp>
+        <p:nvSpPr>
+          <p:cNvPr id="37" name="TextBox 36"/>
+          <p:cNvSpPr txBox="1"/>
+          <p:nvPr/>
+        </p:nvSpPr>
+        <p:spPr>
+          <a:xfrm>
+            <a:off x="4049803" y="2659149"/>
+            <a:ext cx="1723549" cy="603242"/>
+          </a:xfrm>
+          <a:prstGeom prst="rect">
+            <a:avLst/>
+          </a:prstGeom>
+          <a:noFill/>
+        </p:spPr>
+        <p:txBody>
+          <a:bodyPr wrap="none" rtlCol="0">
+            <a:spAutoFit/>
+          </a:bodyPr>
+          <a:lstStyle/>
+          <a:p>
+            <a:pPr algn="r">
+              <a:lnSpc>
+                <a:spcPct val="150000"/>
+              </a:lnSpc>
+            </a:pPr>
+            <a:r>
+              <a:rPr lang="ko-KR" altLang="en-US" sz="1200" dirty="0" smtClean="0">
+                <a:solidFill>
+                  <a:schemeClr val="bg1"/>
+                </a:solidFill>
+                <a:latin typeface="HY울릉도M" panose="02030600000101010101" pitchFamily="18" charset="-127"/>
+                <a:ea typeface="HY울릉도M" panose="02030600000101010101" pitchFamily="18" charset="-127"/>
+              </a:rPr>
+              <a:t>가상 면접 결과를</a:t>
+            </a:r>
+            <a:endParaRPr lang="en-US" altLang="ko-KR" sz="1200" dirty="0" smtClean="0">
+              <a:solidFill>
+                <a:schemeClr val="bg1"/>
+              </a:solidFill>
+              <a:latin typeface="HY울릉도M" panose="02030600000101010101" pitchFamily="18" charset="-127"/>
+              <a:ea typeface="HY울릉도M" panose="02030600000101010101" pitchFamily="18" charset="-127"/>
+            </a:endParaRPr>
+          </a:p>
+          <a:p>
+            <a:pPr algn="r">
+              <a:lnSpc>
+                <a:spcPct val="150000"/>
+              </a:lnSpc>
+            </a:pPr>
+            <a:r>
+              <a:rPr lang="ko-KR" altLang="en-US" sz="1200" dirty="0" smtClean="0">
+                <a:solidFill>
+                  <a:schemeClr val="bg1"/>
+                </a:solidFill>
+                <a:latin typeface="HY울릉도M" panose="02030600000101010101" pitchFamily="18" charset="-127"/>
+                <a:ea typeface="HY울릉도M" panose="02030600000101010101" pitchFamily="18" charset="-127"/>
+              </a:rPr>
+              <a:t>다시 확인할 수 있어요</a:t>
+            </a:r>
+            <a:endParaRPr lang="ko-KR" altLang="en-US" sz="1200" dirty="0">
+              <a:solidFill>
+                <a:schemeClr val="bg1"/>
+              </a:solidFill>
+              <a:latin typeface="HY울릉도M" panose="02030600000101010101" pitchFamily="18" charset="-127"/>
+              <a:ea typeface="HY울릉도M" panose="02030600000101010101" pitchFamily="18" charset="-127"/>
+            </a:endParaRPr>
+          </a:p>
+        </p:txBody>
+      </p:sp>
+      <p:sp>
+        <p:nvSpPr>
+          <p:cNvPr id="38" name="TextBox 37"/>
+          <p:cNvSpPr txBox="1"/>
+          <p:nvPr/>
+        </p:nvSpPr>
+        <p:spPr>
+          <a:xfrm>
+            <a:off x="3642355" y="3453621"/>
+            <a:ext cx="1518364" cy="461665"/>
+          </a:xfrm>
+          <a:prstGeom prst="rect">
+            <a:avLst/>
+          </a:prstGeom>
+          <a:noFill/>
+        </p:spPr>
+        <p:txBody>
+          <a:bodyPr wrap="none" rtlCol="0">
+            <a:spAutoFit/>
+          </a:bodyPr>
+          <a:lstStyle/>
+          <a:p>
+            <a:r>
+              <a:rPr lang="ko-KR" altLang="en-US" sz="2400" dirty="0" smtClean="0">
+                <a:solidFill>
+                  <a:schemeClr val="bg1"/>
+                </a:solidFill>
+                <a:latin typeface="HY울릉도M" panose="02030600000101010101" pitchFamily="18" charset="-127"/>
+                <a:ea typeface="HY울릉도M" panose="02030600000101010101" pitchFamily="18" charset="-127"/>
+              </a:rPr>
+              <a:t>면접 문제</a:t>
+            </a:r>
+            <a:endParaRPr lang="ko-KR" altLang="en-US" sz="2400" dirty="0">
+              <a:solidFill>
+                <a:schemeClr val="bg1"/>
+              </a:solidFill>
+              <a:latin typeface="HY울릉도M" panose="02030600000101010101" pitchFamily="18" charset="-127"/>
+              <a:ea typeface="HY울릉도M" panose="02030600000101010101" pitchFamily="18" charset="-127"/>
+            </a:endParaRPr>
+          </a:p>
+        </p:txBody>
+      </p:sp>
+      <p:sp>
+        <p:nvSpPr>
+          <p:cNvPr id="40" name="TextBox 39"/>
+          <p:cNvSpPr txBox="1"/>
+          <p:nvPr/>
+        </p:nvSpPr>
+        <p:spPr>
+          <a:xfrm>
+            <a:off x="4033407" y="3905900"/>
+            <a:ext cx="1720343" cy="603242"/>
+          </a:xfrm>
+          <a:prstGeom prst="rect">
+            <a:avLst/>
+          </a:prstGeom>
+          <a:noFill/>
+        </p:spPr>
+        <p:txBody>
+          <a:bodyPr wrap="none" rtlCol="0">
+            <a:spAutoFit/>
+          </a:bodyPr>
+          <a:lstStyle/>
+          <a:p>
+            <a:pPr algn="r">
+              <a:lnSpc>
+                <a:spcPct val="150000"/>
+              </a:lnSpc>
+            </a:pPr>
+            <a:r>
+              <a:rPr lang="ko-KR" altLang="en-US" sz="1200" dirty="0" smtClean="0">
+                <a:solidFill>
+                  <a:schemeClr val="bg1"/>
+                </a:solidFill>
+                <a:latin typeface="HY울릉도M" panose="02030600000101010101" pitchFamily="18" charset="-127"/>
+                <a:ea typeface="HY울릉도M" panose="02030600000101010101" pitchFamily="18" charset="-127"/>
+              </a:rPr>
+              <a:t>가상 면접을 위한</a:t>
+            </a:r>
+            <a:endParaRPr lang="en-US" altLang="ko-KR" sz="1200" dirty="0" smtClean="0">
+              <a:solidFill>
+                <a:schemeClr val="bg1"/>
+              </a:solidFill>
+              <a:latin typeface="HY울릉도M" panose="02030600000101010101" pitchFamily="18" charset="-127"/>
+              <a:ea typeface="HY울릉도M" panose="02030600000101010101" pitchFamily="18" charset="-127"/>
+            </a:endParaRPr>
+          </a:p>
+          <a:p>
+            <a:pPr algn="r">
+              <a:lnSpc>
+                <a:spcPct val="150000"/>
+              </a:lnSpc>
+            </a:pPr>
+            <a:r>
+              <a:rPr lang="ko-KR" altLang="en-US" sz="1200" dirty="0" smtClean="0">
+                <a:solidFill>
+                  <a:schemeClr val="bg1"/>
+                </a:solidFill>
+                <a:latin typeface="HY울릉도M" panose="02030600000101010101" pitchFamily="18" charset="-127"/>
+                <a:ea typeface="HY울릉도M" panose="02030600000101010101" pitchFamily="18" charset="-127"/>
+              </a:rPr>
+              <a:t>문제 </a:t>
+            </a:r>
+            <a:r>
+              <a:rPr lang="en-US" altLang="ko-KR" sz="1200" dirty="0" smtClean="0">
+                <a:solidFill>
+                  <a:schemeClr val="bg1"/>
+                </a:solidFill>
+                <a:latin typeface="HY울릉도M" panose="02030600000101010101" pitchFamily="18" charset="-127"/>
+                <a:ea typeface="HY울릉도M" panose="02030600000101010101" pitchFamily="18" charset="-127"/>
+              </a:rPr>
+              <a:t>DB</a:t>
+            </a:r>
+            <a:r>
+              <a:rPr lang="ko-KR" altLang="en-US" sz="1200" dirty="0" smtClean="0">
+                <a:solidFill>
+                  <a:schemeClr val="bg1"/>
+                </a:solidFill>
+                <a:latin typeface="HY울릉도M" panose="02030600000101010101" pitchFamily="18" charset="-127"/>
+                <a:ea typeface="HY울릉도M" panose="02030600000101010101" pitchFamily="18" charset="-127"/>
+              </a:rPr>
+              <a:t>를 확인하세요</a:t>
+            </a:r>
+            <a:endParaRPr lang="ko-KR" altLang="en-US" sz="1200" dirty="0">
+              <a:solidFill>
+                <a:schemeClr val="bg1"/>
+              </a:solidFill>
+              <a:latin typeface="HY울릉도M" panose="02030600000101010101" pitchFamily="18" charset="-127"/>
+              <a:ea typeface="HY울릉도M" panose="02030600000101010101" pitchFamily="18" charset="-127"/>
+            </a:endParaRPr>
+          </a:p>
+        </p:txBody>
+      </p:sp>
+      <p:sp>
+        <p:nvSpPr>
+          <p:cNvPr id="41" name="TextBox 40"/>
+          <p:cNvSpPr txBox="1"/>
+          <p:nvPr/>
+        </p:nvSpPr>
+        <p:spPr>
+          <a:xfrm>
+            <a:off x="3642355" y="4709696"/>
+            <a:ext cx="1518364" cy="461665"/>
+          </a:xfrm>
+          <a:prstGeom prst="rect">
+            <a:avLst/>
+          </a:prstGeom>
+          <a:noFill/>
+        </p:spPr>
+        <p:txBody>
+          <a:bodyPr wrap="none" rtlCol="0">
+            <a:spAutoFit/>
+          </a:bodyPr>
+          <a:lstStyle/>
+          <a:p>
+            <a:r>
+              <a:rPr lang="ko-KR" altLang="en-US" sz="2400" dirty="0" smtClean="0">
+                <a:solidFill>
+                  <a:schemeClr val="bg1"/>
+                </a:solidFill>
+                <a:latin typeface="HY울릉도M" panose="02030600000101010101" pitchFamily="18" charset="-127"/>
+                <a:ea typeface="HY울릉도M" panose="02030600000101010101" pitchFamily="18" charset="-127"/>
+              </a:rPr>
+              <a:t>환경 설정</a:t>
+            </a:r>
+            <a:endParaRPr lang="ko-KR" altLang="en-US" sz="2400" dirty="0">
+              <a:solidFill>
+                <a:schemeClr val="bg1"/>
+              </a:solidFill>
+              <a:latin typeface="HY울릉도M" panose="02030600000101010101" pitchFamily="18" charset="-127"/>
+              <a:ea typeface="HY울릉도M" panose="02030600000101010101" pitchFamily="18" charset="-127"/>
+            </a:endParaRPr>
+          </a:p>
+        </p:txBody>
+      </p:sp>
+      <p:sp>
+        <p:nvSpPr>
+          <p:cNvPr id="42" name="TextBox 41"/>
+          <p:cNvSpPr txBox="1"/>
+          <p:nvPr/>
+        </p:nvSpPr>
+        <p:spPr>
+          <a:xfrm>
+            <a:off x="4162258" y="5181400"/>
+            <a:ext cx="1620957" cy="326243"/>
+          </a:xfrm>
+          <a:prstGeom prst="rect">
+            <a:avLst/>
+          </a:prstGeom>
+          <a:noFill/>
+        </p:spPr>
+        <p:txBody>
+          <a:bodyPr wrap="none" rtlCol="0">
+            <a:spAutoFit/>
+          </a:bodyPr>
+          <a:lstStyle/>
+          <a:p>
+            <a:pPr algn="r">
+              <a:lnSpc>
+                <a:spcPct val="150000"/>
+              </a:lnSpc>
+            </a:pPr>
+            <a:r>
+              <a:rPr lang="ko-KR" altLang="en-US" sz="1200" dirty="0" smtClean="0">
+                <a:solidFill>
+                  <a:schemeClr val="bg1"/>
+                </a:solidFill>
+                <a:latin typeface="HY울릉도M" panose="02030600000101010101" pitchFamily="18" charset="-127"/>
+                <a:ea typeface="HY울릉도M" panose="02030600000101010101" pitchFamily="18" charset="-127"/>
+              </a:rPr>
+              <a:t>기기를 최적화합니다</a:t>
+            </a:r>
+            <a:endParaRPr lang="ko-KR" altLang="en-US" sz="1200" dirty="0">
+              <a:solidFill>
+                <a:schemeClr val="bg1"/>
+              </a:solidFill>
+              <a:latin typeface="HY울릉도M" panose="02030600000101010101" pitchFamily="18" charset="-127"/>
+              <a:ea typeface="HY울릉도M" panose="02030600000101010101" pitchFamily="18" charset="-127"/>
+            </a:endParaRPr>
+          </a:p>
+        </p:txBody>
+      </p:sp>
+      <p:pic>
+        <p:nvPicPr>
+          <p:cNvPr id="45" name="그림 44"/>
+          <p:cNvPicPr>
+            <a:picLocks noChangeAspect="1"/>
+          </p:cNvPicPr>
+          <p:nvPr/>
+        </p:nvPicPr>
+        <p:blipFill>
+          <a:blip r:embed="rId8" cstate="print">
+            <a:extLst>
+              <a:ext uri="{28A0092B-C50C-407E-A947-70E740481C1C}">
+                <a14:useLocalDpi xmlns:a14="http://schemas.microsoft.com/office/drawing/2010/main" val="0"/>
+              </a:ext>
+            </a:extLst>
+          </a:blip>
+          <a:stretch>
+            <a:fillRect/>
+          </a:stretch>
+        </p:blipFill>
+        <p:spPr>
+          <a:xfrm>
+            <a:off x="5918290" y="2474337"/>
+            <a:ext cx="585905" cy="585905"/>
+          </a:xfrm>
+          <a:prstGeom prst="rect">
+            <a:avLst/>
+          </a:prstGeom>
+        </p:spPr>
+      </p:pic>
+      <p:pic>
+        <p:nvPicPr>
+          <p:cNvPr id="47" name="그림 46"/>
+          <p:cNvPicPr>
+            <a:picLocks noChangeAspect="1"/>
+          </p:cNvPicPr>
+          <p:nvPr/>
+        </p:nvPicPr>
+        <p:blipFill>
+          <a:blip r:embed="rId9" cstate="print">
+            <a:extLst>
+              <a:ext uri="{28A0092B-C50C-407E-A947-70E740481C1C}">
+                <a14:useLocalDpi xmlns:a14="http://schemas.microsoft.com/office/drawing/2010/main" val="0"/>
+              </a:ext>
+            </a:extLst>
+          </a:blip>
+          <a:stretch>
+            <a:fillRect/>
+          </a:stretch>
+        </p:blipFill>
+        <p:spPr>
+          <a:xfrm>
+            <a:off x="5960539" y="3718993"/>
+            <a:ext cx="565915" cy="565915"/>
+          </a:xfrm>
+          <a:prstGeom prst="rect">
+            <a:avLst/>
+          </a:prstGeom>
+        </p:spPr>
+      </p:pic>
+      <p:pic>
+        <p:nvPicPr>
+          <p:cNvPr id="48" name="그림 47"/>
+          <p:cNvPicPr>
+            <a:picLocks noChangeAspect="1"/>
+          </p:cNvPicPr>
+          <p:nvPr/>
+        </p:nvPicPr>
+        <p:blipFill>
+          <a:blip r:embed="rId10" cstate="print">
+            <a:extLst>
+              <a:ext uri="{28A0092B-C50C-407E-A947-70E740481C1C}">
+                <a14:useLocalDpi xmlns:a14="http://schemas.microsoft.com/office/drawing/2010/main" val="0"/>
+              </a:ext>
+            </a:extLst>
+          </a:blip>
+          <a:stretch>
+            <a:fillRect/>
+          </a:stretch>
+        </p:blipFill>
+        <p:spPr>
+          <a:xfrm>
+            <a:off x="5960539" y="4999749"/>
+            <a:ext cx="526907" cy="526907"/>
+          </a:xfrm>
+          <a:prstGeom prst="rect">
+            <a:avLst/>
+          </a:prstGeom>
+        </p:spPr>
+      </p:pic>
+      <p:pic>
+        <p:nvPicPr>
+          <p:cNvPr id="50" name="그림 49"/>
+          <p:cNvPicPr>
+            <a:picLocks noChangeAspect="1"/>
+          </p:cNvPicPr>
+          <p:nvPr/>
+        </p:nvPicPr>
+        <p:blipFill>
+          <a:blip r:embed="rId6"/>
+          <a:stretch>
+            <a:fillRect/>
+          </a:stretch>
+        </p:blipFill>
+        <p:spPr>
+          <a:xfrm>
+            <a:off x="7323707" y="845757"/>
+            <a:ext cx="3114675" cy="4972050"/>
+          </a:xfrm>
+          <a:prstGeom prst="rect">
+            <a:avLst/>
+          </a:prstGeom>
+          <a:solidFill>
+            <a:schemeClr val="tx1"/>
+          </a:solidFill>
+        </p:spPr>
+      </p:pic>
+      <p:sp>
+        <p:nvSpPr>
+          <p:cNvPr id="56" name="직사각형 55"/>
+          <p:cNvSpPr/>
+          <p:nvPr/>
+        </p:nvSpPr>
+        <p:spPr>
+          <a:xfrm>
+            <a:off x="7323707" y="845757"/>
+            <a:ext cx="3114675" cy="4972050"/>
+          </a:xfrm>
+          <a:prstGeom prst="rect">
+            <a:avLst/>
+          </a:prstGeom>
+        </p:spPr>
+        <p:style>
+          <a:lnRef idx="2">
+            <a:schemeClr val="accent1">
+              <a:shade val="50000"/>
+            </a:schemeClr>
+          </a:lnRef>
+          <a:fillRef idx="1">
+            <a:schemeClr val="accent1"/>
+          </a:fillRef>
+          <a:effectRef idx="0">
+            <a:schemeClr val="accent1"/>
+          </a:effectRef>
+          <a:fontRef idx="minor">
+            <a:schemeClr val="lt1"/>
+          </a:fontRef>
+        </p:style>
+        <p:txBody>
+          <a:bodyPr rtlCol="0" anchor="ctr"/>
+          <a:lstStyle/>
+          <a:p>
+            <a:pPr algn="ctr"/>
+            <a:endParaRPr lang="ko-KR" altLang="en-US"/>
+          </a:p>
+        </p:txBody>
+      </p:sp>
+      <p:sp>
+        <p:nvSpPr>
+          <p:cNvPr id="59" name="직사각형 58"/>
+          <p:cNvSpPr/>
+          <p:nvPr/>
+        </p:nvSpPr>
+        <p:spPr>
+          <a:xfrm>
+            <a:off x="7323705" y="863017"/>
+            <a:ext cx="3114676" cy="1242000"/>
+          </a:xfrm>
+          <a:prstGeom prst="rect">
+            <a:avLst/>
+          </a:prstGeom>
+          <a:gradFill flip="none" rotWithShape="1">
+            <a:gsLst>
+              <a:gs pos="0">
+                <a:srgbClr val="21B0E2">
+                  <a:alpha val="85000"/>
+                </a:srgbClr>
+              </a:gs>
+              <a:gs pos="40000">
+                <a:srgbClr val="0A9ECC"/>
+              </a:gs>
+            </a:gsLst>
+            <a:lin ang="10800000" scaled="1"/>
+            <a:tileRect/>
+          </a:gradFill>
+          <a:ln>
+            <a:noFill/>
+          </a:ln>
+        </p:spPr>
+        <p:style>
+          <a:lnRef idx="2">
+            <a:schemeClr val="accent1">
+              <a:shade val="50000"/>
+            </a:schemeClr>
+          </a:lnRef>
+          <a:fillRef idx="1">
+            <a:schemeClr val="accent1"/>
+          </a:fillRef>
+          <a:effectRef idx="0">
+            <a:schemeClr val="accent1"/>
+          </a:effectRef>
+          <a:fontRef idx="minor">
+            <a:schemeClr val="lt1"/>
+          </a:fontRef>
+        </p:style>
+        <p:txBody>
+          <a:bodyPr rtlCol="0" anchor="ctr"/>
+          <a:lstStyle/>
+          <a:p>
+            <a:pPr algn="ctr"/>
+            <a:endParaRPr lang="ko-KR" altLang="en-US"/>
+          </a:p>
+        </p:txBody>
+      </p:sp>
+      <p:sp>
+        <p:nvSpPr>
+          <p:cNvPr id="62" name="직사각형 61"/>
+          <p:cNvSpPr/>
+          <p:nvPr/>
+        </p:nvSpPr>
+        <p:spPr>
+          <a:xfrm>
+            <a:off x="7323704" y="2105017"/>
+            <a:ext cx="3114000" cy="1242000"/>
+          </a:xfrm>
+          <a:prstGeom prst="rect">
+            <a:avLst/>
+          </a:prstGeom>
+          <a:gradFill flip="none" rotWithShape="1">
+            <a:gsLst>
+              <a:gs pos="0">
+                <a:srgbClr val="5557AA">
+                  <a:alpha val="85000"/>
+                </a:srgbClr>
+              </a:gs>
+              <a:gs pos="40000">
+                <a:srgbClr val="414387"/>
+              </a:gs>
+            </a:gsLst>
+            <a:lin ang="10800000" scaled="1"/>
+            <a:tileRect/>
+          </a:gradFill>
+          <a:ln>
+            <a:noFill/>
+          </a:ln>
+        </p:spPr>
+        <p:style>
+          <a:lnRef idx="2">
+            <a:schemeClr val="accent1">
+              <a:shade val="50000"/>
+            </a:schemeClr>
+          </a:lnRef>
+          <a:fillRef idx="1">
+            <a:schemeClr val="accent1"/>
+          </a:fillRef>
+          <a:effectRef idx="0">
+            <a:schemeClr val="accent1"/>
+          </a:effectRef>
+          <a:fontRef idx="minor">
+            <a:schemeClr val="lt1"/>
+          </a:fontRef>
+        </p:style>
+        <p:txBody>
+          <a:bodyPr rtlCol="0" anchor="ctr"/>
+          <a:lstStyle/>
+          <a:p>
+            <a:pPr algn="ctr"/>
+            <a:endParaRPr lang="ko-KR" altLang="en-US"/>
+          </a:p>
+        </p:txBody>
+      </p:sp>
+      <p:sp>
+        <p:nvSpPr>
+          <p:cNvPr id="66" name="직사각형 65"/>
+          <p:cNvSpPr/>
+          <p:nvPr/>
+        </p:nvSpPr>
+        <p:spPr>
+          <a:xfrm>
+            <a:off x="7323704" y="3347017"/>
+            <a:ext cx="3114000" cy="1242000"/>
+          </a:xfrm>
+          <a:prstGeom prst="rect">
+            <a:avLst/>
+          </a:prstGeom>
+          <a:gradFill flip="none" rotWithShape="1">
+            <a:gsLst>
+              <a:gs pos="0">
+                <a:srgbClr val="E979BF">
+                  <a:alpha val="85000"/>
+                </a:srgbClr>
+              </a:gs>
+              <a:gs pos="40000">
+                <a:srgbClr val="E35BB2"/>
+              </a:gs>
+            </a:gsLst>
+            <a:lin ang="10800000" scaled="1"/>
+            <a:tileRect/>
+          </a:gradFill>
+          <a:ln>
+            <a:noFill/>
+          </a:ln>
+        </p:spPr>
+        <p:style>
+          <a:lnRef idx="2">
+            <a:schemeClr val="accent1">
+              <a:shade val="50000"/>
+            </a:schemeClr>
+          </a:lnRef>
+          <a:fillRef idx="1">
+            <a:schemeClr val="accent1"/>
+          </a:fillRef>
+          <a:effectRef idx="0">
+            <a:schemeClr val="accent1"/>
+          </a:effectRef>
+          <a:fontRef idx="minor">
+            <a:schemeClr val="lt1"/>
+          </a:fontRef>
+        </p:style>
+        <p:txBody>
+          <a:bodyPr rtlCol="0" anchor="ctr"/>
+          <a:lstStyle/>
+          <a:p>
+            <a:pPr algn="ctr"/>
+            <a:endParaRPr lang="ko-KR" altLang="en-US"/>
+          </a:p>
+        </p:txBody>
+      </p:sp>
+      <p:sp>
+        <p:nvSpPr>
+          <p:cNvPr id="69" name="직사각형 68"/>
+          <p:cNvSpPr/>
+          <p:nvPr/>
+        </p:nvSpPr>
+        <p:spPr>
+          <a:xfrm>
+            <a:off x="7323704" y="4575807"/>
+            <a:ext cx="3114000" cy="1242000"/>
+          </a:xfrm>
+          <a:prstGeom prst="rect">
+            <a:avLst/>
+          </a:prstGeom>
+          <a:gradFill flip="none" rotWithShape="1">
+            <a:gsLst>
+              <a:gs pos="0">
+                <a:srgbClr val="F2684C">
+                  <a:alpha val="85000"/>
+                </a:srgbClr>
+              </a:gs>
+              <a:gs pos="40000">
+                <a:srgbClr val="F25536"/>
+              </a:gs>
+            </a:gsLst>
+            <a:lin ang="10800000" scaled="1"/>
+            <a:tileRect/>
+          </a:gradFill>
+          <a:ln>
+            <a:noFill/>
+          </a:ln>
+        </p:spPr>
+        <p:style>
+          <a:lnRef idx="2">
+            <a:schemeClr val="accent1">
+              <a:shade val="50000"/>
+            </a:schemeClr>
+          </a:lnRef>
+          <a:fillRef idx="1">
+            <a:schemeClr val="accent1"/>
+          </a:fillRef>
+          <a:effectRef idx="0">
+            <a:schemeClr val="accent1"/>
+          </a:effectRef>
+          <a:fontRef idx="minor">
+            <a:schemeClr val="lt1"/>
+          </a:fontRef>
+        </p:style>
+        <p:txBody>
+          <a:bodyPr rtlCol="0" anchor="ctr"/>
+          <a:lstStyle/>
+          <a:p>
+            <a:pPr algn="ctr"/>
+            <a:endParaRPr lang="ko-KR" altLang="en-US"/>
+          </a:p>
+        </p:txBody>
+      </p:sp>
+      <p:sp>
+        <p:nvSpPr>
+          <p:cNvPr id="70" name="TextBox 69"/>
+          <p:cNvSpPr txBox="1"/>
+          <p:nvPr/>
+        </p:nvSpPr>
+        <p:spPr>
+          <a:xfrm>
+            <a:off x="7424620" y="950222"/>
+            <a:ext cx="1518364" cy="461665"/>
+          </a:xfrm>
+          <a:prstGeom prst="rect">
+            <a:avLst/>
+          </a:prstGeom>
+          <a:noFill/>
+        </p:spPr>
+        <p:txBody>
+          <a:bodyPr wrap="none" rtlCol="0">
+            <a:spAutoFit/>
+          </a:bodyPr>
+          <a:lstStyle/>
+          <a:p>
+            <a:r>
+              <a:rPr lang="ko-KR" altLang="en-US" sz="2400" dirty="0" smtClean="0">
+                <a:solidFill>
+                  <a:schemeClr val="bg1"/>
+                </a:solidFill>
+                <a:latin typeface="HY울릉도M" panose="02030600000101010101" pitchFamily="18" charset="-127"/>
+                <a:ea typeface="HY울릉도M" panose="02030600000101010101" pitchFamily="18" charset="-127"/>
+              </a:rPr>
+              <a:t>가상 면접</a:t>
+            </a:r>
+            <a:endParaRPr lang="ko-KR" altLang="en-US" sz="2400" dirty="0">
+              <a:solidFill>
+                <a:schemeClr val="bg1"/>
+              </a:solidFill>
+              <a:latin typeface="HY울릉도M" panose="02030600000101010101" pitchFamily="18" charset="-127"/>
+              <a:ea typeface="HY울릉도M" panose="02030600000101010101" pitchFamily="18" charset="-127"/>
+            </a:endParaRPr>
+          </a:p>
+        </p:txBody>
+      </p:sp>
+      <p:sp>
+        <p:nvSpPr>
+          <p:cNvPr id="71" name="TextBox 70"/>
+          <p:cNvSpPr txBox="1"/>
+          <p:nvPr/>
+        </p:nvSpPr>
+        <p:spPr>
+          <a:xfrm>
+            <a:off x="7575587" y="1416769"/>
+            <a:ext cx="1980030" cy="646331"/>
+          </a:xfrm>
+          <a:prstGeom prst="rect">
+            <a:avLst/>
+          </a:prstGeom>
+          <a:noFill/>
+        </p:spPr>
+        <p:txBody>
+          <a:bodyPr wrap="none" rtlCol="0">
+            <a:spAutoFit/>
+          </a:bodyPr>
+          <a:lstStyle/>
+          <a:p>
+            <a:pPr algn="r">
+              <a:lnSpc>
+                <a:spcPct val="150000"/>
+              </a:lnSpc>
+            </a:pPr>
+            <a:r>
+              <a:rPr lang="en-US" altLang="ko-KR" sz="1200" dirty="0" smtClean="0">
+                <a:solidFill>
+                  <a:schemeClr val="bg1"/>
+                </a:solidFill>
+                <a:latin typeface="HY울릉도M" panose="02030600000101010101" pitchFamily="18" charset="-127"/>
+                <a:ea typeface="HY울릉도M" panose="02030600000101010101" pitchFamily="18" charset="-127"/>
+              </a:rPr>
+              <a:t>AI </a:t>
+            </a:r>
+            <a:r>
+              <a:rPr lang="ko-KR" altLang="en-US" sz="1200" dirty="0" err="1" smtClean="0">
+                <a:solidFill>
+                  <a:schemeClr val="bg1"/>
+                </a:solidFill>
+                <a:latin typeface="HY울릉도M" panose="02030600000101010101" pitchFamily="18" charset="-127"/>
+                <a:ea typeface="HY울릉도M" panose="02030600000101010101" pitchFamily="18" charset="-127"/>
+              </a:rPr>
+              <a:t>면접관과</a:t>
+            </a:r>
+            <a:r>
+              <a:rPr lang="ko-KR" altLang="en-US" sz="1200" dirty="0" smtClean="0">
+                <a:solidFill>
+                  <a:schemeClr val="bg1"/>
+                </a:solidFill>
+                <a:latin typeface="HY울릉도M" panose="02030600000101010101" pitchFamily="18" charset="-127"/>
+                <a:ea typeface="HY울릉도M" panose="02030600000101010101" pitchFamily="18" charset="-127"/>
+              </a:rPr>
+              <a:t> 함께</a:t>
+            </a:r>
+            <a:endParaRPr lang="en-US" altLang="ko-KR" sz="1200" dirty="0" smtClean="0">
+              <a:solidFill>
+                <a:schemeClr val="bg1"/>
+              </a:solidFill>
+              <a:latin typeface="HY울릉도M" panose="02030600000101010101" pitchFamily="18" charset="-127"/>
+              <a:ea typeface="HY울릉도M" panose="02030600000101010101" pitchFamily="18" charset="-127"/>
+            </a:endParaRPr>
+          </a:p>
+          <a:p>
+            <a:pPr algn="r">
+              <a:lnSpc>
+                <a:spcPct val="150000"/>
+              </a:lnSpc>
+            </a:pPr>
+            <a:r>
+              <a:rPr lang="ko-KR" altLang="en-US" sz="1200" dirty="0" smtClean="0">
+                <a:solidFill>
+                  <a:schemeClr val="bg1"/>
+                </a:solidFill>
+                <a:latin typeface="HY울릉도M" panose="02030600000101010101" pitchFamily="18" charset="-127"/>
+                <a:ea typeface="HY울릉도M" panose="02030600000101010101" pitchFamily="18" charset="-127"/>
+              </a:rPr>
+              <a:t>가상 면접을 시작해보세요</a:t>
+            </a:r>
+            <a:endParaRPr lang="en-US" altLang="ko-KR" sz="1200" dirty="0" smtClean="0">
+              <a:solidFill>
+                <a:schemeClr val="bg1"/>
+              </a:solidFill>
+              <a:latin typeface="HY울릉도M" panose="02030600000101010101" pitchFamily="18" charset="-127"/>
+              <a:ea typeface="HY울릉도M" panose="02030600000101010101" pitchFamily="18" charset="-127"/>
+            </a:endParaRPr>
+          </a:p>
+        </p:txBody>
+      </p:sp>
+      <p:pic>
+        <p:nvPicPr>
+          <p:cNvPr id="72" name="그림 71"/>
+          <p:cNvPicPr>
+            <a:picLocks noChangeAspect="1"/>
+          </p:cNvPicPr>
+          <p:nvPr/>
+        </p:nvPicPr>
+        <p:blipFill>
+          <a:blip r:embed="rId7" cstate="print">
+            <a:extLst>
+              <a:ext uri="{28A0092B-C50C-407E-A947-70E740481C1C}">
+                <a14:useLocalDpi xmlns:a14="http://schemas.microsoft.com/office/drawing/2010/main" val="0"/>
+              </a:ext>
+            </a:extLst>
+          </a:blip>
+          <a:stretch>
+            <a:fillRect/>
+          </a:stretch>
+        </p:blipFill>
+        <p:spPr>
+          <a:xfrm>
+            <a:off x="9700555" y="1239535"/>
+            <a:ext cx="545305" cy="545305"/>
+          </a:xfrm>
+          <a:prstGeom prst="rect">
+            <a:avLst/>
+          </a:prstGeom>
+        </p:spPr>
+      </p:pic>
+      <p:sp>
+        <p:nvSpPr>
+          <p:cNvPr id="73" name="TextBox 72"/>
+          <p:cNvSpPr txBox="1"/>
+          <p:nvPr/>
+        </p:nvSpPr>
+        <p:spPr>
+          <a:xfrm>
+            <a:off x="7424620" y="2168550"/>
+            <a:ext cx="1518364" cy="461665"/>
+          </a:xfrm>
+          <a:prstGeom prst="rect">
+            <a:avLst/>
+          </a:prstGeom>
+          <a:noFill/>
+        </p:spPr>
+        <p:txBody>
+          <a:bodyPr wrap="none" rtlCol="0">
+            <a:spAutoFit/>
+          </a:bodyPr>
+          <a:lstStyle/>
+          <a:p>
+            <a:r>
+              <a:rPr lang="ko-KR" altLang="en-US" sz="2400" dirty="0" smtClean="0">
+                <a:solidFill>
+                  <a:schemeClr val="bg1"/>
+                </a:solidFill>
+                <a:latin typeface="HY울릉도M" panose="02030600000101010101" pitchFamily="18" charset="-127"/>
+                <a:ea typeface="HY울릉도M" panose="02030600000101010101" pitchFamily="18" charset="-127"/>
+              </a:rPr>
+              <a:t>면접 결과</a:t>
+            </a:r>
+            <a:endParaRPr lang="ko-KR" altLang="en-US" sz="2400" dirty="0">
+              <a:solidFill>
+                <a:schemeClr val="bg1"/>
+              </a:solidFill>
+              <a:latin typeface="HY울릉도M" panose="02030600000101010101" pitchFamily="18" charset="-127"/>
+              <a:ea typeface="HY울릉도M" panose="02030600000101010101" pitchFamily="18" charset="-127"/>
+            </a:endParaRPr>
+          </a:p>
+        </p:txBody>
+      </p:sp>
+      <p:sp>
+        <p:nvSpPr>
+          <p:cNvPr id="74" name="TextBox 73"/>
+          <p:cNvSpPr txBox="1"/>
+          <p:nvPr/>
+        </p:nvSpPr>
+        <p:spPr>
+          <a:xfrm>
+            <a:off x="7832068" y="2641889"/>
+            <a:ext cx="1723549" cy="603242"/>
+          </a:xfrm>
+          <a:prstGeom prst="rect">
+            <a:avLst/>
+          </a:prstGeom>
+          <a:noFill/>
+        </p:spPr>
+        <p:txBody>
+          <a:bodyPr wrap="none" rtlCol="0">
+            <a:spAutoFit/>
+          </a:bodyPr>
+          <a:lstStyle/>
+          <a:p>
+            <a:pPr algn="r">
+              <a:lnSpc>
+                <a:spcPct val="150000"/>
+              </a:lnSpc>
+            </a:pPr>
+            <a:r>
+              <a:rPr lang="ko-KR" altLang="en-US" sz="1200" dirty="0" smtClean="0">
+                <a:solidFill>
+                  <a:schemeClr val="bg1"/>
+                </a:solidFill>
+                <a:latin typeface="HY울릉도M" panose="02030600000101010101" pitchFamily="18" charset="-127"/>
+                <a:ea typeface="HY울릉도M" panose="02030600000101010101" pitchFamily="18" charset="-127"/>
+              </a:rPr>
+              <a:t>가상 면접 결과를</a:t>
+            </a:r>
+            <a:endParaRPr lang="en-US" altLang="ko-KR" sz="1200" dirty="0" smtClean="0">
+              <a:solidFill>
+                <a:schemeClr val="bg1"/>
+              </a:solidFill>
+              <a:latin typeface="HY울릉도M" panose="02030600000101010101" pitchFamily="18" charset="-127"/>
+              <a:ea typeface="HY울릉도M" panose="02030600000101010101" pitchFamily="18" charset="-127"/>
+            </a:endParaRPr>
+          </a:p>
+          <a:p>
+            <a:pPr algn="r">
+              <a:lnSpc>
+                <a:spcPct val="150000"/>
+              </a:lnSpc>
+            </a:pPr>
+            <a:r>
+              <a:rPr lang="ko-KR" altLang="en-US" sz="1200" dirty="0" smtClean="0">
+                <a:solidFill>
+                  <a:schemeClr val="bg1"/>
+                </a:solidFill>
+                <a:latin typeface="HY울릉도M" panose="02030600000101010101" pitchFamily="18" charset="-127"/>
+                <a:ea typeface="HY울릉도M" panose="02030600000101010101" pitchFamily="18" charset="-127"/>
+              </a:rPr>
+              <a:t>다시 확인할 수 있어요</a:t>
+            </a:r>
+            <a:endParaRPr lang="ko-KR" altLang="en-US" sz="1200" dirty="0">
+              <a:solidFill>
+                <a:schemeClr val="bg1"/>
+              </a:solidFill>
+              <a:latin typeface="HY울릉도M" panose="02030600000101010101" pitchFamily="18" charset="-127"/>
+              <a:ea typeface="HY울릉도M" panose="02030600000101010101" pitchFamily="18" charset="-127"/>
+            </a:endParaRPr>
+          </a:p>
+        </p:txBody>
+      </p:sp>
+      <p:sp>
+        <p:nvSpPr>
+          <p:cNvPr id="75" name="TextBox 74"/>
+          <p:cNvSpPr txBox="1"/>
+          <p:nvPr/>
+        </p:nvSpPr>
+        <p:spPr>
+          <a:xfrm>
+            <a:off x="7424620" y="3436361"/>
+            <a:ext cx="1518364" cy="461665"/>
+          </a:xfrm>
+          <a:prstGeom prst="rect">
+            <a:avLst/>
+          </a:prstGeom>
+          <a:noFill/>
+        </p:spPr>
+        <p:txBody>
+          <a:bodyPr wrap="none" rtlCol="0">
+            <a:spAutoFit/>
+          </a:bodyPr>
+          <a:lstStyle/>
+          <a:p>
+            <a:r>
+              <a:rPr lang="ko-KR" altLang="en-US" sz="2400" dirty="0" smtClean="0">
+                <a:solidFill>
+                  <a:schemeClr val="bg1"/>
+                </a:solidFill>
+                <a:latin typeface="HY울릉도M" panose="02030600000101010101" pitchFamily="18" charset="-127"/>
+                <a:ea typeface="HY울릉도M" panose="02030600000101010101" pitchFamily="18" charset="-127"/>
+              </a:rPr>
+              <a:t>면접 문제</a:t>
+            </a:r>
+            <a:endParaRPr lang="ko-KR" altLang="en-US" sz="2400" dirty="0">
+              <a:solidFill>
+                <a:schemeClr val="bg1"/>
+              </a:solidFill>
+              <a:latin typeface="HY울릉도M" panose="02030600000101010101" pitchFamily="18" charset="-127"/>
+              <a:ea typeface="HY울릉도M" panose="02030600000101010101" pitchFamily="18" charset="-127"/>
+            </a:endParaRPr>
+          </a:p>
+        </p:txBody>
+      </p:sp>
+      <p:sp>
+        <p:nvSpPr>
+          <p:cNvPr id="76" name="TextBox 75"/>
+          <p:cNvSpPr txBox="1"/>
+          <p:nvPr/>
+        </p:nvSpPr>
+        <p:spPr>
+          <a:xfrm>
+            <a:off x="7815672" y="3888640"/>
+            <a:ext cx="1720343" cy="603242"/>
+          </a:xfrm>
+          <a:prstGeom prst="rect">
+            <a:avLst/>
+          </a:prstGeom>
+          <a:noFill/>
+        </p:spPr>
+        <p:txBody>
+          <a:bodyPr wrap="none" rtlCol="0">
+            <a:spAutoFit/>
+          </a:bodyPr>
+          <a:lstStyle/>
+          <a:p>
+            <a:pPr algn="r">
+              <a:lnSpc>
+                <a:spcPct val="150000"/>
+              </a:lnSpc>
+            </a:pPr>
+            <a:r>
+              <a:rPr lang="ko-KR" altLang="en-US" sz="1200" dirty="0" smtClean="0">
+                <a:solidFill>
+                  <a:schemeClr val="bg1"/>
+                </a:solidFill>
+                <a:latin typeface="HY울릉도M" panose="02030600000101010101" pitchFamily="18" charset="-127"/>
+                <a:ea typeface="HY울릉도M" panose="02030600000101010101" pitchFamily="18" charset="-127"/>
+              </a:rPr>
+              <a:t>가상 면접을 위한</a:t>
+            </a:r>
+            <a:endParaRPr lang="en-US" altLang="ko-KR" sz="1200" dirty="0" smtClean="0">
+              <a:solidFill>
+                <a:schemeClr val="bg1"/>
+              </a:solidFill>
+              <a:latin typeface="HY울릉도M" panose="02030600000101010101" pitchFamily="18" charset="-127"/>
+              <a:ea typeface="HY울릉도M" panose="02030600000101010101" pitchFamily="18" charset="-127"/>
+            </a:endParaRPr>
+          </a:p>
+          <a:p>
+            <a:pPr algn="r">
+              <a:lnSpc>
+                <a:spcPct val="150000"/>
+              </a:lnSpc>
+            </a:pPr>
+            <a:r>
+              <a:rPr lang="ko-KR" altLang="en-US" sz="1200" dirty="0" smtClean="0">
+                <a:solidFill>
+                  <a:schemeClr val="bg1"/>
+                </a:solidFill>
+                <a:latin typeface="HY울릉도M" panose="02030600000101010101" pitchFamily="18" charset="-127"/>
+                <a:ea typeface="HY울릉도M" panose="02030600000101010101" pitchFamily="18" charset="-127"/>
+              </a:rPr>
+              <a:t>문제 </a:t>
+            </a:r>
+            <a:r>
+              <a:rPr lang="en-US" altLang="ko-KR" sz="1200" dirty="0" smtClean="0">
+                <a:solidFill>
+                  <a:schemeClr val="bg1"/>
+                </a:solidFill>
+                <a:latin typeface="HY울릉도M" panose="02030600000101010101" pitchFamily="18" charset="-127"/>
+                <a:ea typeface="HY울릉도M" panose="02030600000101010101" pitchFamily="18" charset="-127"/>
+              </a:rPr>
+              <a:t>DB</a:t>
+            </a:r>
+            <a:r>
+              <a:rPr lang="ko-KR" altLang="en-US" sz="1200" dirty="0" smtClean="0">
+                <a:solidFill>
+                  <a:schemeClr val="bg1"/>
+                </a:solidFill>
+                <a:latin typeface="HY울릉도M" panose="02030600000101010101" pitchFamily="18" charset="-127"/>
+                <a:ea typeface="HY울릉도M" panose="02030600000101010101" pitchFamily="18" charset="-127"/>
+              </a:rPr>
+              <a:t>를 확인하세요</a:t>
+            </a:r>
+            <a:endParaRPr lang="ko-KR" altLang="en-US" sz="1200" dirty="0">
+              <a:solidFill>
+                <a:schemeClr val="bg1"/>
+              </a:solidFill>
+              <a:latin typeface="HY울릉도M" panose="02030600000101010101" pitchFamily="18" charset="-127"/>
+              <a:ea typeface="HY울릉도M" panose="02030600000101010101" pitchFamily="18" charset="-127"/>
+            </a:endParaRPr>
+          </a:p>
+        </p:txBody>
+      </p:sp>
+      <p:sp>
+        <p:nvSpPr>
+          <p:cNvPr id="77" name="TextBox 76"/>
+          <p:cNvSpPr txBox="1"/>
+          <p:nvPr/>
+        </p:nvSpPr>
+        <p:spPr>
+          <a:xfrm>
+            <a:off x="7424620" y="4692436"/>
+            <a:ext cx="1518364" cy="461665"/>
+          </a:xfrm>
+          <a:prstGeom prst="rect">
+            <a:avLst/>
+          </a:prstGeom>
+          <a:noFill/>
+        </p:spPr>
+        <p:txBody>
+          <a:bodyPr wrap="none" rtlCol="0">
+            <a:spAutoFit/>
+          </a:bodyPr>
+          <a:lstStyle/>
+          <a:p>
+            <a:r>
+              <a:rPr lang="ko-KR" altLang="en-US" sz="2400" dirty="0" smtClean="0">
+                <a:solidFill>
+                  <a:schemeClr val="bg1"/>
+                </a:solidFill>
+                <a:latin typeface="HY울릉도M" panose="02030600000101010101" pitchFamily="18" charset="-127"/>
+                <a:ea typeface="HY울릉도M" panose="02030600000101010101" pitchFamily="18" charset="-127"/>
+              </a:rPr>
+              <a:t>환경 설정</a:t>
+            </a:r>
+            <a:endParaRPr lang="ko-KR" altLang="en-US" sz="2400" dirty="0">
+              <a:solidFill>
+                <a:schemeClr val="bg1"/>
+              </a:solidFill>
+              <a:latin typeface="HY울릉도M" panose="02030600000101010101" pitchFamily="18" charset="-127"/>
+              <a:ea typeface="HY울릉도M" panose="02030600000101010101" pitchFamily="18" charset="-127"/>
+            </a:endParaRPr>
+          </a:p>
+        </p:txBody>
+      </p:sp>
+      <p:sp>
+        <p:nvSpPr>
+          <p:cNvPr id="78" name="TextBox 77"/>
+          <p:cNvSpPr txBox="1"/>
+          <p:nvPr/>
+        </p:nvSpPr>
+        <p:spPr>
+          <a:xfrm>
+            <a:off x="7944523" y="5164140"/>
+            <a:ext cx="1620957" cy="326243"/>
+          </a:xfrm>
+          <a:prstGeom prst="rect">
+            <a:avLst/>
+          </a:prstGeom>
+          <a:noFill/>
+        </p:spPr>
+        <p:txBody>
+          <a:bodyPr wrap="none" rtlCol="0">
+            <a:spAutoFit/>
+          </a:bodyPr>
+          <a:lstStyle/>
+          <a:p>
+            <a:pPr algn="r">
+              <a:lnSpc>
+                <a:spcPct val="150000"/>
+              </a:lnSpc>
+            </a:pPr>
+            <a:r>
+              <a:rPr lang="ko-KR" altLang="en-US" sz="1200" dirty="0" smtClean="0">
+                <a:solidFill>
+                  <a:schemeClr val="bg1"/>
+                </a:solidFill>
+                <a:latin typeface="HY울릉도M" panose="02030600000101010101" pitchFamily="18" charset="-127"/>
+                <a:ea typeface="HY울릉도M" panose="02030600000101010101" pitchFamily="18" charset="-127"/>
+              </a:rPr>
+              <a:t>기기를 최적화합니다</a:t>
+            </a:r>
+            <a:endParaRPr lang="ko-KR" altLang="en-US" sz="1200" dirty="0">
+              <a:solidFill>
+                <a:schemeClr val="bg1"/>
+              </a:solidFill>
+              <a:latin typeface="HY울릉도M" panose="02030600000101010101" pitchFamily="18" charset="-127"/>
+              <a:ea typeface="HY울릉도M" panose="02030600000101010101" pitchFamily="18" charset="-127"/>
+            </a:endParaRPr>
+          </a:p>
+        </p:txBody>
+      </p:sp>
+      <p:pic>
+        <p:nvPicPr>
+          <p:cNvPr id="79" name="그림 78"/>
+          <p:cNvPicPr>
+            <a:picLocks noChangeAspect="1"/>
+          </p:cNvPicPr>
+          <p:nvPr/>
+        </p:nvPicPr>
+        <p:blipFill>
+          <a:blip r:embed="rId8" cstate="print">
+            <a:extLst>
+              <a:ext uri="{28A0092B-C50C-407E-A947-70E740481C1C}">
+                <a14:useLocalDpi xmlns:a14="http://schemas.microsoft.com/office/drawing/2010/main" val="0"/>
+              </a:ext>
+            </a:extLst>
+          </a:blip>
+          <a:stretch>
+            <a:fillRect/>
+          </a:stretch>
+        </p:blipFill>
+        <p:spPr>
+          <a:xfrm>
+            <a:off x="9700555" y="2457077"/>
+            <a:ext cx="585905" cy="585905"/>
+          </a:xfrm>
+          <a:prstGeom prst="rect">
+            <a:avLst/>
+          </a:prstGeom>
+        </p:spPr>
+      </p:pic>
+      <p:pic>
+        <p:nvPicPr>
+          <p:cNvPr id="80" name="그림 79"/>
+          <p:cNvPicPr>
+            <a:picLocks noChangeAspect="1"/>
+          </p:cNvPicPr>
+          <p:nvPr/>
+        </p:nvPicPr>
+        <p:blipFill>
+          <a:blip r:embed="rId9" cstate="print">
+            <a:extLst>
+              <a:ext uri="{28A0092B-C50C-407E-A947-70E740481C1C}">
+                <a14:useLocalDpi xmlns:a14="http://schemas.microsoft.com/office/drawing/2010/main" val="0"/>
+              </a:ext>
+            </a:extLst>
+          </a:blip>
+          <a:stretch>
+            <a:fillRect/>
+          </a:stretch>
+        </p:blipFill>
+        <p:spPr>
+          <a:xfrm>
+            <a:off x="9742804" y="3701733"/>
+            <a:ext cx="565915" cy="565915"/>
+          </a:xfrm>
+          <a:prstGeom prst="rect">
+            <a:avLst/>
+          </a:prstGeom>
+        </p:spPr>
+      </p:pic>
+      <p:pic>
+        <p:nvPicPr>
+          <p:cNvPr id="81" name="그림 80"/>
+          <p:cNvPicPr>
+            <a:picLocks noChangeAspect="1"/>
+          </p:cNvPicPr>
+          <p:nvPr/>
+        </p:nvPicPr>
+        <p:blipFill>
+          <a:blip r:embed="rId10" cstate="print">
+            <a:extLst>
+              <a:ext uri="{28A0092B-C50C-407E-A947-70E740481C1C}">
+                <a14:useLocalDpi xmlns:a14="http://schemas.microsoft.com/office/drawing/2010/main" val="0"/>
+              </a:ext>
+            </a:extLst>
+          </a:blip>
+          <a:stretch>
+            <a:fillRect/>
+          </a:stretch>
+        </p:blipFill>
+        <p:spPr>
+          <a:xfrm>
+            <a:off x="9742804" y="4982489"/>
+            <a:ext cx="526907" cy="526907"/>
+          </a:xfrm>
+          <a:prstGeom prst="rect">
+            <a:avLst/>
+          </a:prstGeom>
+        </p:spPr>
+      </p:pic>
+    </p:spTree>
+    <p:extLst>
+      <p:ext uri="{BB962C8B-B14F-4D97-AF65-F5344CB8AC3E}">
+        <p14:creationId xmlns:p14="http://schemas.microsoft.com/office/powerpoint/2010/main" val="115380205"/>
+      </p:ext>
+    </p:extLst>
+  </p:cSld>
+  <p:clrMapOvr>
+    <a:masterClrMapping/>
+  </p:clrMapOvr>
+</p:sld>
+</file>
+
+<file path=ppt/slides/slide7.xml><?xml version="1.0" encoding="utf-8"?>
+<p:sld xmlns:a="http://schemas.openxmlformats.org/drawingml/2006/main" xmlns:r="http://schemas.openxmlformats.org/officeDocument/2006/relationships" xmlns:p="http://schemas.openxmlformats.org/presentationml/2006/main">
+  <p:cSld>
+    <p:spTree>
+      <p:nvGrpSpPr>
+        <p:cNvPr id="1" name=""/>
+        <p:cNvGrpSpPr/>
+        <p:nvPr/>
+      </p:nvGrpSpPr>
+      <p:grpSpPr>
+        <a:xfrm>
+          <a:off x="0" y="0"/>
+          <a:ext cx="0" cy="0"/>
+          <a:chOff x="0" y="0"/>
+          <a:chExt cx="0" cy="0"/>
+        </a:xfrm>
+      </p:grpSpPr>
+      <p:sp>
+        <p:nvSpPr>
+          <p:cNvPr id="2" name="직사각형 1"/>
+          <p:cNvSpPr/>
+          <p:nvPr/>
+        </p:nvSpPr>
+        <p:spPr>
+          <a:xfrm>
+            <a:off x="0" y="0"/>
+            <a:ext cx="2388637" cy="466530"/>
+          </a:xfrm>
+          <a:prstGeom prst="rect">
+            <a:avLst/>
+          </a:prstGeom>
+          <a:solidFill>
+            <a:schemeClr val="tx1"/>
+          </a:solidFill>
+          <a:ln>
+            <a:noFill/>
+          </a:ln>
+        </p:spPr>
+        <p:style>
+          <a:lnRef idx="2">
+            <a:schemeClr val="accent1">
+              <a:shade val="50000"/>
+            </a:schemeClr>
+          </a:lnRef>
+          <a:fillRef idx="1">
+            <a:schemeClr val="accent1"/>
+          </a:fillRef>
+          <a:effectRef idx="0">
+            <a:schemeClr val="accent1"/>
+          </a:effectRef>
+          <a:fontRef idx="minor">
+            <a:schemeClr val="lt1"/>
+          </a:fontRef>
+        </p:style>
+        <p:txBody>
+          <a:bodyPr rtlCol="0" anchor="ctr"/>
+          <a:lstStyle/>
+          <a:p>
+            <a:pPr algn="ctr"/>
+            <a:r>
+              <a:rPr lang="ko-KR" altLang="en-US" dirty="0" smtClean="0">
+                <a:latin typeface="210 맨발의청춘 B" panose="02020603020101020101" pitchFamily="18" charset="-127"/>
+                <a:ea typeface="210 맨발의청춘 B" panose="02020603020101020101" pitchFamily="18" charset="-127"/>
+              </a:rPr>
+              <a:t>초기 </a:t>
+            </a:r>
+            <a:r>
+              <a:rPr lang="ko-KR" altLang="en-US" dirty="0" err="1" smtClean="0">
+                <a:latin typeface="210 맨발의청춘 B" panose="02020603020101020101" pitchFamily="18" charset="-127"/>
+                <a:ea typeface="210 맨발의청춘 B" panose="02020603020101020101" pitchFamily="18" charset="-127"/>
+              </a:rPr>
+              <a:t>세팅</a:t>
+            </a:r>
+            <a:r>
+              <a:rPr lang="ko-KR" altLang="en-US" dirty="0" smtClean="0">
+                <a:latin typeface="210 맨발의청춘 B" panose="02020603020101020101" pitchFamily="18" charset="-127"/>
+                <a:ea typeface="210 맨발의청춘 B" panose="02020603020101020101" pitchFamily="18" charset="-127"/>
+              </a:rPr>
+              <a:t> 작업</a:t>
+            </a:r>
+            <a:endParaRPr lang="ko-KR" altLang="en-US" dirty="0">
+              <a:latin typeface="210 맨발의청춘 B" panose="02020603020101020101" pitchFamily="18" charset="-127"/>
+              <a:ea typeface="210 맨발의청춘 B" panose="02020603020101020101" pitchFamily="18" charset="-127"/>
+            </a:endParaRPr>
+          </a:p>
+        </p:txBody>
+      </p:sp>
+      <p:sp>
+        <p:nvSpPr>
+          <p:cNvPr id="9" name="직사각형 8"/>
+          <p:cNvSpPr/>
+          <p:nvPr/>
+        </p:nvSpPr>
+        <p:spPr>
+          <a:xfrm>
+            <a:off x="2565919" y="0"/>
+            <a:ext cx="2388637" cy="466530"/>
+          </a:xfrm>
+          <a:prstGeom prst="rect">
+            <a:avLst/>
+          </a:prstGeom>
+          <a:solidFill>
+            <a:schemeClr val="tx1">
+              <a:lumMod val="50000"/>
+              <a:lumOff val="50000"/>
+            </a:schemeClr>
+          </a:solidFill>
+          <a:ln>
+            <a:noFill/>
+          </a:ln>
+        </p:spPr>
+        <p:style>
+          <a:lnRef idx="2">
+            <a:schemeClr val="accent1">
+              <a:shade val="50000"/>
+            </a:schemeClr>
+          </a:lnRef>
+          <a:fillRef idx="1">
+            <a:schemeClr val="accent1"/>
+          </a:fillRef>
+          <a:effectRef idx="0">
+            <a:schemeClr val="accent1"/>
+          </a:effectRef>
+          <a:fontRef idx="minor">
+            <a:schemeClr val="lt1"/>
+          </a:fontRef>
+        </p:style>
+        <p:txBody>
+          <a:bodyPr rtlCol="0" anchor="ctr"/>
+          <a:lstStyle/>
+          <a:p>
+            <a:pPr algn="ctr"/>
+            <a:r>
+              <a:rPr lang="en-US" altLang="ko-KR" dirty="0" smtClean="0">
+                <a:latin typeface="210 맨발의청춘 B" panose="02020603020101020101" pitchFamily="18" charset="-127"/>
+                <a:ea typeface="210 맨발의청춘 B" panose="02020603020101020101" pitchFamily="18" charset="-127"/>
+              </a:rPr>
+              <a:t>Choose Question</a:t>
+            </a:r>
+            <a:endParaRPr lang="ko-KR" altLang="en-US" dirty="0">
+              <a:latin typeface="210 맨발의청춘 B" panose="02020603020101020101" pitchFamily="18" charset="-127"/>
+              <a:ea typeface="210 맨발의청춘 B" panose="02020603020101020101" pitchFamily="18" charset="-127"/>
+            </a:endParaRPr>
+          </a:p>
+        </p:txBody>
+      </p:sp>
+      <p:sp>
+        <p:nvSpPr>
+          <p:cNvPr id="11" name="TextBox 10"/>
+          <p:cNvSpPr txBox="1"/>
+          <p:nvPr/>
+        </p:nvSpPr>
+        <p:spPr>
+          <a:xfrm>
+            <a:off x="1417153" y="6609769"/>
+            <a:ext cx="585417" cy="276999"/>
+          </a:xfrm>
+          <a:prstGeom prst="rect">
+            <a:avLst/>
+          </a:prstGeom>
+          <a:noFill/>
+        </p:spPr>
+        <p:txBody>
+          <a:bodyPr wrap="none" rtlCol="0">
+            <a:spAutoFit/>
+          </a:bodyPr>
+          <a:lstStyle/>
+          <a:p>
+            <a:r>
+              <a:rPr lang="en-US" altLang="ko-KR" sz="1200" dirty="0" smtClean="0">
+                <a:latin typeface="210 맨발의청춘 L" panose="02020603020101020101" pitchFamily="18" charset="-127"/>
+                <a:ea typeface="210 맨발의청춘 L" panose="02020603020101020101" pitchFamily="18" charset="-127"/>
+              </a:rPr>
+              <a:t>[</a:t>
+            </a:r>
+            <a:r>
+              <a:rPr lang="ko-KR" altLang="en-US" sz="1200" dirty="0" smtClean="0">
+                <a:latin typeface="210 맨발의청춘 L" panose="02020603020101020101" pitchFamily="18" charset="-127"/>
+                <a:ea typeface="210 맨발의청춘 L" panose="02020603020101020101" pitchFamily="18" charset="-127"/>
+              </a:rPr>
+              <a:t>메인</a:t>
+            </a:r>
+            <a:r>
+              <a:rPr lang="en-US" altLang="ko-KR" sz="1200" dirty="0" smtClean="0">
+                <a:latin typeface="210 맨발의청춘 L" panose="02020603020101020101" pitchFamily="18" charset="-127"/>
+                <a:ea typeface="210 맨발의청춘 L" panose="02020603020101020101" pitchFamily="18" charset="-127"/>
+              </a:rPr>
+              <a:t>]</a:t>
+            </a:r>
+            <a:endParaRPr lang="ko-KR" altLang="en-US" sz="1200" dirty="0">
+              <a:latin typeface="210 맨발의청춘 L" panose="02020603020101020101" pitchFamily="18" charset="-127"/>
+              <a:ea typeface="210 맨발의청춘 L" panose="02020603020101020101" pitchFamily="18" charset="-127"/>
+            </a:endParaRPr>
+          </a:p>
+        </p:txBody>
+      </p:sp>
+      <p:sp>
+        <p:nvSpPr>
+          <p:cNvPr id="70" name="직사각형 69"/>
+          <p:cNvSpPr/>
+          <p:nvPr/>
+        </p:nvSpPr>
+        <p:spPr>
+          <a:xfrm>
+            <a:off x="232442" y="1052124"/>
+            <a:ext cx="3114675" cy="4972050"/>
+          </a:xfrm>
+          <a:prstGeom prst="rect">
+            <a:avLst/>
+          </a:prstGeom>
+          <a:solidFill>
+            <a:schemeClr val="bg1"/>
+          </a:solidFill>
+        </p:spPr>
+        <p:style>
+          <a:lnRef idx="2">
+            <a:schemeClr val="accent1">
+              <a:shade val="50000"/>
+            </a:schemeClr>
+          </a:lnRef>
+          <a:fillRef idx="1">
+            <a:schemeClr val="accent1"/>
+          </a:fillRef>
+          <a:effectRef idx="0">
+            <a:schemeClr val="accent1"/>
+          </a:effectRef>
+          <a:fontRef idx="minor">
+            <a:schemeClr val="lt1"/>
+          </a:fontRef>
+        </p:style>
+        <p:txBody>
+          <a:bodyPr rtlCol="0" anchor="ctr"/>
+          <a:lstStyle/>
+          <a:p>
+            <a:pPr algn="ctr"/>
+            <a:endParaRPr lang="ko-KR" altLang="en-US"/>
+          </a:p>
+        </p:txBody>
+      </p:sp>
+      <p:sp>
+        <p:nvSpPr>
+          <p:cNvPr id="87" name="직사각형 86"/>
+          <p:cNvSpPr/>
+          <p:nvPr/>
+        </p:nvSpPr>
+        <p:spPr>
+          <a:xfrm>
+            <a:off x="4385388" y="1436914"/>
+            <a:ext cx="1156996" cy="1156996"/>
+          </a:xfrm>
+          <a:prstGeom prst="rect">
+            <a:avLst/>
+          </a:prstGeom>
+          <a:solidFill>
+            <a:srgbClr val="0070C0"/>
+          </a:solidFill>
+          <a:ln>
+            <a:noFill/>
+          </a:ln>
+        </p:spPr>
+        <p:style>
+          <a:lnRef idx="2">
+            <a:schemeClr val="accent1">
+              <a:shade val="50000"/>
+            </a:schemeClr>
+          </a:lnRef>
+          <a:fillRef idx="1">
+            <a:schemeClr val="accent1"/>
+          </a:fillRef>
+          <a:effectRef idx="0">
+            <a:schemeClr val="accent1"/>
+          </a:effectRef>
+          <a:fontRef idx="minor">
+            <a:schemeClr val="lt1"/>
+          </a:fontRef>
+        </p:style>
+        <p:txBody>
+          <a:bodyPr rtlCol="0" anchor="ctr"/>
+          <a:lstStyle/>
+          <a:p>
+            <a:pPr algn="ctr"/>
+            <a:endParaRPr lang="ko-KR" altLang="en-US"/>
+          </a:p>
+        </p:txBody>
+      </p:sp>
+      <p:pic>
+        <p:nvPicPr>
+          <p:cNvPr id="88" name="그림 87"/>
+          <p:cNvPicPr>
+            <a:picLocks noChangeAspect="1"/>
+          </p:cNvPicPr>
+          <p:nvPr/>
+        </p:nvPicPr>
+        <p:blipFill>
+          <a:blip r:embed="rId2" cstate="print">
+            <a:extLst>
+              <a:ext uri="{28A0092B-C50C-407E-A947-70E740481C1C}">
+                <a14:useLocalDpi xmlns:a14="http://schemas.microsoft.com/office/drawing/2010/main" val="0"/>
+              </a:ext>
+            </a:extLst>
+          </a:blip>
+          <a:stretch>
+            <a:fillRect/>
+          </a:stretch>
+        </p:blipFill>
+        <p:spPr>
+          <a:xfrm>
             <a:off x="4750523" y="1662557"/>
             <a:ext cx="426726" cy="426726"/>
           </a:xfrm>
@@ -10836,7 +11512,7 @@
 </p:sld>
 </file>
 
-<file path=ppt/slides/slide7.xml><?xml version="1.0" encoding="utf-8"?>
+<file path=ppt/slides/slide8.xml><?xml version="1.0" encoding="utf-8"?>
 <p:sld xmlns:a="http://schemas.openxmlformats.org/drawingml/2006/main" xmlns:r="http://schemas.openxmlformats.org/officeDocument/2006/relationships" xmlns:p="http://schemas.openxmlformats.org/presentationml/2006/main">
   <p:cSld>
     <p:spTree>
